--- a/_bmad-output/GRC agent.pptx
+++ b/_bmad-output/GRC agent.pptx
@@ -28,9 +28,16 @@
     <p:sldId id="276" r:id="rId22"/>
     <p:sldId id="277" r:id="rId23"/>
     <p:sldId id="278" r:id="rId24"/>
+    <p:sldId id="279" r:id="rId25"/>
+    <p:sldId id="280" r:id="rId26"/>
+    <p:sldId id="281" r:id="rId27"/>
+    <p:sldId id="282" r:id="rId28"/>
+    <p:sldId id="283" r:id="rId29"/>
+    <p:sldId id="284" r:id="rId30"/>
+    <p:sldId id="285" r:id="rId31"/>
   </p:sldIdLst>
   <p:notesMasterIdLst>
-    <p:notesMasterId r:id="rId25"/>
+    <p:notesMasterId r:id="rId32"/>
   </p:notesMasterIdLst>
   <p:sldSz cx="12192000" cy="6858000"/>
   <p:notesSz cx="6858000" cy="12192000"/>
@@ -1886,6 +1893,534 @@
 </p:notes>
 </file>
 
+<file path=ppt/notesSlides/notesSlide24.xml><?xml version="1.0" encoding="utf-8"?>
+<p:notes xmlns:a="http://schemas.openxmlformats.org/drawingml/2006/main" xmlns:r="http://schemas.openxmlformats.org/officeDocument/2006/relationships" xmlns:p="http://schemas.openxmlformats.org/presentationml/2006/main">
+  <p:cSld>
+    <p:spTree>
+      <p:nvGrpSpPr>
+        <p:cNvPr id="1" name=""/>
+        <p:cNvGrpSpPr/>
+        <p:nvPr/>
+      </p:nvGrpSpPr>
+      <p:grpSpPr>
+        <a:xfrm>
+          <a:off x="0" y="0"/>
+          <a:ext cx="0" cy="0"/>
+          <a:chOff x="0" y="0"/>
+          <a:chExt cx="0" cy="0"/>
+        </a:xfrm>
+      </p:grpSpPr>
+      <p:sp>
+        <p:nvSpPr>
+          <p:cNvPr id="2" name="Slide Image Placeholder 1"/>
+          <p:cNvSpPr>
+            <a:spLocks noGrp="1" noRot="1" noChangeAspect="1"/>
+          </p:cNvSpPr>
+          <p:nvPr>
+            <p:ph type="sldImg"/>
+          </p:nvPr>
+        </p:nvSpPr>
+        <p:spPr/>
+      </p:sp>
+      <p:sp>
+        <p:nvSpPr>
+          <p:cNvPr id="3" name="Notes Placeholder 2"/>
+          <p:cNvSpPr>
+            <a:spLocks noGrp="1"/>
+          </p:cNvSpPr>
+          <p:nvPr>
+            <p:ph type="body" idx="1"/>
+          </p:nvPr>
+        </p:nvSpPr>
+        <p:spPr/>
+        <p:txBody>
+          <a:bodyPr/>
+          <a:lstStyle/>
+          <a:p>
+            <a:r>
+              <a:rPr lang="en-US" dirty="0"/>
+              <a:t/>
+            </a:r>
+            <a:endParaRPr lang="en-US" dirty="0"/>
+          </a:p>
+        </p:txBody>
+      </p:sp>
+      <p:sp>
+        <p:nvSpPr>
+          <p:cNvPr id="4" name="Slide Number Placeholder 3"/>
+          <p:cNvSpPr>
+            <a:spLocks noGrp="1"/>
+          </p:cNvSpPr>
+          <p:nvPr>
+            <p:ph type="sldNum" sz="quarter" idx="10"/>
+          </p:nvPr>
+        </p:nvSpPr>
+        <p:spPr/>
+        <p:txBody>
+          <a:bodyPr/>
+          <a:lstStyle/>
+          <a:p>
+            <a:fld id="{F7021451-1387-4CA6-816F-3879F97B5CBC}" type="slidenum">
+              <a:rPr lang="en-US"/>
+              <a:t>24</a:t>
+            </a:fld>
+            <a:endParaRPr lang="en-US"/>
+          </a:p>
+        </p:txBody>
+      </p:sp>
+    </p:spTree>
+    <p:extLst>
+      <p:ext uri="{BB962C8B-B14F-4D97-AF65-F5344CB8AC3E}">
+        <p14:creationId xmlns:p14="http://schemas.microsoft.com/office/powerpoint/2010/main" val="1024086991"/>
+      </p:ext>
+    </p:extLst>
+  </p:cSld>
+  <p:clrMapOvr>
+    <a:masterClrMapping/>
+  </p:clrMapOvr>
+</p:notes>
+</file>
+
+<file path=ppt/notesSlides/notesSlide25.xml><?xml version="1.0" encoding="utf-8"?>
+<p:notes xmlns:a="http://schemas.openxmlformats.org/drawingml/2006/main" xmlns:r="http://schemas.openxmlformats.org/officeDocument/2006/relationships" xmlns:p="http://schemas.openxmlformats.org/presentationml/2006/main">
+  <p:cSld>
+    <p:spTree>
+      <p:nvGrpSpPr>
+        <p:cNvPr id="1" name=""/>
+        <p:cNvGrpSpPr/>
+        <p:nvPr/>
+      </p:nvGrpSpPr>
+      <p:grpSpPr>
+        <a:xfrm>
+          <a:off x="0" y="0"/>
+          <a:ext cx="0" cy="0"/>
+          <a:chOff x="0" y="0"/>
+          <a:chExt cx="0" cy="0"/>
+        </a:xfrm>
+      </p:grpSpPr>
+      <p:sp>
+        <p:nvSpPr>
+          <p:cNvPr id="2" name="Slide Image Placeholder 1"/>
+          <p:cNvSpPr>
+            <a:spLocks noGrp="1" noRot="1" noChangeAspect="1"/>
+          </p:cNvSpPr>
+          <p:nvPr>
+            <p:ph type="sldImg"/>
+          </p:nvPr>
+        </p:nvSpPr>
+        <p:spPr/>
+      </p:sp>
+      <p:sp>
+        <p:nvSpPr>
+          <p:cNvPr id="3" name="Notes Placeholder 2"/>
+          <p:cNvSpPr>
+            <a:spLocks noGrp="1"/>
+          </p:cNvSpPr>
+          <p:nvPr>
+            <p:ph type="body" idx="1"/>
+          </p:nvPr>
+        </p:nvSpPr>
+        <p:spPr/>
+        <p:txBody>
+          <a:bodyPr/>
+          <a:lstStyle/>
+          <a:p>
+            <a:r>
+              <a:rPr lang="en-US" dirty="0"/>
+              <a:t/>
+            </a:r>
+            <a:endParaRPr lang="en-US" dirty="0"/>
+          </a:p>
+        </p:txBody>
+      </p:sp>
+      <p:sp>
+        <p:nvSpPr>
+          <p:cNvPr id="4" name="Slide Number Placeholder 3"/>
+          <p:cNvSpPr>
+            <a:spLocks noGrp="1"/>
+          </p:cNvSpPr>
+          <p:nvPr>
+            <p:ph type="sldNum" sz="quarter" idx="10"/>
+          </p:nvPr>
+        </p:nvSpPr>
+        <p:spPr/>
+        <p:txBody>
+          <a:bodyPr/>
+          <a:lstStyle/>
+          <a:p>
+            <a:fld id="{F7021451-1387-4CA6-816F-3879F97B5CBC}" type="slidenum">
+              <a:rPr lang="en-US"/>
+              <a:t>25</a:t>
+            </a:fld>
+            <a:endParaRPr lang="en-US"/>
+          </a:p>
+        </p:txBody>
+      </p:sp>
+    </p:spTree>
+    <p:extLst>
+      <p:ext uri="{BB962C8B-B14F-4D97-AF65-F5344CB8AC3E}">
+        <p14:creationId xmlns:p14="http://schemas.microsoft.com/office/powerpoint/2010/main" val="1024086991"/>
+      </p:ext>
+    </p:extLst>
+  </p:cSld>
+  <p:clrMapOvr>
+    <a:masterClrMapping/>
+  </p:clrMapOvr>
+</p:notes>
+</file>
+
+<file path=ppt/notesSlides/notesSlide26.xml><?xml version="1.0" encoding="utf-8"?>
+<p:notes xmlns:a="http://schemas.openxmlformats.org/drawingml/2006/main" xmlns:r="http://schemas.openxmlformats.org/officeDocument/2006/relationships" xmlns:p="http://schemas.openxmlformats.org/presentationml/2006/main">
+  <p:cSld>
+    <p:spTree>
+      <p:nvGrpSpPr>
+        <p:cNvPr id="1" name=""/>
+        <p:cNvGrpSpPr/>
+        <p:nvPr/>
+      </p:nvGrpSpPr>
+      <p:grpSpPr>
+        <a:xfrm>
+          <a:off x="0" y="0"/>
+          <a:ext cx="0" cy="0"/>
+          <a:chOff x="0" y="0"/>
+          <a:chExt cx="0" cy="0"/>
+        </a:xfrm>
+      </p:grpSpPr>
+      <p:sp>
+        <p:nvSpPr>
+          <p:cNvPr id="2" name="Slide Image Placeholder 1"/>
+          <p:cNvSpPr>
+            <a:spLocks noGrp="1" noRot="1" noChangeAspect="1"/>
+          </p:cNvSpPr>
+          <p:nvPr>
+            <p:ph type="sldImg"/>
+          </p:nvPr>
+        </p:nvSpPr>
+        <p:spPr/>
+      </p:sp>
+      <p:sp>
+        <p:nvSpPr>
+          <p:cNvPr id="3" name="Notes Placeholder 2"/>
+          <p:cNvSpPr>
+            <a:spLocks noGrp="1"/>
+          </p:cNvSpPr>
+          <p:nvPr>
+            <p:ph type="body" idx="1"/>
+          </p:nvPr>
+        </p:nvSpPr>
+        <p:spPr/>
+        <p:txBody>
+          <a:bodyPr/>
+          <a:lstStyle/>
+          <a:p>
+            <a:r>
+              <a:rPr lang="en-US" dirty="0"/>
+              <a:t/>
+            </a:r>
+            <a:endParaRPr lang="en-US" dirty="0"/>
+          </a:p>
+        </p:txBody>
+      </p:sp>
+      <p:sp>
+        <p:nvSpPr>
+          <p:cNvPr id="4" name="Slide Number Placeholder 3"/>
+          <p:cNvSpPr>
+            <a:spLocks noGrp="1"/>
+          </p:cNvSpPr>
+          <p:nvPr>
+            <p:ph type="sldNum" sz="quarter" idx="10"/>
+          </p:nvPr>
+        </p:nvSpPr>
+        <p:spPr/>
+        <p:txBody>
+          <a:bodyPr/>
+          <a:lstStyle/>
+          <a:p>
+            <a:fld id="{F7021451-1387-4CA6-816F-3879F97B5CBC}" type="slidenum">
+              <a:rPr lang="en-US"/>
+              <a:t>26</a:t>
+            </a:fld>
+            <a:endParaRPr lang="en-US"/>
+          </a:p>
+        </p:txBody>
+      </p:sp>
+    </p:spTree>
+    <p:extLst>
+      <p:ext uri="{BB962C8B-B14F-4D97-AF65-F5344CB8AC3E}">
+        <p14:creationId xmlns:p14="http://schemas.microsoft.com/office/powerpoint/2010/main" val="1024086991"/>
+      </p:ext>
+    </p:extLst>
+  </p:cSld>
+  <p:clrMapOvr>
+    <a:masterClrMapping/>
+  </p:clrMapOvr>
+</p:notes>
+</file>
+
+<file path=ppt/notesSlides/notesSlide27.xml><?xml version="1.0" encoding="utf-8"?>
+<p:notes xmlns:a="http://schemas.openxmlformats.org/drawingml/2006/main" xmlns:r="http://schemas.openxmlformats.org/officeDocument/2006/relationships" xmlns:p="http://schemas.openxmlformats.org/presentationml/2006/main">
+  <p:cSld>
+    <p:spTree>
+      <p:nvGrpSpPr>
+        <p:cNvPr id="1" name=""/>
+        <p:cNvGrpSpPr/>
+        <p:nvPr/>
+      </p:nvGrpSpPr>
+      <p:grpSpPr>
+        <a:xfrm>
+          <a:off x="0" y="0"/>
+          <a:ext cx="0" cy="0"/>
+          <a:chOff x="0" y="0"/>
+          <a:chExt cx="0" cy="0"/>
+        </a:xfrm>
+      </p:grpSpPr>
+      <p:sp>
+        <p:nvSpPr>
+          <p:cNvPr id="2" name="Slide Image Placeholder 1"/>
+          <p:cNvSpPr>
+            <a:spLocks noGrp="1" noRot="1" noChangeAspect="1"/>
+          </p:cNvSpPr>
+          <p:nvPr>
+            <p:ph type="sldImg"/>
+          </p:nvPr>
+        </p:nvSpPr>
+        <p:spPr/>
+      </p:sp>
+      <p:sp>
+        <p:nvSpPr>
+          <p:cNvPr id="3" name="Notes Placeholder 2"/>
+          <p:cNvSpPr>
+            <a:spLocks noGrp="1"/>
+          </p:cNvSpPr>
+          <p:nvPr>
+            <p:ph type="body" idx="1"/>
+          </p:nvPr>
+        </p:nvSpPr>
+        <p:spPr/>
+        <p:txBody>
+          <a:bodyPr/>
+          <a:lstStyle/>
+          <a:p>
+            <a:r>
+              <a:rPr lang="en-US" dirty="0"/>
+              <a:t/>
+            </a:r>
+            <a:endParaRPr lang="en-US" dirty="0"/>
+          </a:p>
+        </p:txBody>
+      </p:sp>
+      <p:sp>
+        <p:nvSpPr>
+          <p:cNvPr id="4" name="Slide Number Placeholder 3"/>
+          <p:cNvSpPr>
+            <a:spLocks noGrp="1"/>
+          </p:cNvSpPr>
+          <p:nvPr>
+            <p:ph type="sldNum" sz="quarter" idx="10"/>
+          </p:nvPr>
+        </p:nvSpPr>
+        <p:spPr/>
+        <p:txBody>
+          <a:bodyPr/>
+          <a:lstStyle/>
+          <a:p>
+            <a:fld id="{F7021451-1387-4CA6-816F-3879F97B5CBC}" type="slidenum">
+              <a:rPr lang="en-US"/>
+              <a:t>27</a:t>
+            </a:fld>
+            <a:endParaRPr lang="en-US"/>
+          </a:p>
+        </p:txBody>
+      </p:sp>
+    </p:spTree>
+    <p:extLst>
+      <p:ext uri="{BB962C8B-B14F-4D97-AF65-F5344CB8AC3E}">
+        <p14:creationId xmlns:p14="http://schemas.microsoft.com/office/powerpoint/2010/main" val="1024086991"/>
+      </p:ext>
+    </p:extLst>
+  </p:cSld>
+  <p:clrMapOvr>
+    <a:masterClrMapping/>
+  </p:clrMapOvr>
+</p:notes>
+</file>
+
+<file path=ppt/notesSlides/notesSlide28.xml><?xml version="1.0" encoding="utf-8"?>
+<p:notes xmlns:a="http://schemas.openxmlformats.org/drawingml/2006/main" xmlns:r="http://schemas.openxmlformats.org/officeDocument/2006/relationships" xmlns:p="http://schemas.openxmlformats.org/presentationml/2006/main">
+  <p:cSld>
+    <p:spTree>
+      <p:nvGrpSpPr>
+        <p:cNvPr id="1" name=""/>
+        <p:cNvGrpSpPr/>
+        <p:nvPr/>
+      </p:nvGrpSpPr>
+      <p:grpSpPr>
+        <a:xfrm>
+          <a:off x="0" y="0"/>
+          <a:ext cx="0" cy="0"/>
+          <a:chOff x="0" y="0"/>
+          <a:chExt cx="0" cy="0"/>
+        </a:xfrm>
+      </p:grpSpPr>
+      <p:sp>
+        <p:nvSpPr>
+          <p:cNvPr id="2" name="Slide Image Placeholder 1"/>
+          <p:cNvSpPr>
+            <a:spLocks noGrp="1" noRot="1" noChangeAspect="1"/>
+          </p:cNvSpPr>
+          <p:nvPr>
+            <p:ph type="sldImg"/>
+          </p:nvPr>
+        </p:nvSpPr>
+        <p:spPr/>
+      </p:sp>
+      <p:sp>
+        <p:nvSpPr>
+          <p:cNvPr id="3" name="Notes Placeholder 2"/>
+          <p:cNvSpPr>
+            <a:spLocks noGrp="1"/>
+          </p:cNvSpPr>
+          <p:nvPr>
+            <p:ph type="body" idx="1"/>
+          </p:nvPr>
+        </p:nvSpPr>
+        <p:spPr/>
+        <p:txBody>
+          <a:bodyPr/>
+          <a:lstStyle/>
+          <a:p>
+            <a:r>
+              <a:rPr lang="en-US" dirty="0"/>
+              <a:t/>
+            </a:r>
+            <a:endParaRPr lang="en-US" dirty="0"/>
+          </a:p>
+        </p:txBody>
+      </p:sp>
+      <p:sp>
+        <p:nvSpPr>
+          <p:cNvPr id="4" name="Slide Number Placeholder 3"/>
+          <p:cNvSpPr>
+            <a:spLocks noGrp="1"/>
+          </p:cNvSpPr>
+          <p:nvPr>
+            <p:ph type="sldNum" sz="quarter" idx="10"/>
+          </p:nvPr>
+        </p:nvSpPr>
+        <p:spPr/>
+        <p:txBody>
+          <a:bodyPr/>
+          <a:lstStyle/>
+          <a:p>
+            <a:fld id="{F7021451-1387-4CA6-816F-3879F97B5CBC}" type="slidenum">
+              <a:rPr lang="en-US"/>
+              <a:t>28</a:t>
+            </a:fld>
+            <a:endParaRPr lang="en-US"/>
+          </a:p>
+        </p:txBody>
+      </p:sp>
+    </p:spTree>
+    <p:extLst>
+      <p:ext uri="{BB962C8B-B14F-4D97-AF65-F5344CB8AC3E}">
+        <p14:creationId xmlns:p14="http://schemas.microsoft.com/office/powerpoint/2010/main" val="1024086991"/>
+      </p:ext>
+    </p:extLst>
+  </p:cSld>
+  <p:clrMapOvr>
+    <a:masterClrMapping/>
+  </p:clrMapOvr>
+</p:notes>
+</file>
+
+<file path=ppt/notesSlides/notesSlide29.xml><?xml version="1.0" encoding="utf-8"?>
+<p:notes xmlns:a="http://schemas.openxmlformats.org/drawingml/2006/main" xmlns:r="http://schemas.openxmlformats.org/officeDocument/2006/relationships" xmlns:p="http://schemas.openxmlformats.org/presentationml/2006/main">
+  <p:cSld>
+    <p:spTree>
+      <p:nvGrpSpPr>
+        <p:cNvPr id="1" name=""/>
+        <p:cNvGrpSpPr/>
+        <p:nvPr/>
+      </p:nvGrpSpPr>
+      <p:grpSpPr>
+        <a:xfrm>
+          <a:off x="0" y="0"/>
+          <a:ext cx="0" cy="0"/>
+          <a:chOff x="0" y="0"/>
+          <a:chExt cx="0" cy="0"/>
+        </a:xfrm>
+      </p:grpSpPr>
+      <p:sp>
+        <p:nvSpPr>
+          <p:cNvPr id="2" name="Slide Image Placeholder 1"/>
+          <p:cNvSpPr>
+            <a:spLocks noGrp="1" noRot="1" noChangeAspect="1"/>
+          </p:cNvSpPr>
+          <p:nvPr>
+            <p:ph type="sldImg"/>
+          </p:nvPr>
+        </p:nvSpPr>
+        <p:spPr/>
+      </p:sp>
+      <p:sp>
+        <p:nvSpPr>
+          <p:cNvPr id="3" name="Notes Placeholder 2"/>
+          <p:cNvSpPr>
+            <a:spLocks noGrp="1"/>
+          </p:cNvSpPr>
+          <p:nvPr>
+            <p:ph type="body" idx="1"/>
+          </p:nvPr>
+        </p:nvSpPr>
+        <p:spPr/>
+        <p:txBody>
+          <a:bodyPr/>
+          <a:lstStyle/>
+          <a:p>
+            <a:r>
+              <a:rPr lang="en-US" dirty="0"/>
+              <a:t/>
+            </a:r>
+            <a:endParaRPr lang="en-US" dirty="0"/>
+          </a:p>
+        </p:txBody>
+      </p:sp>
+      <p:sp>
+        <p:nvSpPr>
+          <p:cNvPr id="4" name="Slide Number Placeholder 3"/>
+          <p:cNvSpPr>
+            <a:spLocks noGrp="1"/>
+          </p:cNvSpPr>
+          <p:nvPr>
+            <p:ph type="sldNum" sz="quarter" idx="10"/>
+          </p:nvPr>
+        </p:nvSpPr>
+        <p:spPr/>
+        <p:txBody>
+          <a:bodyPr/>
+          <a:lstStyle/>
+          <a:p>
+            <a:fld id="{F7021451-1387-4CA6-816F-3879F97B5CBC}" type="slidenum">
+              <a:rPr lang="en-US"/>
+              <a:t>29</a:t>
+            </a:fld>
+            <a:endParaRPr lang="en-US"/>
+          </a:p>
+        </p:txBody>
+      </p:sp>
+    </p:spTree>
+    <p:extLst>
+      <p:ext uri="{BB962C8B-B14F-4D97-AF65-F5344CB8AC3E}">
+        <p14:creationId xmlns:p14="http://schemas.microsoft.com/office/powerpoint/2010/main" val="1024086991"/>
+      </p:ext>
+    </p:extLst>
+  </p:cSld>
+  <p:clrMapOvr>
+    <a:masterClrMapping/>
+  </p:clrMapOvr>
+</p:notes>
+</file>
+
 <file path=ppt/notesSlides/notesSlide3.xml><?xml version="1.0" encoding="utf-8"?>
 <p:notes xmlns:a="http://schemas.openxmlformats.org/drawingml/2006/main" xmlns:r="http://schemas.openxmlformats.org/officeDocument/2006/relationships" xmlns:p="http://schemas.openxmlformats.org/presentationml/2006/main">
   <p:cSld>
@@ -1956,6 +2491,94 @@
             <a:fld id="{F7021451-1387-4CA6-816F-3879F97B5CBC}" type="slidenum">
               <a:rPr lang="en-US"/>
               <a:t>3</a:t>
+            </a:fld>
+            <a:endParaRPr lang="en-US"/>
+          </a:p>
+        </p:txBody>
+      </p:sp>
+    </p:spTree>
+    <p:extLst>
+      <p:ext uri="{BB962C8B-B14F-4D97-AF65-F5344CB8AC3E}">
+        <p14:creationId xmlns:p14="http://schemas.microsoft.com/office/powerpoint/2010/main" val="1024086991"/>
+      </p:ext>
+    </p:extLst>
+  </p:cSld>
+  <p:clrMapOvr>
+    <a:masterClrMapping/>
+  </p:clrMapOvr>
+</p:notes>
+</file>
+
+<file path=ppt/notesSlides/notesSlide30.xml><?xml version="1.0" encoding="utf-8"?>
+<p:notes xmlns:a="http://schemas.openxmlformats.org/drawingml/2006/main" xmlns:r="http://schemas.openxmlformats.org/officeDocument/2006/relationships" xmlns:p="http://schemas.openxmlformats.org/presentationml/2006/main">
+  <p:cSld>
+    <p:spTree>
+      <p:nvGrpSpPr>
+        <p:cNvPr id="1" name=""/>
+        <p:cNvGrpSpPr/>
+        <p:nvPr/>
+      </p:nvGrpSpPr>
+      <p:grpSpPr>
+        <a:xfrm>
+          <a:off x="0" y="0"/>
+          <a:ext cx="0" cy="0"/>
+          <a:chOff x="0" y="0"/>
+          <a:chExt cx="0" cy="0"/>
+        </a:xfrm>
+      </p:grpSpPr>
+      <p:sp>
+        <p:nvSpPr>
+          <p:cNvPr id="2" name="Slide Image Placeholder 1"/>
+          <p:cNvSpPr>
+            <a:spLocks noGrp="1" noRot="1" noChangeAspect="1"/>
+          </p:cNvSpPr>
+          <p:nvPr>
+            <p:ph type="sldImg"/>
+          </p:nvPr>
+        </p:nvSpPr>
+        <p:spPr/>
+      </p:sp>
+      <p:sp>
+        <p:nvSpPr>
+          <p:cNvPr id="3" name="Notes Placeholder 2"/>
+          <p:cNvSpPr>
+            <a:spLocks noGrp="1"/>
+          </p:cNvSpPr>
+          <p:nvPr>
+            <p:ph type="body" idx="1"/>
+          </p:nvPr>
+        </p:nvSpPr>
+        <p:spPr/>
+        <p:txBody>
+          <a:bodyPr/>
+          <a:lstStyle/>
+          <a:p>
+            <a:r>
+              <a:rPr lang="en-US" dirty="0"/>
+              <a:t/>
+            </a:r>
+            <a:endParaRPr lang="en-US" dirty="0"/>
+          </a:p>
+        </p:txBody>
+      </p:sp>
+      <p:sp>
+        <p:nvSpPr>
+          <p:cNvPr id="4" name="Slide Number Placeholder 3"/>
+          <p:cNvSpPr>
+            <a:spLocks noGrp="1"/>
+          </p:cNvSpPr>
+          <p:nvPr>
+            <p:ph type="sldNum" sz="quarter" idx="10"/>
+          </p:nvPr>
+        </p:nvSpPr>
+        <p:spPr/>
+        <p:txBody>
+          <a:bodyPr/>
+          <a:lstStyle/>
+          <a:p>
+            <a:fld id="{F7021451-1387-4CA6-816F-3879F97B5CBC}" type="slidenum">
+              <a:rPr lang="en-US"/>
+              <a:t>30</a:t>
             </a:fld>
             <a:endParaRPr lang="en-US"/>
           </a:p>
@@ -4443,7 +5066,7 @@
                   <a:srgbClr val="E2E8F0"/>
                 </a:solidFill>
               </a:rPr>
-              <a:t>Defenses to Key Challenges</a:t>
+              <a:t>Liability &amp; Accountability Framework</a:t>
             </a:r>
             <a:endParaRPr lang="en-US" sz="2000" dirty="0"/>
           </a:p>
@@ -4476,14 +5099,64 @@
       </p:sp>
       <p:sp>
         <p:nvSpPr>
-          <p:cNvPr id="6" name="Text 4"/>
-          <p:cNvSpPr/>
-          <p:nvPr/>
-        </p:nvSpPr>
-        <p:spPr>
-          <a:xfrm>
-            <a:off x="731520" y="1097280"/>
-            <a:ext cx="10972800" cy="5303520"/>
+          <p:cNvPr id="6" name="Shape 4"/>
+          <p:cNvSpPr/>
+          <p:nvPr/>
+        </p:nvSpPr>
+        <p:spPr>
+          <a:xfrm>
+            <a:off x="640080" y="1188720"/>
+            <a:ext cx="3474720" cy="4389120"/>
+          </a:xfrm>
+          <a:prstGeom prst="roundRect">
+            <a:avLst/>
+          </a:prstGeom>
+          <a:solidFill>
+            <a:srgbClr val="0F172A"/>
+          </a:solidFill>
+          <a:ln w="12700">
+            <a:solidFill>
+              <a:srgbClr val="38BDF8"/>
+            </a:solidFill>
+            <a:prstDash val="solid"/>
+          </a:ln>
+        </p:spPr>
+      </p:sp>
+      <p:sp>
+        <p:nvSpPr>
+          <p:cNvPr id="7" name="Shape 5"/>
+          <p:cNvSpPr/>
+          <p:nvPr/>
+        </p:nvSpPr>
+        <p:spPr>
+          <a:xfrm>
+            <a:off x="640080" y="1188720"/>
+            <a:ext cx="3474720" cy="109728"/>
+          </a:xfrm>
+          <a:prstGeom prst="rect">
+            <a:avLst/>
+          </a:prstGeom>
+          <a:solidFill>
+            <a:srgbClr val="38BDF8"/>
+          </a:solidFill>
+          <a:ln w="12700">
+            <a:solidFill>
+              <a:srgbClr val="38BDF8"/>
+            </a:solidFill>
+            <a:prstDash val="solid"/>
+          </a:ln>
+        </p:spPr>
+      </p:sp>
+      <p:sp>
+        <p:nvSpPr>
+          <p:cNvPr id="8" name="Text 6"/>
+          <p:cNvSpPr/>
+          <p:nvPr/>
+        </p:nvSpPr>
+        <p:spPr>
+          <a:xfrm>
+            <a:off x="822960" y="1417320"/>
+            <a:ext cx="3108960" cy="365760"/>
           </a:xfrm>
           <a:prstGeom prst="rect">
             <a:avLst/>
@@ -4495,63 +5168,298 @@
           <a:bodyPr wrap="square" rtlCol="0" anchor="ctr"/>
           <a:lstStyle/>
           <a:p>
-            <a:pPr marL="254000" indent="-254000">
-              <a:buSzPct val="100000"/>
-              <a:buChar char="•"/>
-            </a:pPr>
-            <a:r>
-              <a:rPr lang="en-US" sz="1600" dirty="0">
+            <a:pPr indent="0" marL="0">
+              <a:buNone/>
+            </a:pPr>
+            <a:r>
+              <a:rPr lang="en-US" sz="1600" b="1" dirty="0">
                 <a:solidFill>
                   <a:srgbClr val="E2E8F0"/>
                 </a:solidFill>
               </a:rPr>
-              <a:t>Liability: human‑in‑the‑loop gates for high‑risk decisions; approvals mapped to 1L/2L/3L.</a:t>
-            </a:r>
+              <a:t>AI Assists</a:t>
+            </a:r>
+            <a:endParaRPr lang="en-US" sz="1600" dirty="0"/>
+          </a:p>
+        </p:txBody>
+      </p:sp>
+      <p:sp>
+        <p:nvSpPr>
+          <p:cNvPr id="9" name="Text 7"/>
+          <p:cNvSpPr/>
+          <p:nvPr/>
+        </p:nvSpPr>
+        <p:spPr>
+          <a:xfrm>
+            <a:off x="822960" y="1874520"/>
+            <a:ext cx="3108960" cy="3474720"/>
+          </a:xfrm>
+          <a:prstGeom prst="rect">
+            <a:avLst/>
+          </a:prstGeom>
+          <a:noFill/>
+          <a:ln/>
+        </p:spPr>
+        <p:txBody>
+          <a:bodyPr wrap="square" rtlCol="0" anchor="ctr"/>
+          <a:lstStyle/>
+          <a:p>
             <a:pPr indent="0" marL="0">
               <a:buNone/>
             </a:pPr>
             <a:r>
-              <a:rPr lang="en-US" sz="1600" dirty="0">
+              <a:rPr lang="en-US" sz="1200" dirty="0">
+                <a:solidFill>
+                  <a:srgbClr val="94A3B8"/>
+                </a:solidFill>
+              </a:rPr>
+              <a:t>AI outputs are recommendations, not decisions. Every material action requires human approval.</a:t>
+            </a:r>
+            <a:endParaRPr lang="en-US" sz="1200" dirty="0"/>
+          </a:p>
+        </p:txBody>
+      </p:sp>
+      <p:sp>
+        <p:nvSpPr>
+          <p:cNvPr id="10" name="Shape 8"/>
+          <p:cNvSpPr/>
+          <p:nvPr/>
+        </p:nvSpPr>
+        <p:spPr>
+          <a:xfrm>
+            <a:off x="4434840" y="1188720"/>
+            <a:ext cx="3474720" cy="4389120"/>
+          </a:xfrm>
+          <a:prstGeom prst="roundRect">
+            <a:avLst/>
+          </a:prstGeom>
+          <a:solidFill>
+            <a:srgbClr val="0F172A"/>
+          </a:solidFill>
+          <a:ln w="12700">
+            <a:solidFill>
+              <a:srgbClr val="22D3EE"/>
+            </a:solidFill>
+            <a:prstDash val="solid"/>
+          </a:ln>
+        </p:spPr>
+      </p:sp>
+      <p:sp>
+        <p:nvSpPr>
+          <p:cNvPr id="11" name="Shape 9"/>
+          <p:cNvSpPr/>
+          <p:nvPr/>
+        </p:nvSpPr>
+        <p:spPr>
+          <a:xfrm>
+            <a:off x="4434840" y="1188720"/>
+            <a:ext cx="3474720" cy="109728"/>
+          </a:xfrm>
+          <a:prstGeom prst="rect">
+            <a:avLst/>
+          </a:prstGeom>
+          <a:solidFill>
+            <a:srgbClr val="22D3EE"/>
+          </a:solidFill>
+          <a:ln w="12700">
+            <a:solidFill>
+              <a:srgbClr val="22D3EE"/>
+            </a:solidFill>
+            <a:prstDash val="solid"/>
+          </a:ln>
+        </p:spPr>
+      </p:sp>
+      <p:sp>
+        <p:nvSpPr>
+          <p:cNvPr id="12" name="Text 10"/>
+          <p:cNvSpPr/>
+          <p:nvPr/>
+        </p:nvSpPr>
+        <p:spPr>
+          <a:xfrm>
+            <a:off x="4617720" y="1417320"/>
+            <a:ext cx="3108960" cy="365760"/>
+          </a:xfrm>
+          <a:prstGeom prst="rect">
+            <a:avLst/>
+          </a:prstGeom>
+          <a:noFill/>
+          <a:ln/>
+        </p:spPr>
+        <p:txBody>
+          <a:bodyPr wrap="square" rtlCol="0" anchor="ctr"/>
+          <a:lstStyle/>
+          <a:p>
+            <a:pPr indent="0" marL="0">
+              <a:buNone/>
+            </a:pPr>
+            <a:r>
+              <a:rPr lang="en-US" sz="1600" b="1" dirty="0">
                 <a:solidFill>
                   <a:srgbClr val="E2E8F0"/>
                 </a:solidFill>
               </a:rPr>
-              <a:t>Explainability at scale: plain‑language executive narrative + technical rationale on demand.</a:t>
-            </a:r>
+              <a:t>Human Decides</a:t>
+            </a:r>
+            <a:endParaRPr lang="en-US" sz="1600" dirty="0"/>
+          </a:p>
+        </p:txBody>
+      </p:sp>
+      <p:sp>
+        <p:nvSpPr>
+          <p:cNvPr id="13" name="Text 11"/>
+          <p:cNvSpPr/>
+          <p:nvPr/>
+        </p:nvSpPr>
+        <p:spPr>
+          <a:xfrm>
+            <a:off x="4617720" y="1874520"/>
+            <a:ext cx="3108960" cy="3474720"/>
+          </a:xfrm>
+          <a:prstGeom prst="rect">
+            <a:avLst/>
+          </a:prstGeom>
+          <a:noFill/>
+          <a:ln/>
+        </p:spPr>
+        <p:txBody>
+          <a:bodyPr wrap="square" rtlCol="0" anchor="ctr"/>
+          <a:lstStyle/>
+          <a:p>
             <a:pPr indent="0" marL="0">
               <a:buNone/>
             </a:pPr>
             <a:r>
-              <a:rPr lang="en-US" sz="1600" dirty="0">
+              <a:rPr lang="en-US" sz="1200" dirty="0">
+                <a:solidFill>
+                  <a:srgbClr val="94A3B8"/>
+                </a:solidFill>
+              </a:rPr>
+              <a:t>Role-appropriate reviewer validates high-risk outputs. No rubber-stamping.</a:t>
+            </a:r>
+            <a:endParaRPr lang="en-US" sz="1200" dirty="0"/>
+          </a:p>
+        </p:txBody>
+      </p:sp>
+      <p:sp>
+        <p:nvSpPr>
+          <p:cNvPr id="14" name="Shape 12"/>
+          <p:cNvSpPr/>
+          <p:nvPr/>
+        </p:nvSpPr>
+        <p:spPr>
+          <a:xfrm>
+            <a:off x="8229600" y="1188720"/>
+            <a:ext cx="3474720" cy="4389120"/>
+          </a:xfrm>
+          <a:prstGeom prst="roundRect">
+            <a:avLst/>
+          </a:prstGeom>
+          <a:solidFill>
+            <a:srgbClr val="0F172A"/>
+          </a:solidFill>
+          <a:ln w="12700">
+            <a:solidFill>
+              <a:srgbClr val="A855F7"/>
+            </a:solidFill>
+            <a:prstDash val="solid"/>
+          </a:ln>
+        </p:spPr>
+      </p:sp>
+      <p:sp>
+        <p:nvSpPr>
+          <p:cNvPr id="15" name="Shape 13"/>
+          <p:cNvSpPr/>
+          <p:nvPr/>
+        </p:nvSpPr>
+        <p:spPr>
+          <a:xfrm>
+            <a:off x="8229600" y="1188720"/>
+            <a:ext cx="3474720" cy="109728"/>
+          </a:xfrm>
+          <a:prstGeom prst="rect">
+            <a:avLst/>
+          </a:prstGeom>
+          <a:solidFill>
+            <a:srgbClr val="A855F7"/>
+          </a:solidFill>
+          <a:ln w="12700">
+            <a:solidFill>
+              <a:srgbClr val="A855F7"/>
+            </a:solidFill>
+            <a:prstDash val="solid"/>
+          </a:ln>
+        </p:spPr>
+      </p:sp>
+      <p:sp>
+        <p:nvSpPr>
+          <p:cNvPr id="16" name="Text 14"/>
+          <p:cNvSpPr/>
+          <p:nvPr/>
+        </p:nvSpPr>
+        <p:spPr>
+          <a:xfrm>
+            <a:off x="8412480" y="1417320"/>
+            <a:ext cx="3108960" cy="365760"/>
+          </a:xfrm>
+          <a:prstGeom prst="rect">
+            <a:avLst/>
+          </a:prstGeom>
+          <a:noFill/>
+          <a:ln/>
+        </p:spPr>
+        <p:txBody>
+          <a:bodyPr wrap="square" rtlCol="0" anchor="ctr"/>
+          <a:lstStyle/>
+          <a:p>
+            <a:pPr indent="0" marL="0">
+              <a:buNone/>
+            </a:pPr>
+            <a:r>
+              <a:rPr lang="en-US" sz="1600" b="1" dirty="0">
                 <a:solidFill>
                   <a:srgbClr val="E2E8F0"/>
                 </a:solidFill>
               </a:rPr>
-              <a:t>Cost vs trust: automation handles repeatable work; assurance strengthened by continuous evidence.</a:t>
-            </a:r>
+              <a:t>Customer Owns</a:t>
+            </a:r>
+            <a:endParaRPr lang="en-US" sz="1600" dirty="0"/>
+          </a:p>
+        </p:txBody>
+      </p:sp>
+      <p:sp>
+        <p:nvSpPr>
+          <p:cNvPr id="17" name="Text 15"/>
+          <p:cNvSpPr/>
+          <p:nvPr/>
+        </p:nvSpPr>
+        <p:spPr>
+          <a:xfrm>
+            <a:off x="8412480" y="1874520"/>
+            <a:ext cx="3108960" cy="3474720"/>
+          </a:xfrm>
+          <a:prstGeom prst="rect">
+            <a:avLst/>
+          </a:prstGeom>
+          <a:noFill/>
+          <a:ln/>
+        </p:spPr>
+        <p:txBody>
+          <a:bodyPr wrap="square" rtlCol="0" anchor="ctr"/>
+          <a:lstStyle/>
+          <a:p>
             <a:pPr indent="0" marL="0">
               <a:buNone/>
             </a:pPr>
             <a:r>
-              <a:rPr lang="en-US" sz="1600" dirty="0">
-                <a:solidFill>
-                  <a:srgbClr val="E2E8F0"/>
-                </a:solidFill>
-              </a:rPr>
-              <a:t>Strategy → metrics: multi‑source interpretation with human validation and standards mapping.</a:t>
-            </a:r>
-            <a:pPr indent="0" marL="0">
-              <a:buNone/>
-            </a:pPr>
-            <a:r>
-              <a:rPr lang="en-US" sz="1600" dirty="0">
-                <a:solidFill>
-                  <a:srgbClr val="E2E8F0"/>
-                </a:solidFill>
-              </a:rPr>
-              <a:t>3LOD trust: persona‑aligned agents preserve independence; transparent challenge flow.</a:t>
-            </a:r>
-            <a:endParaRPr lang="en-US" sz="1600" dirty="0"/>
+              <a:rPr lang="en-US" sz="1200" dirty="0">
+                <a:solidFill>
+                  <a:srgbClr val="94A3B8"/>
+                </a:solidFill>
+              </a:rPr>
+              <a:t>Contractual clarity: AI assists, human decides, customer owns outcome. Regulator-aligned.</a:t>
+            </a:r>
+            <a:endParaRPr lang="en-US" sz="1200" dirty="0"/>
           </a:p>
         </p:txBody>
       </p:sp>
@@ -4660,7 +5568,7 @@
                   <a:srgbClr val="E2E8F0"/>
                 </a:solidFill>
               </a:rPr>
-              <a:t>Competitive Landscape (Snapshot)</a:t>
+              <a:t>6-Layer Explainability Model</a:t>
             </a:r>
             <a:endParaRPr lang="en-US" sz="2000" dirty="0"/>
           </a:p>
@@ -4691,9 +5599,1352 @@
           </a:ln>
         </p:spPr>
       </p:sp>
+      <p:sp>
+        <p:nvSpPr>
+          <p:cNvPr id="6" name="Shape 4"/>
+          <p:cNvSpPr/>
+          <p:nvPr/>
+        </p:nvSpPr>
+        <p:spPr>
+          <a:xfrm>
+            <a:off x="640080" y="1097280"/>
+            <a:ext cx="5394960" cy="2011680"/>
+          </a:xfrm>
+          <a:prstGeom prst="roundRect">
+            <a:avLst/>
+          </a:prstGeom>
+          <a:solidFill>
+            <a:srgbClr val="0F172A"/>
+          </a:solidFill>
+          <a:ln w="12700">
+            <a:solidFill>
+              <a:srgbClr val="38BDF8"/>
+            </a:solidFill>
+            <a:prstDash val="solid"/>
+          </a:ln>
+        </p:spPr>
+      </p:sp>
+      <p:sp>
+        <p:nvSpPr>
+          <p:cNvPr id="7" name="Shape 5"/>
+          <p:cNvSpPr/>
+          <p:nvPr/>
+        </p:nvSpPr>
+        <p:spPr>
+          <a:xfrm>
+            <a:off x="640080" y="1097280"/>
+            <a:ext cx="5394960" cy="109728"/>
+          </a:xfrm>
+          <a:prstGeom prst="rect">
+            <a:avLst/>
+          </a:prstGeom>
+          <a:solidFill>
+            <a:srgbClr val="38BDF8"/>
+          </a:solidFill>
+          <a:ln w="12700">
+            <a:solidFill>
+              <a:srgbClr val="38BDF8"/>
+            </a:solidFill>
+            <a:prstDash val="solid"/>
+          </a:ln>
+        </p:spPr>
+      </p:sp>
+      <p:sp>
+        <p:nvSpPr>
+          <p:cNvPr id="8" name="Text 6"/>
+          <p:cNvSpPr/>
+          <p:nvPr/>
+        </p:nvSpPr>
+        <p:spPr>
+          <a:xfrm>
+            <a:off x="822960" y="1325880"/>
+            <a:ext cx="5029200" cy="365760"/>
+          </a:xfrm>
+          <a:prstGeom prst="rect">
+            <a:avLst/>
+          </a:prstGeom>
+          <a:noFill/>
+          <a:ln/>
+        </p:spPr>
+        <p:txBody>
+          <a:bodyPr wrap="square" rtlCol="0" anchor="ctr"/>
+          <a:lstStyle/>
+          <a:p>
+            <a:pPr indent="0" marL="0">
+              <a:buNone/>
+            </a:pPr>
+            <a:r>
+              <a:rPr lang="en-US" sz="1600" b="1" dirty="0">
+                <a:solidFill>
+                  <a:srgbClr val="E2E8F0"/>
+                </a:solidFill>
+              </a:rPr>
+              <a:t>1–2: Transparency + Audit</a:t>
+            </a:r>
+            <a:endParaRPr lang="en-US" sz="1600" dirty="0"/>
+          </a:p>
+        </p:txBody>
+      </p:sp>
+      <p:sp>
+        <p:nvSpPr>
+          <p:cNvPr id="9" name="Text 7"/>
+          <p:cNvSpPr/>
+          <p:nvPr/>
+        </p:nvSpPr>
+        <p:spPr>
+          <a:xfrm>
+            <a:off x="822960" y="1783080"/>
+            <a:ext cx="5029200" cy="1097280"/>
+          </a:xfrm>
+          <a:prstGeom prst="rect">
+            <a:avLst/>
+          </a:prstGeom>
+          <a:noFill/>
+          <a:ln/>
+        </p:spPr>
+        <p:txBody>
+          <a:bodyPr wrap="square" rtlCol="0" anchor="ctr"/>
+          <a:lstStyle/>
+          <a:p>
+            <a:pPr indent="0" marL="0">
+              <a:buNone/>
+            </a:pPr>
+            <a:r>
+              <a:rPr lang="en-US" sz="1200" dirty="0">
+                <a:solidFill>
+                  <a:srgbClr val="94A3B8"/>
+                </a:solidFill>
+              </a:rPr>
+              <a:t>Every AI recommendation: sources, confidence, reasoning chain. Immutable tamper-evident logs.</a:t>
+            </a:r>
+            <a:endParaRPr lang="en-US" sz="1200" dirty="0"/>
+          </a:p>
+        </p:txBody>
+      </p:sp>
+      <p:sp>
+        <p:nvSpPr>
+          <p:cNvPr id="10" name="Shape 8"/>
+          <p:cNvSpPr/>
+          <p:nvPr/>
+        </p:nvSpPr>
+        <p:spPr>
+          <a:xfrm>
+            <a:off x="6492240" y="1097280"/>
+            <a:ext cx="5394960" cy="2011680"/>
+          </a:xfrm>
+          <a:prstGeom prst="roundRect">
+            <a:avLst/>
+          </a:prstGeom>
+          <a:solidFill>
+            <a:srgbClr val="0F172A"/>
+          </a:solidFill>
+          <a:ln w="12700">
+            <a:solidFill>
+              <a:srgbClr val="22D3EE"/>
+            </a:solidFill>
+            <a:prstDash val="solid"/>
+          </a:ln>
+        </p:spPr>
+      </p:sp>
+      <p:sp>
+        <p:nvSpPr>
+          <p:cNvPr id="11" name="Shape 9"/>
+          <p:cNvSpPr/>
+          <p:nvPr/>
+        </p:nvSpPr>
+        <p:spPr>
+          <a:xfrm>
+            <a:off x="6492240" y="1097280"/>
+            <a:ext cx="5394960" cy="109728"/>
+          </a:xfrm>
+          <a:prstGeom prst="rect">
+            <a:avLst/>
+          </a:prstGeom>
+          <a:solidFill>
+            <a:srgbClr val="22D3EE"/>
+          </a:solidFill>
+          <a:ln w="12700">
+            <a:solidFill>
+              <a:srgbClr val="22D3EE"/>
+            </a:solidFill>
+            <a:prstDash val="solid"/>
+          </a:ln>
+        </p:spPr>
+      </p:sp>
+      <p:sp>
+        <p:nvSpPr>
+          <p:cNvPr id="12" name="Text 10"/>
+          <p:cNvSpPr/>
+          <p:nvPr/>
+        </p:nvSpPr>
+        <p:spPr>
+          <a:xfrm>
+            <a:off x="6675120" y="1325880"/>
+            <a:ext cx="5029200" cy="365760"/>
+          </a:xfrm>
+          <a:prstGeom prst="rect">
+            <a:avLst/>
+          </a:prstGeom>
+          <a:noFill/>
+          <a:ln/>
+        </p:spPr>
+        <p:txBody>
+          <a:bodyPr wrap="square" rtlCol="0" anchor="ctr"/>
+          <a:lstStyle/>
+          <a:p>
+            <a:pPr indent="0" marL="0">
+              <a:buNone/>
+            </a:pPr>
+            <a:r>
+              <a:rPr lang="en-US" sz="1600" b="1" dirty="0">
+                <a:solidFill>
+                  <a:srgbClr val="E2E8F0"/>
+                </a:solidFill>
+              </a:rPr>
+              <a:t>3–4: Review + Thresholds</a:t>
+            </a:r>
+            <a:endParaRPr lang="en-US" sz="1600" dirty="0"/>
+          </a:p>
+        </p:txBody>
+      </p:sp>
+      <p:sp>
+        <p:nvSpPr>
+          <p:cNvPr id="13" name="Text 11"/>
+          <p:cNvSpPr/>
+          <p:nvPr/>
+        </p:nvSpPr>
+        <p:spPr>
+          <a:xfrm>
+            <a:off x="6675120" y="1783080"/>
+            <a:ext cx="5029200" cy="1097280"/>
+          </a:xfrm>
+          <a:prstGeom prst="rect">
+            <a:avLst/>
+          </a:prstGeom>
+          <a:noFill/>
+          <a:ln/>
+        </p:spPr>
+        <p:txBody>
+          <a:bodyPr wrap="square" rtlCol="0" anchor="ctr"/>
+          <a:lstStyle/>
+          <a:p>
+            <a:pPr indent="0" marL="0">
+              <a:buNone/>
+            </a:pPr>
+            <a:r>
+              <a:rPr lang="en-US" sz="1200" dirty="0">
+                <a:solidFill>
+                  <a:srgbClr val="94A3B8"/>
+                </a:solidFill>
+              </a:rPr>
+              <a:t>High-risk = qualified reviewer. Low-confidence = mandatory human drafting.</a:t>
+            </a:r>
+            <a:endParaRPr lang="en-US" sz="1200" dirty="0"/>
+          </a:p>
+        </p:txBody>
+      </p:sp>
+      <p:sp>
+        <p:nvSpPr>
+          <p:cNvPr id="14" name="Shape 12"/>
+          <p:cNvSpPr/>
+          <p:nvPr/>
+        </p:nvSpPr>
+        <p:spPr>
+          <a:xfrm>
+            <a:off x="640080" y="3566160"/>
+            <a:ext cx="5394960" cy="2011680"/>
+          </a:xfrm>
+          <a:prstGeom prst="roundRect">
+            <a:avLst/>
+          </a:prstGeom>
+          <a:solidFill>
+            <a:srgbClr val="0F172A"/>
+          </a:solidFill>
+          <a:ln w="12700">
+            <a:solidFill>
+              <a:srgbClr val="A855F7"/>
+            </a:solidFill>
+            <a:prstDash val="solid"/>
+          </a:ln>
+        </p:spPr>
+      </p:sp>
+      <p:sp>
+        <p:nvSpPr>
+          <p:cNvPr id="15" name="Shape 13"/>
+          <p:cNvSpPr/>
+          <p:nvPr/>
+        </p:nvSpPr>
+        <p:spPr>
+          <a:xfrm>
+            <a:off x="640080" y="3566160"/>
+            <a:ext cx="5394960" cy="109728"/>
+          </a:xfrm>
+          <a:prstGeom prst="rect">
+            <a:avLst/>
+          </a:prstGeom>
+          <a:solidFill>
+            <a:srgbClr val="A855F7"/>
+          </a:solidFill>
+          <a:ln w="12700">
+            <a:solidFill>
+              <a:srgbClr val="A855F7"/>
+            </a:solidFill>
+            <a:prstDash val="solid"/>
+          </a:ln>
+        </p:spPr>
+      </p:sp>
+      <p:sp>
+        <p:nvSpPr>
+          <p:cNvPr id="16" name="Text 14"/>
+          <p:cNvSpPr/>
+          <p:nvPr/>
+        </p:nvSpPr>
+        <p:spPr>
+          <a:xfrm>
+            <a:off x="822960" y="3794760"/>
+            <a:ext cx="5029200" cy="365760"/>
+          </a:xfrm>
+          <a:prstGeom prst="rect">
+            <a:avLst/>
+          </a:prstGeom>
+          <a:noFill/>
+          <a:ln/>
+        </p:spPr>
+        <p:txBody>
+          <a:bodyPr wrap="square" rtlCol="0" anchor="ctr"/>
+          <a:lstStyle/>
+          <a:p>
+            <a:pPr indent="0" marL="0">
+              <a:buNone/>
+            </a:pPr>
+            <a:r>
+              <a:rPr lang="en-US" sz="1600" b="1" dirty="0">
+                <a:solidFill>
+                  <a:srgbClr val="E2E8F0"/>
+                </a:solidFill>
+              </a:rPr>
+              <a:t>5: Regulator-Ready</a:t>
+            </a:r>
+            <a:endParaRPr lang="en-US" sz="1600" dirty="0"/>
+          </a:p>
+        </p:txBody>
+      </p:sp>
+      <p:sp>
+        <p:nvSpPr>
+          <p:cNvPr id="17" name="Text 15"/>
+          <p:cNvSpPr/>
+          <p:nvPr/>
+        </p:nvSpPr>
+        <p:spPr>
+          <a:xfrm>
+            <a:off x="822960" y="4251960"/>
+            <a:ext cx="5029200" cy="1097280"/>
+          </a:xfrm>
+          <a:prstGeom prst="rect">
+            <a:avLst/>
+          </a:prstGeom>
+          <a:noFill/>
+          <a:ln/>
+        </p:spPr>
+        <p:txBody>
+          <a:bodyPr wrap="square" rtlCol="0" anchor="ctr"/>
+          <a:lstStyle/>
+          <a:p>
+            <a:pPr indent="0" marL="0">
+              <a:buNone/>
+            </a:pPr>
+            <a:r>
+              <a:rPr lang="en-US" sz="1200" dirty="0">
+                <a:solidFill>
+                  <a:srgbClr val="94A3B8"/>
+                </a:solidFill>
+              </a:rPr>
+              <a:t>On-demand reports: plain language (board) + technical (auditor). NIST/ISO/EU AI Act aligned.</a:t>
+            </a:r>
+            <a:endParaRPr lang="en-US" sz="1200" dirty="0"/>
+          </a:p>
+        </p:txBody>
+      </p:sp>
+      <p:sp>
+        <p:nvSpPr>
+          <p:cNvPr id="18" name="Shape 16"/>
+          <p:cNvSpPr/>
+          <p:nvPr/>
+        </p:nvSpPr>
+        <p:spPr>
+          <a:xfrm>
+            <a:off x="6492240" y="3566160"/>
+            <a:ext cx="5394960" cy="2011680"/>
+          </a:xfrm>
+          <a:prstGeom prst="roundRect">
+            <a:avLst/>
+          </a:prstGeom>
+          <a:solidFill>
+            <a:srgbClr val="0F172A"/>
+          </a:solidFill>
+          <a:ln w="12700">
+            <a:solidFill>
+              <a:srgbClr val="34D399"/>
+            </a:solidFill>
+            <a:prstDash val="solid"/>
+          </a:ln>
+        </p:spPr>
+      </p:sp>
+      <p:sp>
+        <p:nvSpPr>
+          <p:cNvPr id="19" name="Shape 17"/>
+          <p:cNvSpPr/>
+          <p:nvPr/>
+        </p:nvSpPr>
+        <p:spPr>
+          <a:xfrm>
+            <a:off x="6492240" y="3566160"/>
+            <a:ext cx="5394960" cy="109728"/>
+          </a:xfrm>
+          <a:prstGeom prst="rect">
+            <a:avLst/>
+          </a:prstGeom>
+          <a:solidFill>
+            <a:srgbClr val="34D399"/>
+          </a:solidFill>
+          <a:ln w="12700">
+            <a:solidFill>
+              <a:srgbClr val="34D399"/>
+            </a:solidFill>
+            <a:prstDash val="solid"/>
+          </a:ln>
+        </p:spPr>
+      </p:sp>
+      <p:sp>
+        <p:nvSpPr>
+          <p:cNvPr id="20" name="Text 18"/>
+          <p:cNvSpPr/>
+          <p:nvPr/>
+        </p:nvSpPr>
+        <p:spPr>
+          <a:xfrm>
+            <a:off x="6675120" y="3794760"/>
+            <a:ext cx="5029200" cy="365760"/>
+          </a:xfrm>
+          <a:prstGeom prst="rect">
+            <a:avLst/>
+          </a:prstGeom>
+          <a:noFill/>
+          <a:ln/>
+        </p:spPr>
+        <p:txBody>
+          <a:bodyPr wrap="square" rtlCol="0" anchor="ctr"/>
+          <a:lstStyle/>
+          <a:p>
+            <a:pPr indent="0" marL="0">
+              <a:buNone/>
+            </a:pPr>
+            <a:r>
+              <a:rPr lang="en-US" sz="1600" b="1" dirty="0">
+                <a:solidFill>
+                  <a:srgbClr val="E2E8F0"/>
+                </a:solidFill>
+              </a:rPr>
+              <a:t>6: Continuous Monitoring</a:t>
+            </a:r>
+            <a:endParaRPr lang="en-US" sz="1600" dirty="0"/>
+          </a:p>
+        </p:txBody>
+      </p:sp>
+      <p:sp>
+        <p:nvSpPr>
+          <p:cNvPr id="21" name="Text 19"/>
+          <p:cNvSpPr/>
+          <p:nvPr/>
+        </p:nvSpPr>
+        <p:spPr>
+          <a:xfrm>
+            <a:off x="6675120" y="4251960"/>
+            <a:ext cx="5029200" cy="1097280"/>
+          </a:xfrm>
+          <a:prstGeom prst="rect">
+            <a:avLst/>
+          </a:prstGeom>
+          <a:noFill/>
+          <a:ln/>
+        </p:spPr>
+        <p:txBody>
+          <a:bodyPr wrap="square" rtlCol="0" anchor="ctr"/>
+          <a:lstStyle/>
+          <a:p>
+            <a:pPr indent="0" marL="0">
+              <a:buNone/>
+            </a:pPr>
+            <a:r>
+              <a:rPr lang="en-US" sz="1200" dirty="0">
+                <a:solidFill>
+                  <a:srgbClr val="94A3B8"/>
+                </a:solidFill>
+              </a:rPr>
+              <a:t>Drift detection, periodic human audits, bias checks. ISO 42001 PDCA cycle.</a:t>
+            </a:r>
+            <a:endParaRPr lang="en-US" sz="1200" dirty="0"/>
+          </a:p>
+        </p:txBody>
+      </p:sp>
+    </p:spTree>
+  </p:cSld>
+  <p:clrMapOvr>
+    <a:masterClrMapping/>
+  </p:clrMapOvr>
+</p:sld>
+</file>
+
+<file path=ppt/slides/slide15.xml><?xml version="1.0" encoding="utf-8"?>
+<p:sld xmlns:a="http://schemas.openxmlformats.org/drawingml/2006/main" xmlns:r="http://schemas.openxmlformats.org/officeDocument/2006/relationships" xmlns:p="http://schemas.openxmlformats.org/presentationml/2006/main">
+  <p:cSld name="Slide 15">
+    <p:spTree>
+      <p:nvGrpSpPr>
+        <p:cNvPr id="1" name=""/>
+        <p:cNvGrpSpPr/>
+        <p:nvPr/>
+      </p:nvGrpSpPr>
+      <p:grpSpPr>
+        <a:xfrm>
+          <a:off x="0" y="0"/>
+          <a:ext cx="0" cy="0"/>
+          <a:chOff x="0" y="0"/>
+          <a:chExt cx="0" cy="0"/>
+        </a:xfrm>
+      </p:grpSpPr>
+      <p:sp>
+        <p:nvSpPr>
+          <p:cNvPr id="2" name="Shape 0"/>
+          <p:cNvSpPr/>
+          <p:nvPr/>
+        </p:nvSpPr>
+        <p:spPr>
+          <a:xfrm>
+            <a:off x="0" y="0"/>
+            <a:ext cx="12191695" cy="6858000"/>
+          </a:xfrm>
+          <a:prstGeom prst="rect">
+            <a:avLst/>
+          </a:prstGeom>
+          <a:solidFill>
+            <a:srgbClr val="0B0F1A"/>
+          </a:solidFill>
+          <a:ln w="12700">
+            <a:solidFill>
+              <a:srgbClr val="0B0F1A"/>
+            </a:solidFill>
+            <a:prstDash val="solid"/>
+          </a:ln>
+        </p:spPr>
+      </p:sp>
+      <p:sp>
+        <p:nvSpPr>
+          <p:cNvPr id="3" name="Shape 1"/>
+          <p:cNvSpPr/>
+          <p:nvPr/>
+        </p:nvSpPr>
+        <p:spPr>
+          <a:xfrm>
+            <a:off x="0" y="0"/>
+            <a:ext cx="12191695" cy="777240"/>
+          </a:xfrm>
+          <a:prstGeom prst="rect">
+            <a:avLst/>
+          </a:prstGeom>
+          <a:solidFill>
+            <a:srgbClr val="0F172A"/>
+          </a:solidFill>
+          <a:ln w="12700">
+            <a:solidFill>
+              <a:srgbClr val="0F172A"/>
+            </a:solidFill>
+            <a:prstDash val="solid"/>
+          </a:ln>
+        </p:spPr>
+      </p:sp>
+      <p:sp>
+        <p:nvSpPr>
+          <p:cNvPr id="4" name="Text 2"/>
+          <p:cNvSpPr/>
+          <p:nvPr/>
+        </p:nvSpPr>
+        <p:spPr>
+          <a:xfrm>
+            <a:off x="548640" y="137160"/>
+            <a:ext cx="10058400" cy="457200"/>
+          </a:xfrm>
+          <a:prstGeom prst="rect">
+            <a:avLst/>
+          </a:prstGeom>
+          <a:noFill/>
+          <a:ln/>
+        </p:spPr>
+        <p:txBody>
+          <a:bodyPr wrap="square" rtlCol="0" anchor="ctr"/>
+          <a:lstStyle/>
+          <a:p>
+            <a:pPr indent="0" marL="0">
+              <a:buNone/>
+            </a:pPr>
+            <a:r>
+              <a:rPr lang="en-US" sz="2000" b="1" dirty="0">
+                <a:solidFill>
+                  <a:srgbClr val="E2E8F0"/>
+                </a:solidFill>
+              </a:rPr>
+              <a:t>Standards Alignment</a:t>
+            </a:r>
+            <a:endParaRPr lang="en-US" sz="2000" dirty="0"/>
+          </a:p>
+        </p:txBody>
+      </p:sp>
+      <p:sp>
+        <p:nvSpPr>
+          <p:cNvPr id="5" name="Shape 3"/>
+          <p:cNvSpPr/>
+          <p:nvPr/>
+        </p:nvSpPr>
+        <p:spPr>
+          <a:xfrm>
+            <a:off x="0" y="6583680"/>
+            <a:ext cx="12191695" cy="274320"/>
+          </a:xfrm>
+          <a:prstGeom prst="rect">
+            <a:avLst/>
+          </a:prstGeom>
+          <a:solidFill>
+            <a:srgbClr val="38BDF8"/>
+          </a:solidFill>
+          <a:ln w="12700">
+            <a:solidFill>
+              <a:srgbClr val="38BDF8"/>
+            </a:solidFill>
+            <a:prstDash val="solid"/>
+          </a:ln>
+        </p:spPr>
+      </p:sp>
+      <p:sp>
+        <p:nvSpPr>
+          <p:cNvPr id="6" name="Shape 4"/>
+          <p:cNvSpPr/>
+          <p:nvPr/>
+        </p:nvSpPr>
+        <p:spPr>
+          <a:xfrm>
+            <a:off x="640080" y="1188720"/>
+            <a:ext cx="3474720" cy="4389120"/>
+          </a:xfrm>
+          <a:prstGeom prst="roundRect">
+            <a:avLst/>
+          </a:prstGeom>
+          <a:solidFill>
+            <a:srgbClr val="0F172A"/>
+          </a:solidFill>
+          <a:ln w="12700">
+            <a:solidFill>
+              <a:srgbClr val="38BDF8"/>
+            </a:solidFill>
+            <a:prstDash val="solid"/>
+          </a:ln>
+        </p:spPr>
+      </p:sp>
+      <p:sp>
+        <p:nvSpPr>
+          <p:cNvPr id="7" name="Shape 5"/>
+          <p:cNvSpPr/>
+          <p:nvPr/>
+        </p:nvSpPr>
+        <p:spPr>
+          <a:xfrm>
+            <a:off x="640080" y="1188720"/>
+            <a:ext cx="3474720" cy="109728"/>
+          </a:xfrm>
+          <a:prstGeom prst="rect">
+            <a:avLst/>
+          </a:prstGeom>
+          <a:solidFill>
+            <a:srgbClr val="38BDF8"/>
+          </a:solidFill>
+          <a:ln w="12700">
+            <a:solidFill>
+              <a:srgbClr val="38BDF8"/>
+            </a:solidFill>
+            <a:prstDash val="solid"/>
+          </a:ln>
+        </p:spPr>
+      </p:sp>
+      <p:sp>
+        <p:nvSpPr>
+          <p:cNvPr id="8" name="Text 6"/>
+          <p:cNvSpPr/>
+          <p:nvPr/>
+        </p:nvSpPr>
+        <p:spPr>
+          <a:xfrm>
+            <a:off x="822960" y="1417320"/>
+            <a:ext cx="3108960" cy="365760"/>
+          </a:xfrm>
+          <a:prstGeom prst="rect">
+            <a:avLst/>
+          </a:prstGeom>
+          <a:noFill/>
+          <a:ln/>
+        </p:spPr>
+        <p:txBody>
+          <a:bodyPr wrap="square" rtlCol="0" anchor="ctr"/>
+          <a:lstStyle/>
+          <a:p>
+            <a:pPr indent="0" marL="0">
+              <a:buNone/>
+            </a:pPr>
+            <a:r>
+              <a:rPr lang="en-US" sz="1600" b="1" dirty="0">
+                <a:solidFill>
+                  <a:srgbClr val="E2E8F0"/>
+                </a:solidFill>
+              </a:rPr>
+              <a:t>NIST AI RMF</a:t>
+            </a:r>
+            <a:endParaRPr lang="en-US" sz="1600" dirty="0"/>
+          </a:p>
+        </p:txBody>
+      </p:sp>
+      <p:sp>
+        <p:nvSpPr>
+          <p:cNvPr id="9" name="Text 7"/>
+          <p:cNvSpPr/>
+          <p:nvPr/>
+        </p:nvSpPr>
+        <p:spPr>
+          <a:xfrm>
+            <a:off x="822960" y="1874520"/>
+            <a:ext cx="3108960" cy="3474720"/>
+          </a:xfrm>
+          <a:prstGeom prst="rect">
+            <a:avLst/>
+          </a:prstGeom>
+          <a:noFill/>
+          <a:ln/>
+        </p:spPr>
+        <p:txBody>
+          <a:bodyPr wrap="square" rtlCol="0" anchor="ctr"/>
+          <a:lstStyle/>
+          <a:p>
+            <a:pPr indent="0" marL="0">
+              <a:buNone/>
+            </a:pPr>
+            <a:r>
+              <a:rPr lang="en-US" sz="1200" dirty="0">
+                <a:solidFill>
+                  <a:srgbClr val="94A3B8"/>
+                </a:solidFill>
+              </a:rPr>
+              <a:t>Govern → Map → Measure → Manage. US baseline. Launch alignment.</a:t>
+            </a:r>
+            <a:endParaRPr lang="en-US" sz="1200" dirty="0"/>
+          </a:p>
+        </p:txBody>
+      </p:sp>
+      <p:sp>
+        <p:nvSpPr>
+          <p:cNvPr id="10" name="Shape 8"/>
+          <p:cNvSpPr/>
+          <p:nvPr/>
+        </p:nvSpPr>
+        <p:spPr>
+          <a:xfrm>
+            <a:off x="4434840" y="1188720"/>
+            <a:ext cx="3474720" cy="4389120"/>
+          </a:xfrm>
+          <a:prstGeom prst="roundRect">
+            <a:avLst/>
+          </a:prstGeom>
+          <a:solidFill>
+            <a:srgbClr val="0F172A"/>
+          </a:solidFill>
+          <a:ln w="12700">
+            <a:solidFill>
+              <a:srgbClr val="22D3EE"/>
+            </a:solidFill>
+            <a:prstDash val="solid"/>
+          </a:ln>
+        </p:spPr>
+      </p:sp>
+      <p:sp>
+        <p:nvSpPr>
+          <p:cNvPr id="11" name="Shape 9"/>
+          <p:cNvSpPr/>
+          <p:nvPr/>
+        </p:nvSpPr>
+        <p:spPr>
+          <a:xfrm>
+            <a:off x="4434840" y="1188720"/>
+            <a:ext cx="3474720" cy="109728"/>
+          </a:xfrm>
+          <a:prstGeom prst="rect">
+            <a:avLst/>
+          </a:prstGeom>
+          <a:solidFill>
+            <a:srgbClr val="22D3EE"/>
+          </a:solidFill>
+          <a:ln w="12700">
+            <a:solidFill>
+              <a:srgbClr val="22D3EE"/>
+            </a:solidFill>
+            <a:prstDash val="solid"/>
+          </a:ln>
+        </p:spPr>
+      </p:sp>
+      <p:sp>
+        <p:nvSpPr>
+          <p:cNvPr id="12" name="Text 10"/>
+          <p:cNvSpPr/>
+          <p:nvPr/>
+        </p:nvSpPr>
+        <p:spPr>
+          <a:xfrm>
+            <a:off x="4617720" y="1417320"/>
+            <a:ext cx="3108960" cy="365760"/>
+          </a:xfrm>
+          <a:prstGeom prst="rect">
+            <a:avLst/>
+          </a:prstGeom>
+          <a:noFill/>
+          <a:ln/>
+        </p:spPr>
+        <p:txBody>
+          <a:bodyPr wrap="square" rtlCol="0" anchor="ctr"/>
+          <a:lstStyle/>
+          <a:p>
+            <a:pPr indent="0" marL="0">
+              <a:buNone/>
+            </a:pPr>
+            <a:r>
+              <a:rPr lang="en-US" sz="1600" b="1" dirty="0">
+                <a:solidFill>
+                  <a:srgbClr val="E2E8F0"/>
+                </a:solidFill>
+              </a:rPr>
+              <a:t>ISO/IEC 42001</a:t>
+            </a:r>
+            <a:endParaRPr lang="en-US" sz="1600" dirty="0"/>
+          </a:p>
+        </p:txBody>
+      </p:sp>
+      <p:sp>
+        <p:nvSpPr>
+          <p:cNvPr id="13" name="Text 11"/>
+          <p:cNvSpPr/>
+          <p:nvPr/>
+        </p:nvSpPr>
+        <p:spPr>
+          <a:xfrm>
+            <a:off x="4617720" y="1874520"/>
+            <a:ext cx="3108960" cy="3474720"/>
+          </a:xfrm>
+          <a:prstGeom prst="rect">
+            <a:avLst/>
+          </a:prstGeom>
+          <a:noFill/>
+          <a:ln/>
+        </p:spPr>
+        <p:txBody>
+          <a:bodyPr wrap="square" rtlCol="0" anchor="ctr"/>
+          <a:lstStyle/>
+          <a:p>
+            <a:pPr indent="0" marL="0">
+              <a:buNone/>
+            </a:pPr>
+            <a:r>
+              <a:rPr lang="en-US" sz="1200" dirty="0">
+                <a:solidFill>
+                  <a:srgbClr val="94A3B8"/>
+                </a:solidFill>
+              </a:rPr>
+              <a:t>AI Management System. Certifiable. Year 1 target.</a:t>
+            </a:r>
+            <a:endParaRPr lang="en-US" sz="1200" dirty="0"/>
+          </a:p>
+        </p:txBody>
+      </p:sp>
+      <p:sp>
+        <p:nvSpPr>
+          <p:cNvPr id="14" name="Shape 12"/>
+          <p:cNvSpPr/>
+          <p:nvPr/>
+        </p:nvSpPr>
+        <p:spPr>
+          <a:xfrm>
+            <a:off x="8229600" y="1188720"/>
+            <a:ext cx="3474720" cy="4389120"/>
+          </a:xfrm>
+          <a:prstGeom prst="roundRect">
+            <a:avLst/>
+          </a:prstGeom>
+          <a:solidFill>
+            <a:srgbClr val="0F172A"/>
+          </a:solidFill>
+          <a:ln w="12700">
+            <a:solidFill>
+              <a:srgbClr val="A855F7"/>
+            </a:solidFill>
+            <a:prstDash val="solid"/>
+          </a:ln>
+        </p:spPr>
+      </p:sp>
+      <p:sp>
+        <p:nvSpPr>
+          <p:cNvPr id="15" name="Shape 13"/>
+          <p:cNvSpPr/>
+          <p:nvPr/>
+        </p:nvSpPr>
+        <p:spPr>
+          <a:xfrm>
+            <a:off x="8229600" y="1188720"/>
+            <a:ext cx="3474720" cy="109728"/>
+          </a:xfrm>
+          <a:prstGeom prst="rect">
+            <a:avLst/>
+          </a:prstGeom>
+          <a:solidFill>
+            <a:srgbClr val="A855F7"/>
+          </a:solidFill>
+          <a:ln w="12700">
+            <a:solidFill>
+              <a:srgbClr val="A855F7"/>
+            </a:solidFill>
+            <a:prstDash val="solid"/>
+          </a:ln>
+        </p:spPr>
+      </p:sp>
+      <p:sp>
+        <p:nvSpPr>
+          <p:cNvPr id="16" name="Text 14"/>
+          <p:cNvSpPr/>
+          <p:nvPr/>
+        </p:nvSpPr>
+        <p:spPr>
+          <a:xfrm>
+            <a:off x="8412480" y="1417320"/>
+            <a:ext cx="3108960" cy="365760"/>
+          </a:xfrm>
+          <a:prstGeom prst="rect">
+            <a:avLst/>
+          </a:prstGeom>
+          <a:noFill/>
+          <a:ln/>
+        </p:spPr>
+        <p:txBody>
+          <a:bodyPr wrap="square" rtlCol="0" anchor="ctr"/>
+          <a:lstStyle/>
+          <a:p>
+            <a:pPr indent="0" marL="0">
+              <a:buNone/>
+            </a:pPr>
+            <a:r>
+              <a:rPr lang="en-US" sz="1600" b="1" dirty="0">
+                <a:solidFill>
+                  <a:srgbClr val="E2E8F0"/>
+                </a:solidFill>
+              </a:rPr>
+              <a:t>MAS / HKMA / EU AI Act</a:t>
+            </a:r>
+            <a:endParaRPr lang="en-US" sz="1600" dirty="0"/>
+          </a:p>
+        </p:txBody>
+      </p:sp>
+      <p:sp>
+        <p:nvSpPr>
+          <p:cNvPr id="17" name="Text 15"/>
+          <p:cNvSpPr/>
+          <p:nvPr/>
+        </p:nvSpPr>
+        <p:spPr>
+          <a:xfrm>
+            <a:off x="8412480" y="1874520"/>
+            <a:ext cx="3108960" cy="3474720"/>
+          </a:xfrm>
+          <a:prstGeom prst="rect">
+            <a:avLst/>
+          </a:prstGeom>
+          <a:noFill/>
+          <a:ln/>
+        </p:spPr>
+        <p:txBody>
+          <a:bodyPr wrap="square" rtlCol="0" anchor="ctr"/>
+          <a:lstStyle/>
+          <a:p>
+            <a:pPr indent="0" marL="0">
+              <a:buNone/>
+            </a:pPr>
+            <a:r>
+              <a:rPr lang="en-US" sz="1200" dirty="0">
+                <a:solidFill>
+                  <a:srgbClr val="94A3B8"/>
+                </a:solidFill>
+              </a:rPr>
+              <a:t>APAC financial services + EU transparency requirements. Sandbox participation.</a:t>
+            </a:r>
+            <a:endParaRPr lang="en-US" sz="1200" dirty="0"/>
+          </a:p>
+        </p:txBody>
+      </p:sp>
+    </p:spTree>
+  </p:cSld>
+  <p:clrMapOvr>
+    <a:masterClrMapping/>
+  </p:clrMapOvr>
+</p:sld>
+</file>
+
+<file path=ppt/slides/slide16.xml><?xml version="1.0" encoding="utf-8"?>
+<p:sld xmlns:a="http://schemas.openxmlformats.org/drawingml/2006/main" xmlns:r="http://schemas.openxmlformats.org/officeDocument/2006/relationships" xmlns:p="http://schemas.openxmlformats.org/presentationml/2006/main">
+  <p:cSld name="Slide 16">
+    <p:spTree>
+      <p:nvGrpSpPr>
+        <p:cNvPr id="1" name=""/>
+        <p:cNvGrpSpPr/>
+        <p:nvPr/>
+      </p:nvGrpSpPr>
+      <p:grpSpPr>
+        <a:xfrm>
+          <a:off x="0" y="0"/>
+          <a:ext cx="0" cy="0"/>
+          <a:chOff x="0" y="0"/>
+          <a:chExt cx="0" cy="0"/>
+        </a:xfrm>
+      </p:grpSpPr>
+      <p:sp>
+        <p:nvSpPr>
+          <p:cNvPr id="2" name="Shape 0"/>
+          <p:cNvSpPr/>
+          <p:nvPr/>
+        </p:nvSpPr>
+        <p:spPr>
+          <a:xfrm>
+            <a:off x="0" y="0"/>
+            <a:ext cx="12191695" cy="6858000"/>
+          </a:xfrm>
+          <a:prstGeom prst="rect">
+            <a:avLst/>
+          </a:prstGeom>
+          <a:solidFill>
+            <a:srgbClr val="0B0F1A"/>
+          </a:solidFill>
+          <a:ln w="12700">
+            <a:solidFill>
+              <a:srgbClr val="0B0F1A"/>
+            </a:solidFill>
+            <a:prstDash val="solid"/>
+          </a:ln>
+        </p:spPr>
+      </p:sp>
+      <p:sp>
+        <p:nvSpPr>
+          <p:cNvPr id="3" name="Shape 1"/>
+          <p:cNvSpPr/>
+          <p:nvPr/>
+        </p:nvSpPr>
+        <p:spPr>
+          <a:xfrm>
+            <a:off x="0" y="0"/>
+            <a:ext cx="12191695" cy="777240"/>
+          </a:xfrm>
+          <a:prstGeom prst="rect">
+            <a:avLst/>
+          </a:prstGeom>
+          <a:solidFill>
+            <a:srgbClr val="0F172A"/>
+          </a:solidFill>
+          <a:ln w="12700">
+            <a:solidFill>
+              <a:srgbClr val="0F172A"/>
+            </a:solidFill>
+            <a:prstDash val="solid"/>
+          </a:ln>
+        </p:spPr>
+      </p:sp>
+      <p:sp>
+        <p:nvSpPr>
+          <p:cNvPr id="4" name="Text 2"/>
+          <p:cNvSpPr/>
+          <p:nvPr/>
+        </p:nvSpPr>
+        <p:spPr>
+          <a:xfrm>
+            <a:off x="548640" y="137160"/>
+            <a:ext cx="10058400" cy="457200"/>
+          </a:xfrm>
+          <a:prstGeom prst="rect">
+            <a:avLst/>
+          </a:prstGeom>
+          <a:noFill/>
+          <a:ln/>
+        </p:spPr>
+        <p:txBody>
+          <a:bodyPr wrap="square" rtlCol="0" anchor="ctr"/>
+          <a:lstStyle/>
+          <a:p>
+            <a:pPr indent="0" marL="0">
+              <a:buNone/>
+            </a:pPr>
+            <a:r>
+              <a:rPr lang="en-US" sz="2000" b="1" dirty="0">
+                <a:solidFill>
+                  <a:srgbClr val="E2E8F0"/>
+                </a:solidFill>
+              </a:rPr>
+              <a:t>Shark Tank: Key Challenges Addressed</a:t>
+            </a:r>
+            <a:endParaRPr lang="en-US" sz="2000" dirty="0"/>
+          </a:p>
+        </p:txBody>
+      </p:sp>
+      <p:sp>
+        <p:nvSpPr>
+          <p:cNvPr id="5" name="Shape 3"/>
+          <p:cNvSpPr/>
+          <p:nvPr/>
+        </p:nvSpPr>
+        <p:spPr>
+          <a:xfrm>
+            <a:off x="0" y="6583680"/>
+            <a:ext cx="12191695" cy="274320"/>
+          </a:xfrm>
+          <a:prstGeom prst="rect">
+            <a:avLst/>
+          </a:prstGeom>
+          <a:solidFill>
+            <a:srgbClr val="38BDF8"/>
+          </a:solidFill>
+          <a:ln w="12700">
+            <a:solidFill>
+              <a:srgbClr val="38BDF8"/>
+            </a:solidFill>
+            <a:prstDash val="solid"/>
+          </a:ln>
+        </p:spPr>
+      </p:sp>
+      <p:sp>
+        <p:nvSpPr>
+          <p:cNvPr id="6" name="Text 4"/>
+          <p:cNvSpPr/>
+          <p:nvPr/>
+        </p:nvSpPr>
+        <p:spPr>
+          <a:xfrm>
+            <a:off x="731520" y="1097280"/>
+            <a:ext cx="10972800" cy="5303520"/>
+          </a:xfrm>
+          <a:prstGeom prst="rect">
+            <a:avLst/>
+          </a:prstGeom>
+          <a:noFill/>
+          <a:ln/>
+        </p:spPr>
+        <p:txBody>
+          <a:bodyPr wrap="square" rtlCol="0" anchor="ctr"/>
+          <a:lstStyle/>
+          <a:p>
+            <a:pPr marL="254000" indent="-254000">
+              <a:buSzPct val="100000"/>
+              <a:buChar char="•"/>
+            </a:pPr>
+            <a:r>
+              <a:rPr lang="en-US" sz="1600" dirty="0">
+                <a:solidFill>
+                  <a:srgbClr val="E2E8F0"/>
+                </a:solidFill>
+              </a:rPr>
+              <a:t>Enterprise trust: Regulator sandbox + Big 4 partnership + ISO cert + cyber insurance backing.</a:t>
+            </a:r>
+            <a:pPr indent="0" marL="0">
+              <a:buNone/>
+            </a:pPr>
+            <a:r>
+              <a:rPr lang="en-US" sz="1600" dirty="0">
+                <a:solidFill>
+                  <a:srgbClr val="E2E8F0"/>
+                </a:solidFill>
+              </a:rPr>
+              <a:t>AI liability: Accountability by design — human decides, AI assists, immutable audit trail.</a:t>
+            </a:r>
+            <a:pPr indent="0" marL="0">
+              <a:buNone/>
+            </a:pPr>
+            <a:r>
+              <a:rPr lang="en-US" sz="1600" dirty="0">
+                <a:solidFill>
+                  <a:srgbClr val="E2E8F0"/>
+                </a:solidFill>
+              </a:rPr>
+              <a:t>Incumbent fast-follow: 18-24 month moat; architecture debt; data model lock-in.</a:t>
+            </a:r>
+            <a:pPr indent="0" marL="0">
+              <a:buNone/>
+            </a:pPr>
+            <a:r>
+              <a:rPr lang="en-US" sz="1600" dirty="0">
+                <a:solidFill>
+                  <a:srgbClr val="E2E8F0"/>
+                </a:solidFill>
+              </a:rPr>
+              <a:t>Unit economics: Mid-market wedge + PLG lead gen + channel leverage + APAC focus.</a:t>
+            </a:r>
+            <a:pPr indent="0" marL="0">
+              <a:buNone/>
+            </a:pPr>
+            <a:r>
+              <a:rPr lang="en-US" sz="1600" dirty="0">
+                <a:solidFill>
+                  <a:srgbClr val="E2E8F0"/>
+                </a:solidFill>
+              </a:rPr>
+              <a:t>Differentiation proof: 60-second annual report demo — IBM can't do step 1.</a:t>
+            </a:r>
+            <a:endParaRPr lang="en-US" sz="1600" dirty="0"/>
+          </a:p>
+        </p:txBody>
+      </p:sp>
+    </p:spTree>
+  </p:cSld>
+  <p:clrMapOvr>
+    <a:masterClrMapping/>
+  </p:clrMapOvr>
+</p:sld>
+</file>
+
+<file path=ppt/slides/slide17.xml><?xml version="1.0" encoding="utf-8"?>
+<p:sld xmlns:a="http://schemas.openxmlformats.org/drawingml/2006/main" xmlns:r="http://schemas.openxmlformats.org/officeDocument/2006/relationships" xmlns:p="http://schemas.openxmlformats.org/presentationml/2006/main">
+  <p:cSld name="Slide 17">
+    <p:spTree>
+      <p:nvGrpSpPr>
+        <p:cNvPr id="1" name=""/>
+        <p:cNvGrpSpPr/>
+        <p:nvPr/>
+      </p:nvGrpSpPr>
+      <p:grpSpPr>
+        <a:xfrm>
+          <a:off x="0" y="0"/>
+          <a:ext cx="0" cy="0"/>
+          <a:chOff x="0" y="0"/>
+          <a:chExt cx="0" cy="0"/>
+        </a:xfrm>
+      </p:grpSpPr>
+      <p:sp>
+        <p:nvSpPr>
+          <p:cNvPr id="2" name="Shape 0"/>
+          <p:cNvSpPr/>
+          <p:nvPr/>
+        </p:nvSpPr>
+        <p:spPr>
+          <a:xfrm>
+            <a:off x="0" y="0"/>
+            <a:ext cx="12191695" cy="6858000"/>
+          </a:xfrm>
+          <a:prstGeom prst="rect">
+            <a:avLst/>
+          </a:prstGeom>
+          <a:solidFill>
+            <a:srgbClr val="0B0F1A"/>
+          </a:solidFill>
+          <a:ln w="12700">
+            <a:solidFill>
+              <a:srgbClr val="0B0F1A"/>
+            </a:solidFill>
+            <a:prstDash val="solid"/>
+          </a:ln>
+        </p:spPr>
+      </p:sp>
+      <p:sp>
+        <p:nvSpPr>
+          <p:cNvPr id="3" name="Shape 1"/>
+          <p:cNvSpPr/>
+          <p:nvPr/>
+        </p:nvSpPr>
+        <p:spPr>
+          <a:xfrm>
+            <a:off x="0" y="0"/>
+            <a:ext cx="12191695" cy="777240"/>
+          </a:xfrm>
+          <a:prstGeom prst="rect">
+            <a:avLst/>
+          </a:prstGeom>
+          <a:solidFill>
+            <a:srgbClr val="0F172A"/>
+          </a:solidFill>
+          <a:ln w="12700">
+            <a:solidFill>
+              <a:srgbClr val="0F172A"/>
+            </a:solidFill>
+            <a:prstDash val="solid"/>
+          </a:ln>
+        </p:spPr>
+      </p:sp>
+      <p:sp>
+        <p:nvSpPr>
+          <p:cNvPr id="4" name="Text 2"/>
+          <p:cNvSpPr/>
+          <p:nvPr/>
+        </p:nvSpPr>
+        <p:spPr>
+          <a:xfrm>
+            <a:off x="548640" y="137160"/>
+            <a:ext cx="10058400" cy="457200"/>
+          </a:xfrm>
+          <a:prstGeom prst="rect">
+            <a:avLst/>
+          </a:prstGeom>
+          <a:noFill/>
+          <a:ln/>
+        </p:spPr>
+        <p:txBody>
+          <a:bodyPr wrap="square" rtlCol="0" anchor="ctr"/>
+          <a:lstStyle/>
+          <a:p>
+            <a:pPr indent="0" marL="0">
+              <a:buNone/>
+            </a:pPr>
+            <a:r>
+              <a:rPr lang="en-US" sz="2000" b="1" dirty="0">
+                <a:solidFill>
+                  <a:srgbClr val="E2E8F0"/>
+                </a:solidFill>
+              </a:rPr>
+              <a:t>Competitive Landscape (Snapshot)</a:t>
+            </a:r>
+            <a:endParaRPr lang="en-US" sz="2000" dirty="0"/>
+          </a:p>
+        </p:txBody>
+      </p:sp>
+      <p:sp>
+        <p:nvSpPr>
+          <p:cNvPr id="5" name="Shape 3"/>
+          <p:cNvSpPr/>
+          <p:nvPr/>
+        </p:nvSpPr>
+        <p:spPr>
+          <a:xfrm>
+            <a:off x="0" y="6583680"/>
+            <a:ext cx="12191695" cy="274320"/>
+          </a:xfrm>
+          <a:prstGeom prst="rect">
+            <a:avLst/>
+          </a:prstGeom>
+          <a:solidFill>
+            <a:srgbClr val="38BDF8"/>
+          </a:solidFill>
+          <a:ln w="12700">
+            <a:solidFill>
+              <a:srgbClr val="38BDF8"/>
+            </a:solidFill>
+            <a:prstDash val="solid"/>
+          </a:ln>
+        </p:spPr>
+      </p:sp>
       <p:graphicFrame>
         <p:nvGraphicFramePr>
-          <p:cNvPr id="15" name="Table 0"/>
+          <p:cNvPr id="18" name="Table 0"/>
           <p:cNvGraphicFramePr>
             <a:graphicFrameLocks noGrp="1"/>
           </p:cNvGraphicFramePr>
@@ -5840,1424 +8091,6 @@
 </p:sld>
 </file>
 
-<file path=ppt/slides/slide15.xml><?xml version="1.0" encoding="utf-8"?>
-<p:sld xmlns:a="http://schemas.openxmlformats.org/drawingml/2006/main" xmlns:r="http://schemas.openxmlformats.org/officeDocument/2006/relationships" xmlns:p="http://schemas.openxmlformats.org/presentationml/2006/main">
-  <p:cSld name="Slide 15">
-    <p:spTree>
-      <p:nvGrpSpPr>
-        <p:cNvPr id="1" name=""/>
-        <p:cNvGrpSpPr/>
-        <p:nvPr/>
-      </p:nvGrpSpPr>
-      <p:grpSpPr>
-        <a:xfrm>
-          <a:off x="0" y="0"/>
-          <a:ext cx="0" cy="0"/>
-          <a:chOff x="0" y="0"/>
-          <a:chExt cx="0" cy="0"/>
-        </a:xfrm>
-      </p:grpSpPr>
-      <p:sp>
-        <p:nvSpPr>
-          <p:cNvPr id="2" name="Shape 0"/>
-          <p:cNvSpPr/>
-          <p:nvPr/>
-        </p:nvSpPr>
-        <p:spPr>
-          <a:xfrm>
-            <a:off x="0" y="0"/>
-            <a:ext cx="12191695" cy="6858000"/>
-          </a:xfrm>
-          <a:prstGeom prst="rect">
-            <a:avLst/>
-          </a:prstGeom>
-          <a:solidFill>
-            <a:srgbClr val="0B0F1A"/>
-          </a:solidFill>
-          <a:ln w="12700">
-            <a:solidFill>
-              <a:srgbClr val="0B0F1A"/>
-            </a:solidFill>
-            <a:prstDash val="solid"/>
-          </a:ln>
-        </p:spPr>
-      </p:sp>
-      <p:sp>
-        <p:nvSpPr>
-          <p:cNvPr id="3" name="Shape 1"/>
-          <p:cNvSpPr/>
-          <p:nvPr/>
-        </p:nvSpPr>
-        <p:spPr>
-          <a:xfrm>
-            <a:off x="0" y="0"/>
-            <a:ext cx="12191695" cy="777240"/>
-          </a:xfrm>
-          <a:prstGeom prst="rect">
-            <a:avLst/>
-          </a:prstGeom>
-          <a:solidFill>
-            <a:srgbClr val="0F172A"/>
-          </a:solidFill>
-          <a:ln w="12700">
-            <a:solidFill>
-              <a:srgbClr val="0F172A"/>
-            </a:solidFill>
-            <a:prstDash val="solid"/>
-          </a:ln>
-        </p:spPr>
-      </p:sp>
-      <p:sp>
-        <p:nvSpPr>
-          <p:cNvPr id="4" name="Text 2"/>
-          <p:cNvSpPr/>
-          <p:nvPr/>
-        </p:nvSpPr>
-        <p:spPr>
-          <a:xfrm>
-            <a:off x="548640" y="137160"/>
-            <a:ext cx="10058400" cy="457200"/>
-          </a:xfrm>
-          <a:prstGeom prst="rect">
-            <a:avLst/>
-          </a:prstGeom>
-          <a:noFill/>
-          <a:ln/>
-        </p:spPr>
-        <p:txBody>
-          <a:bodyPr wrap="square" rtlCol="0" anchor="ctr"/>
-          <a:lstStyle/>
-          <a:p>
-            <a:pPr indent="0" marL="0">
-              <a:buNone/>
-            </a:pPr>
-            <a:r>
-              <a:rPr lang="en-US" sz="2000" b="1" dirty="0">
-                <a:solidFill>
-                  <a:srgbClr val="E2E8F0"/>
-                </a:solidFill>
-              </a:rPr>
-              <a:t>Why They Can’t Copy Fast</a:t>
-            </a:r>
-            <a:endParaRPr lang="en-US" sz="2000" dirty="0"/>
-          </a:p>
-        </p:txBody>
-      </p:sp>
-      <p:sp>
-        <p:nvSpPr>
-          <p:cNvPr id="5" name="Shape 3"/>
-          <p:cNvSpPr/>
-          <p:nvPr/>
-        </p:nvSpPr>
-        <p:spPr>
-          <a:xfrm>
-            <a:off x="0" y="6583680"/>
-            <a:ext cx="12191695" cy="274320"/>
-          </a:xfrm>
-          <a:prstGeom prst="rect">
-            <a:avLst/>
-          </a:prstGeom>
-          <a:solidFill>
-            <a:srgbClr val="38BDF8"/>
-          </a:solidFill>
-          <a:ln w="12700">
-            <a:solidFill>
-              <a:srgbClr val="38BDF8"/>
-            </a:solidFill>
-            <a:prstDash val="solid"/>
-          </a:ln>
-        </p:spPr>
-      </p:sp>
-      <p:sp>
-        <p:nvSpPr>
-          <p:cNvPr id="6" name="Shape 4"/>
-          <p:cNvSpPr/>
-          <p:nvPr/>
-        </p:nvSpPr>
-        <p:spPr>
-          <a:xfrm>
-            <a:off x="640080" y="1188720"/>
-            <a:ext cx="3474720" cy="4389120"/>
-          </a:xfrm>
-          <a:prstGeom prst="roundRect">
-            <a:avLst/>
-          </a:prstGeom>
-          <a:solidFill>
-            <a:srgbClr val="0F172A"/>
-          </a:solidFill>
-          <a:ln w="12700">
-            <a:solidFill>
-              <a:srgbClr val="38BDF8"/>
-            </a:solidFill>
-            <a:prstDash val="solid"/>
-          </a:ln>
-        </p:spPr>
-      </p:sp>
-      <p:sp>
-        <p:nvSpPr>
-          <p:cNvPr id="7" name="Shape 5"/>
-          <p:cNvSpPr/>
-          <p:nvPr/>
-        </p:nvSpPr>
-        <p:spPr>
-          <a:xfrm>
-            <a:off x="640080" y="1188720"/>
-            <a:ext cx="3474720" cy="109728"/>
-          </a:xfrm>
-          <a:prstGeom prst="rect">
-            <a:avLst/>
-          </a:prstGeom>
-          <a:solidFill>
-            <a:srgbClr val="38BDF8"/>
-          </a:solidFill>
-          <a:ln w="12700">
-            <a:solidFill>
-              <a:srgbClr val="38BDF8"/>
-            </a:solidFill>
-            <a:prstDash val="solid"/>
-          </a:ln>
-        </p:spPr>
-      </p:sp>
-      <p:sp>
-        <p:nvSpPr>
-          <p:cNvPr id="8" name="Text 6"/>
-          <p:cNvSpPr/>
-          <p:nvPr/>
-        </p:nvSpPr>
-        <p:spPr>
-          <a:xfrm>
-            <a:off x="822960" y="1417320"/>
-            <a:ext cx="3108960" cy="365760"/>
-          </a:xfrm>
-          <a:prstGeom prst="rect">
-            <a:avLst/>
-          </a:prstGeom>
-          <a:noFill/>
-          <a:ln/>
-        </p:spPr>
-        <p:txBody>
-          <a:bodyPr wrap="square" rtlCol="0" anchor="ctr"/>
-          <a:lstStyle/>
-          <a:p>
-            <a:pPr indent="0" marL="0">
-              <a:buNone/>
-            </a:pPr>
-            <a:r>
-              <a:rPr lang="en-US" sz="1600" b="1" dirty="0">
-                <a:solidFill>
-                  <a:srgbClr val="E2E8F0"/>
-                </a:solidFill>
-              </a:rPr>
-              <a:t>Architecture Debt</a:t>
-            </a:r>
-            <a:endParaRPr lang="en-US" sz="1600" dirty="0"/>
-          </a:p>
-        </p:txBody>
-      </p:sp>
-      <p:sp>
-        <p:nvSpPr>
-          <p:cNvPr id="9" name="Text 7"/>
-          <p:cNvSpPr/>
-          <p:nvPr/>
-        </p:nvSpPr>
-        <p:spPr>
-          <a:xfrm>
-            <a:off x="822960" y="1874520"/>
-            <a:ext cx="3108960" cy="3474720"/>
-          </a:xfrm>
-          <a:prstGeom prst="rect">
-            <a:avLst/>
-          </a:prstGeom>
-          <a:noFill/>
-          <a:ln/>
-        </p:spPr>
-        <p:txBody>
-          <a:bodyPr wrap="square" rtlCol="0" anchor="ctr"/>
-          <a:lstStyle/>
-          <a:p>
-            <a:pPr indent="0" marL="0">
-              <a:buNone/>
-            </a:pPr>
-            <a:r>
-              <a:rPr lang="en-US" sz="1200" dirty="0">
-                <a:solidFill>
-                  <a:srgbClr val="94A3B8"/>
-                </a:solidFill>
-              </a:rPr>
-              <a:t>Incumbents built for workflows, not agent‑first governance.</a:t>
-            </a:r>
-            <a:endParaRPr lang="en-US" sz="1200" dirty="0"/>
-          </a:p>
-        </p:txBody>
-      </p:sp>
-      <p:sp>
-        <p:nvSpPr>
-          <p:cNvPr id="10" name="Shape 8"/>
-          <p:cNvSpPr/>
-          <p:nvPr/>
-        </p:nvSpPr>
-        <p:spPr>
-          <a:xfrm>
-            <a:off x="4434840" y="1188720"/>
-            <a:ext cx="3474720" cy="4389120"/>
-          </a:xfrm>
-          <a:prstGeom prst="roundRect">
-            <a:avLst/>
-          </a:prstGeom>
-          <a:solidFill>
-            <a:srgbClr val="0F172A"/>
-          </a:solidFill>
-          <a:ln w="12700">
-            <a:solidFill>
-              <a:srgbClr val="22D3EE"/>
-            </a:solidFill>
-            <a:prstDash val="solid"/>
-          </a:ln>
-        </p:spPr>
-      </p:sp>
-      <p:sp>
-        <p:nvSpPr>
-          <p:cNvPr id="11" name="Shape 9"/>
-          <p:cNvSpPr/>
-          <p:nvPr/>
-        </p:nvSpPr>
-        <p:spPr>
-          <a:xfrm>
-            <a:off x="4434840" y="1188720"/>
-            <a:ext cx="3474720" cy="109728"/>
-          </a:xfrm>
-          <a:prstGeom prst="rect">
-            <a:avLst/>
-          </a:prstGeom>
-          <a:solidFill>
-            <a:srgbClr val="22D3EE"/>
-          </a:solidFill>
-          <a:ln w="12700">
-            <a:solidFill>
-              <a:srgbClr val="22D3EE"/>
-            </a:solidFill>
-            <a:prstDash val="solid"/>
-          </a:ln>
-        </p:spPr>
-      </p:sp>
-      <p:sp>
-        <p:nvSpPr>
-          <p:cNvPr id="12" name="Text 10"/>
-          <p:cNvSpPr/>
-          <p:nvPr/>
-        </p:nvSpPr>
-        <p:spPr>
-          <a:xfrm>
-            <a:off x="4617720" y="1417320"/>
-            <a:ext cx="3108960" cy="365760"/>
-          </a:xfrm>
-          <a:prstGeom prst="rect">
-            <a:avLst/>
-          </a:prstGeom>
-          <a:noFill/>
-          <a:ln/>
-        </p:spPr>
-        <p:txBody>
-          <a:bodyPr wrap="square" rtlCol="0" anchor="ctr"/>
-          <a:lstStyle/>
-          <a:p>
-            <a:pPr indent="0" marL="0">
-              <a:buNone/>
-            </a:pPr>
-            <a:r>
-              <a:rPr lang="en-US" sz="1600" b="1" dirty="0">
-                <a:solidFill>
-                  <a:srgbClr val="E2E8F0"/>
-                </a:solidFill>
-              </a:rPr>
-              <a:t>APAC Focus Gap</a:t>
-            </a:r>
-            <a:endParaRPr lang="en-US" sz="1600" dirty="0"/>
-          </a:p>
-        </p:txBody>
-      </p:sp>
-      <p:sp>
-        <p:nvSpPr>
-          <p:cNvPr id="13" name="Text 11"/>
-          <p:cNvSpPr/>
-          <p:nvPr/>
-        </p:nvSpPr>
-        <p:spPr>
-          <a:xfrm>
-            <a:off x="4617720" y="1874520"/>
-            <a:ext cx="3108960" cy="3474720"/>
-          </a:xfrm>
-          <a:prstGeom prst="rect">
-            <a:avLst/>
-          </a:prstGeom>
-          <a:noFill/>
-          <a:ln/>
-        </p:spPr>
-        <p:txBody>
-          <a:bodyPr wrap="square" rtlCol="0" anchor="ctr"/>
-          <a:lstStyle/>
-          <a:p>
-            <a:pPr indent="0" marL="0">
-              <a:buNone/>
-            </a:pPr>
-            <a:r>
-              <a:rPr lang="en-US" sz="1200" dirty="0">
-                <a:solidFill>
-                  <a:srgbClr val="94A3B8"/>
-                </a:solidFill>
-              </a:rPr>
-              <a:t>HKMA/MAS near‑real‑time intelligence is under‑served.</a:t>
-            </a:r>
-            <a:endParaRPr lang="en-US" sz="1200" dirty="0"/>
-          </a:p>
-        </p:txBody>
-      </p:sp>
-      <p:sp>
-        <p:nvSpPr>
-          <p:cNvPr id="14" name="Shape 12"/>
-          <p:cNvSpPr/>
-          <p:nvPr/>
-        </p:nvSpPr>
-        <p:spPr>
-          <a:xfrm>
-            <a:off x="8229600" y="1188720"/>
-            <a:ext cx="3474720" cy="4389120"/>
-          </a:xfrm>
-          <a:prstGeom prst="roundRect">
-            <a:avLst/>
-          </a:prstGeom>
-          <a:solidFill>
-            <a:srgbClr val="0F172A"/>
-          </a:solidFill>
-          <a:ln w="12700">
-            <a:solidFill>
-              <a:srgbClr val="A855F7"/>
-            </a:solidFill>
-            <a:prstDash val="solid"/>
-          </a:ln>
-        </p:spPr>
-      </p:sp>
-      <p:sp>
-        <p:nvSpPr>
-          <p:cNvPr id="15" name="Shape 13"/>
-          <p:cNvSpPr/>
-          <p:nvPr/>
-        </p:nvSpPr>
-        <p:spPr>
-          <a:xfrm>
-            <a:off x="8229600" y="1188720"/>
-            <a:ext cx="3474720" cy="109728"/>
-          </a:xfrm>
-          <a:prstGeom prst="rect">
-            <a:avLst/>
-          </a:prstGeom>
-          <a:solidFill>
-            <a:srgbClr val="A855F7"/>
-          </a:solidFill>
-          <a:ln w="12700">
-            <a:solidFill>
-              <a:srgbClr val="A855F7"/>
-            </a:solidFill>
-            <a:prstDash val="solid"/>
-          </a:ln>
-        </p:spPr>
-      </p:sp>
-      <p:sp>
-        <p:nvSpPr>
-          <p:cNvPr id="16" name="Text 14"/>
-          <p:cNvSpPr/>
-          <p:nvPr/>
-        </p:nvSpPr>
-        <p:spPr>
-          <a:xfrm>
-            <a:off x="8412480" y="1417320"/>
-            <a:ext cx="3108960" cy="365760"/>
-          </a:xfrm>
-          <a:prstGeom prst="rect">
-            <a:avLst/>
-          </a:prstGeom>
-          <a:noFill/>
-          <a:ln/>
-        </p:spPr>
-        <p:txBody>
-          <a:bodyPr wrap="square" rtlCol="0" anchor="ctr"/>
-          <a:lstStyle/>
-          <a:p>
-            <a:pPr indent="0" marL="0">
-              <a:buNone/>
-            </a:pPr>
-            <a:r>
-              <a:rPr lang="en-US" sz="1600" b="1" dirty="0">
-                <a:solidFill>
-                  <a:srgbClr val="E2E8F0"/>
-                </a:solidFill>
-              </a:rPr>
-              <a:t>Governance Exoskeleton</a:t>
-            </a:r>
-            <a:endParaRPr lang="en-US" sz="1600" dirty="0"/>
-          </a:p>
-        </p:txBody>
-      </p:sp>
-      <p:sp>
-        <p:nvSpPr>
-          <p:cNvPr id="17" name="Text 15"/>
-          <p:cNvSpPr/>
-          <p:nvPr/>
-        </p:nvSpPr>
-        <p:spPr>
-          <a:xfrm>
-            <a:off x="8412480" y="1874520"/>
-            <a:ext cx="3108960" cy="3474720"/>
-          </a:xfrm>
-          <a:prstGeom prst="rect">
-            <a:avLst/>
-          </a:prstGeom>
-          <a:noFill/>
-          <a:ln/>
-        </p:spPr>
-        <p:txBody>
-          <a:bodyPr wrap="square" rtlCol="0" anchor="ctr"/>
-          <a:lstStyle/>
-          <a:p>
-            <a:pPr indent="0" marL="0">
-              <a:buNone/>
-            </a:pPr>
-            <a:r>
-              <a:rPr lang="en-US" sz="1200" dirty="0">
-                <a:solidFill>
-                  <a:srgbClr val="94A3B8"/>
-                </a:solidFill>
-              </a:rPr>
-              <a:t>Strategy→objectives→policies→metrics→logs is a new data model.</a:t>
-            </a:r>
-            <a:endParaRPr lang="en-US" sz="1200" dirty="0"/>
-          </a:p>
-        </p:txBody>
-      </p:sp>
-    </p:spTree>
-  </p:cSld>
-  <p:clrMapOvr>
-    <a:masterClrMapping/>
-  </p:clrMapOvr>
-</p:sld>
-</file>
-
-<file path=ppt/slides/slide16.xml><?xml version="1.0" encoding="utf-8"?>
-<p:sld xmlns:a="http://schemas.openxmlformats.org/drawingml/2006/main" xmlns:r="http://schemas.openxmlformats.org/officeDocument/2006/relationships" xmlns:p="http://schemas.openxmlformats.org/presentationml/2006/main">
-  <p:cSld name="Slide 16">
-    <p:spTree>
-      <p:nvGrpSpPr>
-        <p:cNvPr id="1" name=""/>
-        <p:cNvGrpSpPr/>
-        <p:nvPr/>
-      </p:nvGrpSpPr>
-      <p:grpSpPr>
-        <a:xfrm>
-          <a:off x="0" y="0"/>
-          <a:ext cx="0" cy="0"/>
-          <a:chOff x="0" y="0"/>
-          <a:chExt cx="0" cy="0"/>
-        </a:xfrm>
-      </p:grpSpPr>
-      <p:sp>
-        <p:nvSpPr>
-          <p:cNvPr id="2" name="Shape 0"/>
-          <p:cNvSpPr/>
-          <p:nvPr/>
-        </p:nvSpPr>
-        <p:spPr>
-          <a:xfrm>
-            <a:off x="0" y="0"/>
-            <a:ext cx="12191695" cy="6858000"/>
-          </a:xfrm>
-          <a:prstGeom prst="rect">
-            <a:avLst/>
-          </a:prstGeom>
-          <a:solidFill>
-            <a:srgbClr val="0B0F1A"/>
-          </a:solidFill>
-          <a:ln w="12700">
-            <a:solidFill>
-              <a:srgbClr val="0B0F1A"/>
-            </a:solidFill>
-            <a:prstDash val="solid"/>
-          </a:ln>
-        </p:spPr>
-      </p:sp>
-      <p:sp>
-        <p:nvSpPr>
-          <p:cNvPr id="3" name="Shape 1"/>
-          <p:cNvSpPr/>
-          <p:nvPr/>
-        </p:nvSpPr>
-        <p:spPr>
-          <a:xfrm>
-            <a:off x="0" y="0"/>
-            <a:ext cx="12191695" cy="777240"/>
-          </a:xfrm>
-          <a:prstGeom prst="rect">
-            <a:avLst/>
-          </a:prstGeom>
-          <a:solidFill>
-            <a:srgbClr val="0F172A"/>
-          </a:solidFill>
-          <a:ln w="12700">
-            <a:solidFill>
-              <a:srgbClr val="0F172A"/>
-            </a:solidFill>
-            <a:prstDash val="solid"/>
-          </a:ln>
-        </p:spPr>
-      </p:sp>
-      <p:sp>
-        <p:nvSpPr>
-          <p:cNvPr id="4" name="Text 2"/>
-          <p:cNvSpPr/>
-          <p:nvPr/>
-        </p:nvSpPr>
-        <p:spPr>
-          <a:xfrm>
-            <a:off x="548640" y="137160"/>
-            <a:ext cx="10058400" cy="457200"/>
-          </a:xfrm>
-          <a:prstGeom prst="rect">
-            <a:avLst/>
-          </a:prstGeom>
-          <a:noFill/>
-          <a:ln/>
-        </p:spPr>
-        <p:txBody>
-          <a:bodyPr wrap="square" rtlCol="0" anchor="ctr"/>
-          <a:lstStyle/>
-          <a:p>
-            <a:pPr indent="0" marL="0">
-              <a:buNone/>
-            </a:pPr>
-            <a:r>
-              <a:rPr lang="en-US" sz="2000" b="1" dirty="0">
-                <a:solidFill>
-                  <a:srgbClr val="E2E8F0"/>
-                </a:solidFill>
-              </a:rPr>
-              <a:t>SWOT — Agentic AI GRC</a:t>
-            </a:r>
-            <a:endParaRPr lang="en-US" sz="2000" dirty="0"/>
-          </a:p>
-        </p:txBody>
-      </p:sp>
-      <p:sp>
-        <p:nvSpPr>
-          <p:cNvPr id="5" name="Shape 3"/>
-          <p:cNvSpPr/>
-          <p:nvPr/>
-        </p:nvSpPr>
-        <p:spPr>
-          <a:xfrm>
-            <a:off x="0" y="6583680"/>
-            <a:ext cx="12191695" cy="274320"/>
-          </a:xfrm>
-          <a:prstGeom prst="rect">
-            <a:avLst/>
-          </a:prstGeom>
-          <a:solidFill>
-            <a:srgbClr val="38BDF8"/>
-          </a:solidFill>
-          <a:ln w="12700">
-            <a:solidFill>
-              <a:srgbClr val="38BDF8"/>
-            </a:solidFill>
-            <a:prstDash val="solid"/>
-          </a:ln>
-        </p:spPr>
-      </p:sp>
-      <p:sp>
-        <p:nvSpPr>
-          <p:cNvPr id="6" name="Shape 4"/>
-          <p:cNvSpPr/>
-          <p:nvPr/>
-        </p:nvSpPr>
-        <p:spPr>
-          <a:xfrm>
-            <a:off x="640080" y="1097280"/>
-            <a:ext cx="5394960" cy="2011680"/>
-          </a:xfrm>
-          <a:prstGeom prst="roundRect">
-            <a:avLst/>
-          </a:prstGeom>
-          <a:solidFill>
-            <a:srgbClr val="0F172A"/>
-          </a:solidFill>
-          <a:ln w="12700">
-            <a:solidFill>
-              <a:srgbClr val="38BDF8"/>
-            </a:solidFill>
-            <a:prstDash val="solid"/>
-          </a:ln>
-        </p:spPr>
-      </p:sp>
-      <p:sp>
-        <p:nvSpPr>
-          <p:cNvPr id="7" name="Shape 5"/>
-          <p:cNvSpPr/>
-          <p:nvPr/>
-        </p:nvSpPr>
-        <p:spPr>
-          <a:xfrm>
-            <a:off x="640080" y="1097280"/>
-            <a:ext cx="5394960" cy="109728"/>
-          </a:xfrm>
-          <a:prstGeom prst="rect">
-            <a:avLst/>
-          </a:prstGeom>
-          <a:solidFill>
-            <a:srgbClr val="38BDF8"/>
-          </a:solidFill>
-          <a:ln w="12700">
-            <a:solidFill>
-              <a:srgbClr val="38BDF8"/>
-            </a:solidFill>
-            <a:prstDash val="solid"/>
-          </a:ln>
-        </p:spPr>
-      </p:sp>
-      <p:sp>
-        <p:nvSpPr>
-          <p:cNvPr id="8" name="Text 6"/>
-          <p:cNvSpPr/>
-          <p:nvPr/>
-        </p:nvSpPr>
-        <p:spPr>
-          <a:xfrm>
-            <a:off x="822960" y="1325880"/>
-            <a:ext cx="5029200" cy="365760"/>
-          </a:xfrm>
-          <a:prstGeom prst="rect">
-            <a:avLst/>
-          </a:prstGeom>
-          <a:noFill/>
-          <a:ln/>
-        </p:spPr>
-        <p:txBody>
-          <a:bodyPr wrap="square" rtlCol="0" anchor="ctr"/>
-          <a:lstStyle/>
-          <a:p>
-            <a:pPr indent="0" marL="0">
-              <a:buNone/>
-            </a:pPr>
-            <a:r>
-              <a:rPr lang="en-US" sz="1600" b="1" dirty="0">
-                <a:solidFill>
-                  <a:srgbClr val="E2E8F0"/>
-                </a:solidFill>
-              </a:rPr>
-              <a:t>Strengths</a:t>
-            </a:r>
-            <a:endParaRPr lang="en-US" sz="1600" dirty="0"/>
-          </a:p>
-        </p:txBody>
-      </p:sp>
-      <p:sp>
-        <p:nvSpPr>
-          <p:cNvPr id="9" name="Text 7"/>
-          <p:cNvSpPr/>
-          <p:nvPr/>
-        </p:nvSpPr>
-        <p:spPr>
-          <a:xfrm>
-            <a:off x="822960" y="1783080"/>
-            <a:ext cx="5029200" cy="1097280"/>
-          </a:xfrm>
-          <a:prstGeom prst="rect">
-            <a:avLst/>
-          </a:prstGeom>
-          <a:noFill/>
-          <a:ln/>
-        </p:spPr>
-        <p:txBody>
-          <a:bodyPr wrap="square" rtlCol="0" anchor="ctr"/>
-          <a:lstStyle/>
-          <a:p>
-            <a:pPr indent="0" marL="0">
-              <a:buNone/>
-            </a:pPr>
-            <a:r>
-              <a:rPr lang="en-US" sz="1200" dirty="0">
-                <a:solidFill>
-                  <a:srgbClr val="94A3B8"/>
-                </a:solidFill>
-              </a:rPr>
-              <a:t>Org‑mapping, doc‑governance, first‑class 3LOD, agent‑driven priorities, APAC 24h SLA.</a:t>
-            </a:r>
-            <a:endParaRPr lang="en-US" sz="1200" dirty="0"/>
-          </a:p>
-        </p:txBody>
-      </p:sp>
-      <p:sp>
-        <p:nvSpPr>
-          <p:cNvPr id="10" name="Shape 8"/>
-          <p:cNvSpPr/>
-          <p:nvPr/>
-        </p:nvSpPr>
-        <p:spPr>
-          <a:xfrm>
-            <a:off x="6492240" y="1097280"/>
-            <a:ext cx="5394960" cy="2011680"/>
-          </a:xfrm>
-          <a:prstGeom prst="roundRect">
-            <a:avLst/>
-          </a:prstGeom>
-          <a:solidFill>
-            <a:srgbClr val="0F172A"/>
-          </a:solidFill>
-          <a:ln w="12700">
-            <a:solidFill>
-              <a:srgbClr val="22D3EE"/>
-            </a:solidFill>
-            <a:prstDash val="solid"/>
-          </a:ln>
-        </p:spPr>
-      </p:sp>
-      <p:sp>
-        <p:nvSpPr>
-          <p:cNvPr id="11" name="Shape 9"/>
-          <p:cNvSpPr/>
-          <p:nvPr/>
-        </p:nvSpPr>
-        <p:spPr>
-          <a:xfrm>
-            <a:off x="6492240" y="1097280"/>
-            <a:ext cx="5394960" cy="109728"/>
-          </a:xfrm>
-          <a:prstGeom prst="rect">
-            <a:avLst/>
-          </a:prstGeom>
-          <a:solidFill>
-            <a:srgbClr val="22D3EE"/>
-          </a:solidFill>
-          <a:ln w="12700">
-            <a:solidFill>
-              <a:srgbClr val="22D3EE"/>
-            </a:solidFill>
-            <a:prstDash val="solid"/>
-          </a:ln>
-        </p:spPr>
-      </p:sp>
-      <p:sp>
-        <p:nvSpPr>
-          <p:cNvPr id="12" name="Text 10"/>
-          <p:cNvSpPr/>
-          <p:nvPr/>
-        </p:nvSpPr>
-        <p:spPr>
-          <a:xfrm>
-            <a:off x="6675120" y="1325880"/>
-            <a:ext cx="5029200" cy="365760"/>
-          </a:xfrm>
-          <a:prstGeom prst="rect">
-            <a:avLst/>
-          </a:prstGeom>
-          <a:noFill/>
-          <a:ln/>
-        </p:spPr>
-        <p:txBody>
-          <a:bodyPr wrap="square" rtlCol="0" anchor="ctr"/>
-          <a:lstStyle/>
-          <a:p>
-            <a:pPr indent="0" marL="0">
-              <a:buNone/>
-            </a:pPr>
-            <a:r>
-              <a:rPr lang="en-US" sz="1600" b="1" dirty="0">
-                <a:solidFill>
-                  <a:srgbClr val="E2E8F0"/>
-                </a:solidFill>
-              </a:rPr>
-              <a:t>Weaknesses</a:t>
-            </a:r>
-            <a:endParaRPr lang="en-US" sz="1600" dirty="0"/>
-          </a:p>
-        </p:txBody>
-      </p:sp>
-      <p:sp>
-        <p:nvSpPr>
-          <p:cNvPr id="13" name="Text 11"/>
-          <p:cNvSpPr/>
-          <p:nvPr/>
-        </p:nvSpPr>
-        <p:spPr>
-          <a:xfrm>
-            <a:off x="6675120" y="1783080"/>
-            <a:ext cx="5029200" cy="1097280"/>
-          </a:xfrm>
-          <a:prstGeom prst="rect">
-            <a:avLst/>
-          </a:prstGeom>
-          <a:noFill/>
-          <a:ln/>
-        </p:spPr>
-        <p:txBody>
-          <a:bodyPr wrap="square" rtlCol="0" anchor="ctr"/>
-          <a:lstStyle/>
-          <a:p>
-            <a:pPr indent="0" marL="0">
-              <a:buNone/>
-            </a:pPr>
-            <a:r>
-              <a:rPr lang="en-US" sz="1200" dirty="0">
-                <a:solidFill>
-                  <a:srgbClr val="94A3B8"/>
-                </a:solidFill>
-              </a:rPr>
-              <a:t>New entrant, fewer integrations, credibility to establish.</a:t>
-            </a:r>
-            <a:endParaRPr lang="en-US" sz="1200" dirty="0"/>
-          </a:p>
-        </p:txBody>
-      </p:sp>
-      <p:sp>
-        <p:nvSpPr>
-          <p:cNvPr id="14" name="Shape 12"/>
-          <p:cNvSpPr/>
-          <p:nvPr/>
-        </p:nvSpPr>
-        <p:spPr>
-          <a:xfrm>
-            <a:off x="640080" y="3566160"/>
-            <a:ext cx="5394960" cy="2011680"/>
-          </a:xfrm>
-          <a:prstGeom prst="roundRect">
-            <a:avLst/>
-          </a:prstGeom>
-          <a:solidFill>
-            <a:srgbClr val="0F172A"/>
-          </a:solidFill>
-          <a:ln w="12700">
-            <a:solidFill>
-              <a:srgbClr val="A855F7"/>
-            </a:solidFill>
-            <a:prstDash val="solid"/>
-          </a:ln>
-        </p:spPr>
-      </p:sp>
-      <p:sp>
-        <p:nvSpPr>
-          <p:cNvPr id="15" name="Shape 13"/>
-          <p:cNvSpPr/>
-          <p:nvPr/>
-        </p:nvSpPr>
-        <p:spPr>
-          <a:xfrm>
-            <a:off x="640080" y="3566160"/>
-            <a:ext cx="5394960" cy="109728"/>
-          </a:xfrm>
-          <a:prstGeom prst="rect">
-            <a:avLst/>
-          </a:prstGeom>
-          <a:solidFill>
-            <a:srgbClr val="A855F7"/>
-          </a:solidFill>
-          <a:ln w="12700">
-            <a:solidFill>
-              <a:srgbClr val="A855F7"/>
-            </a:solidFill>
-            <a:prstDash val="solid"/>
-          </a:ln>
-        </p:spPr>
-      </p:sp>
-      <p:sp>
-        <p:nvSpPr>
-          <p:cNvPr id="16" name="Text 14"/>
-          <p:cNvSpPr/>
-          <p:nvPr/>
-        </p:nvSpPr>
-        <p:spPr>
-          <a:xfrm>
-            <a:off x="822960" y="3794760"/>
-            <a:ext cx="5029200" cy="365760"/>
-          </a:xfrm>
-          <a:prstGeom prst="rect">
-            <a:avLst/>
-          </a:prstGeom>
-          <a:noFill/>
-          <a:ln/>
-        </p:spPr>
-        <p:txBody>
-          <a:bodyPr wrap="square" rtlCol="0" anchor="ctr"/>
-          <a:lstStyle/>
-          <a:p>
-            <a:pPr indent="0" marL="0">
-              <a:buNone/>
-            </a:pPr>
-            <a:r>
-              <a:rPr lang="en-US" sz="1600" b="1" dirty="0">
-                <a:solidFill>
-                  <a:srgbClr val="E2E8F0"/>
-                </a:solidFill>
-              </a:rPr>
-              <a:t>Opportunities</a:t>
-            </a:r>
-            <a:endParaRPr lang="en-US" sz="1600" dirty="0"/>
-          </a:p>
-        </p:txBody>
-      </p:sp>
-      <p:sp>
-        <p:nvSpPr>
-          <p:cNvPr id="17" name="Text 15"/>
-          <p:cNvSpPr/>
-          <p:nvPr/>
-        </p:nvSpPr>
-        <p:spPr>
-          <a:xfrm>
-            <a:off x="822960" y="4251960"/>
-            <a:ext cx="5029200" cy="1097280"/>
-          </a:xfrm>
-          <a:prstGeom prst="rect">
-            <a:avLst/>
-          </a:prstGeom>
-          <a:noFill/>
-          <a:ln/>
-        </p:spPr>
-        <p:txBody>
-          <a:bodyPr wrap="square" rtlCol="0" anchor="ctr"/>
-          <a:lstStyle/>
-          <a:p>
-            <a:pPr indent="0" marL="0">
-              <a:buNone/>
-            </a:pPr>
-            <a:r>
-              <a:rPr lang="en-US" sz="1200" dirty="0">
-                <a:solidFill>
-                  <a:srgbClr val="94A3B8"/>
-                </a:solidFill>
-              </a:rPr>
-              <a:t>AI adoption surge, APAC regtech demand, 3LOD gap in market.</a:t>
-            </a:r>
-            <a:endParaRPr lang="en-US" sz="1200" dirty="0"/>
-          </a:p>
-        </p:txBody>
-      </p:sp>
-      <p:sp>
-        <p:nvSpPr>
-          <p:cNvPr id="18" name="Shape 16"/>
-          <p:cNvSpPr/>
-          <p:nvPr/>
-        </p:nvSpPr>
-        <p:spPr>
-          <a:xfrm>
-            <a:off x="6492240" y="3566160"/>
-            <a:ext cx="5394960" cy="2011680"/>
-          </a:xfrm>
-          <a:prstGeom prst="roundRect">
-            <a:avLst/>
-          </a:prstGeom>
-          <a:solidFill>
-            <a:srgbClr val="0F172A"/>
-          </a:solidFill>
-          <a:ln w="12700">
-            <a:solidFill>
-              <a:srgbClr val="F59E0B"/>
-            </a:solidFill>
-            <a:prstDash val="solid"/>
-          </a:ln>
-        </p:spPr>
-      </p:sp>
-      <p:sp>
-        <p:nvSpPr>
-          <p:cNvPr id="19" name="Shape 17"/>
-          <p:cNvSpPr/>
-          <p:nvPr/>
-        </p:nvSpPr>
-        <p:spPr>
-          <a:xfrm>
-            <a:off x="6492240" y="3566160"/>
-            <a:ext cx="5394960" cy="109728"/>
-          </a:xfrm>
-          <a:prstGeom prst="rect">
-            <a:avLst/>
-          </a:prstGeom>
-          <a:solidFill>
-            <a:srgbClr val="F59E0B"/>
-          </a:solidFill>
-          <a:ln w="12700">
-            <a:solidFill>
-              <a:srgbClr val="F59E0B"/>
-            </a:solidFill>
-            <a:prstDash val="solid"/>
-          </a:ln>
-        </p:spPr>
-      </p:sp>
-      <p:sp>
-        <p:nvSpPr>
-          <p:cNvPr id="20" name="Text 18"/>
-          <p:cNvSpPr/>
-          <p:nvPr/>
-        </p:nvSpPr>
-        <p:spPr>
-          <a:xfrm>
-            <a:off x="6675120" y="3794760"/>
-            <a:ext cx="5029200" cy="365760"/>
-          </a:xfrm>
-          <a:prstGeom prst="rect">
-            <a:avLst/>
-          </a:prstGeom>
-          <a:noFill/>
-          <a:ln/>
-        </p:spPr>
-        <p:txBody>
-          <a:bodyPr wrap="square" rtlCol="0" anchor="ctr"/>
-          <a:lstStyle/>
-          <a:p>
-            <a:pPr indent="0" marL="0">
-              <a:buNone/>
-            </a:pPr>
-            <a:r>
-              <a:rPr lang="en-US" sz="1600" b="1" dirty="0">
-                <a:solidFill>
-                  <a:srgbClr val="E2E8F0"/>
-                </a:solidFill>
-              </a:rPr>
-              <a:t>Threats</a:t>
-            </a:r>
-            <a:endParaRPr lang="en-US" sz="1600" dirty="0"/>
-          </a:p>
-        </p:txBody>
-      </p:sp>
-      <p:sp>
-        <p:nvSpPr>
-          <p:cNvPr id="21" name="Text 19"/>
-          <p:cNvSpPr/>
-          <p:nvPr/>
-        </p:nvSpPr>
-        <p:spPr>
-          <a:xfrm>
-            <a:off x="6675120" y="4251960"/>
-            <a:ext cx="5029200" cy="1097280"/>
-          </a:xfrm>
-          <a:prstGeom prst="rect">
-            <a:avLst/>
-          </a:prstGeom>
-          <a:noFill/>
-          <a:ln/>
-        </p:spPr>
-        <p:txBody>
-          <a:bodyPr wrap="square" rtlCol="0" anchor="ctr"/>
-          <a:lstStyle/>
-          <a:p>
-            <a:pPr indent="0" marL="0">
-              <a:buNone/>
-            </a:pPr>
-            <a:r>
-              <a:rPr lang="en-US" sz="1200" dirty="0">
-                <a:solidFill>
-                  <a:srgbClr val="94A3B8"/>
-                </a:solidFill>
-              </a:rPr>
-              <a:t>Incumbent lock‑in, fast‑followers, procurement bias.</a:t>
-            </a:r>
-            <a:endParaRPr lang="en-US" sz="1200" dirty="0"/>
-          </a:p>
-        </p:txBody>
-      </p:sp>
-    </p:spTree>
-  </p:cSld>
-  <p:clrMapOvr>
-    <a:masterClrMapping/>
-  </p:clrMapOvr>
-</p:sld>
-</file>
-
-<file path=ppt/slides/slide17.xml><?xml version="1.0" encoding="utf-8"?>
-<p:sld xmlns:a="http://schemas.openxmlformats.org/drawingml/2006/main" xmlns:r="http://schemas.openxmlformats.org/officeDocument/2006/relationships" xmlns:p="http://schemas.openxmlformats.org/presentationml/2006/main">
-  <p:cSld name="Slide 17">
-    <p:spTree>
-      <p:nvGrpSpPr>
-        <p:cNvPr id="1" name=""/>
-        <p:cNvGrpSpPr/>
-        <p:nvPr/>
-      </p:nvGrpSpPr>
-      <p:grpSpPr>
-        <a:xfrm>
-          <a:off x="0" y="0"/>
-          <a:ext cx="0" cy="0"/>
-          <a:chOff x="0" y="0"/>
-          <a:chExt cx="0" cy="0"/>
-        </a:xfrm>
-      </p:grpSpPr>
-      <p:sp>
-        <p:nvSpPr>
-          <p:cNvPr id="2" name="Shape 0"/>
-          <p:cNvSpPr/>
-          <p:nvPr/>
-        </p:nvSpPr>
-        <p:spPr>
-          <a:xfrm>
-            <a:off x="0" y="0"/>
-            <a:ext cx="12191695" cy="6858000"/>
-          </a:xfrm>
-          <a:prstGeom prst="rect">
-            <a:avLst/>
-          </a:prstGeom>
-          <a:solidFill>
-            <a:srgbClr val="0B0F1A"/>
-          </a:solidFill>
-          <a:ln w="12700">
-            <a:solidFill>
-              <a:srgbClr val="0B0F1A"/>
-            </a:solidFill>
-            <a:prstDash val="solid"/>
-          </a:ln>
-        </p:spPr>
-      </p:sp>
-      <p:sp>
-        <p:nvSpPr>
-          <p:cNvPr id="3" name="Shape 1"/>
-          <p:cNvSpPr/>
-          <p:nvPr/>
-        </p:nvSpPr>
-        <p:spPr>
-          <a:xfrm>
-            <a:off x="0" y="0"/>
-            <a:ext cx="12191695" cy="777240"/>
-          </a:xfrm>
-          <a:prstGeom prst="rect">
-            <a:avLst/>
-          </a:prstGeom>
-          <a:solidFill>
-            <a:srgbClr val="0F172A"/>
-          </a:solidFill>
-          <a:ln w="12700">
-            <a:solidFill>
-              <a:srgbClr val="0F172A"/>
-            </a:solidFill>
-            <a:prstDash val="solid"/>
-          </a:ln>
-        </p:spPr>
-      </p:sp>
-      <p:sp>
-        <p:nvSpPr>
-          <p:cNvPr id="4" name="Text 2"/>
-          <p:cNvSpPr/>
-          <p:nvPr/>
-        </p:nvSpPr>
-        <p:spPr>
-          <a:xfrm>
-            <a:off x="548640" y="137160"/>
-            <a:ext cx="10058400" cy="457200"/>
-          </a:xfrm>
-          <a:prstGeom prst="rect">
-            <a:avLst/>
-          </a:prstGeom>
-          <a:noFill/>
-          <a:ln/>
-        </p:spPr>
-        <p:txBody>
-          <a:bodyPr wrap="square" rtlCol="0" anchor="ctr"/>
-          <a:lstStyle/>
-          <a:p>
-            <a:pPr indent="0" marL="0">
-              <a:buNone/>
-            </a:pPr>
-            <a:r>
-              <a:rPr lang="en-US" sz="2000" b="1" dirty="0">
-                <a:solidFill>
-                  <a:srgbClr val="E2E8F0"/>
-                </a:solidFill>
-              </a:rPr>
-              <a:t>Proposal Ranking</a:t>
-            </a:r>
-            <a:endParaRPr lang="en-US" sz="2000" dirty="0"/>
-          </a:p>
-        </p:txBody>
-      </p:sp>
-      <p:sp>
-        <p:nvSpPr>
-          <p:cNvPr id="5" name="Shape 3"/>
-          <p:cNvSpPr/>
-          <p:nvPr/>
-        </p:nvSpPr>
-        <p:spPr>
-          <a:xfrm>
-            <a:off x="0" y="6583680"/>
-            <a:ext cx="12191695" cy="274320"/>
-          </a:xfrm>
-          <a:prstGeom prst="rect">
-            <a:avLst/>
-          </a:prstGeom>
-          <a:solidFill>
-            <a:srgbClr val="38BDF8"/>
-          </a:solidFill>
-          <a:ln w="12700">
-            <a:solidFill>
-              <a:srgbClr val="38BDF8"/>
-            </a:solidFill>
-            <a:prstDash val="solid"/>
-          </a:ln>
-        </p:spPr>
-      </p:sp>
-      <p:sp>
-        <p:nvSpPr>
-          <p:cNvPr id="6" name="Shape 4"/>
-          <p:cNvSpPr/>
-          <p:nvPr/>
-        </p:nvSpPr>
-        <p:spPr>
-          <a:xfrm>
-            <a:off x="731520" y="1188720"/>
-            <a:ext cx="4206240" cy="2011680"/>
-          </a:xfrm>
-          <a:prstGeom prst="roundRect">
-            <a:avLst/>
-          </a:prstGeom>
-          <a:solidFill>
-            <a:srgbClr val="0F172A"/>
-          </a:solidFill>
-          <a:ln w="12700">
-            <a:solidFill>
-              <a:srgbClr val="38BDF8"/>
-            </a:solidFill>
-            <a:prstDash val="solid"/>
-          </a:ln>
-        </p:spPr>
-      </p:sp>
-      <p:sp>
-        <p:nvSpPr>
-          <p:cNvPr id="7" name="Text 5"/>
-          <p:cNvSpPr/>
-          <p:nvPr/>
-        </p:nvSpPr>
-        <p:spPr>
-          <a:xfrm>
-            <a:off x="1005840" y="1371600"/>
-            <a:ext cx="3657600" cy="822960"/>
-          </a:xfrm>
-          <a:prstGeom prst="rect">
-            <a:avLst/>
-          </a:prstGeom>
-          <a:noFill/>
-          <a:ln/>
-        </p:spPr>
-        <p:txBody>
-          <a:bodyPr wrap="square" rtlCol="0" anchor="ctr"/>
-          <a:lstStyle/>
-          <a:p>
-            <a:pPr indent="0" marL="0">
-              <a:buNone/>
-            </a:pPr>
-            <a:r>
-              <a:rPr lang="en-US" sz="4400" b="1" dirty="0">
-                <a:solidFill>
-                  <a:srgbClr val="38BDF8"/>
-                </a:solidFill>
-              </a:rPr>
-              <a:t>9.5/10</a:t>
-            </a:r>
-            <a:endParaRPr lang="en-US" sz="4400" dirty="0"/>
-          </a:p>
-        </p:txBody>
-      </p:sp>
-      <p:sp>
-        <p:nvSpPr>
-          <p:cNvPr id="8" name="Text 6"/>
-          <p:cNvSpPr/>
-          <p:nvPr/>
-        </p:nvSpPr>
-        <p:spPr>
-          <a:xfrm>
-            <a:off x="1005840" y="2103120"/>
-            <a:ext cx="3657600" cy="457200"/>
-          </a:xfrm>
-          <a:prstGeom prst="rect">
-            <a:avLst/>
-          </a:prstGeom>
-          <a:noFill/>
-          <a:ln/>
-        </p:spPr>
-        <p:txBody>
-          <a:bodyPr wrap="square" rtlCol="0" anchor="ctr"/>
-          <a:lstStyle/>
-          <a:p>
-            <a:pPr indent="0" marL="0">
-              <a:buNone/>
-            </a:pPr>
-            <a:r>
-              <a:rPr lang="en-US" sz="1400" dirty="0">
-                <a:solidFill>
-                  <a:srgbClr val="94A3B8"/>
-                </a:solidFill>
-              </a:rPr>
-              <a:t>Best fit to the vision vs incumbents</a:t>
-            </a:r>
-            <a:endParaRPr lang="en-US" sz="1400" dirty="0"/>
-          </a:p>
-        </p:txBody>
-      </p:sp>
-      <p:sp>
-        <p:nvSpPr>
-          <p:cNvPr id="9" name="Text 7"/>
-          <p:cNvSpPr/>
-          <p:nvPr/>
-        </p:nvSpPr>
-        <p:spPr>
-          <a:xfrm>
-            <a:off x="5303520" y="1280160"/>
-            <a:ext cx="6217920" cy="4389120"/>
-          </a:xfrm>
-          <a:prstGeom prst="rect">
-            <a:avLst/>
-          </a:prstGeom>
-          <a:noFill/>
-          <a:ln/>
-        </p:spPr>
-        <p:txBody>
-          <a:bodyPr wrap="square" rtlCol="0" anchor="ctr"/>
-          <a:lstStyle/>
-          <a:p>
-            <a:pPr marL="254000" indent="-254000">
-              <a:buSzPct val="100000"/>
-              <a:buChar char="•"/>
-            </a:pPr>
-            <a:r>
-              <a:rPr lang="en-US" sz="1600" dirty="0">
-                <a:solidFill>
-                  <a:srgbClr val="E2E8F0"/>
-                </a:solidFill>
-              </a:rPr>
-              <a:t>Unique differentiators: org‑mapping, doc‑governance, agent‑driven KRI/KPI, first‑class 3LOD.</a:t>
-            </a:r>
-            <a:pPr indent="0" marL="0">
-              <a:buNone/>
-            </a:pPr>
-            <a:r>
-              <a:rPr lang="en-US" sz="1600" dirty="0">
-                <a:solidFill>
-                  <a:srgbClr val="E2E8F0"/>
-                </a:solidFill>
-              </a:rPr>
-              <a:t>Near real‑time APAC regulatory intelligence.</a:t>
-            </a:r>
-            <a:pPr indent="0" marL="0">
-              <a:buNone/>
-            </a:pPr>
-            <a:r>
-              <a:rPr lang="en-US" sz="1600" dirty="0">
-                <a:solidFill>
-                  <a:srgbClr val="E2E8F0"/>
-                </a:solidFill>
-              </a:rPr>
-              <a:t>Main gap: market presence — solved via lighthouse customers.</a:t>
-            </a:r>
-            <a:endParaRPr lang="en-US" sz="1600" dirty="0"/>
-          </a:p>
-        </p:txBody>
-      </p:sp>
-    </p:spTree>
-  </p:cSld>
-  <p:clrMapOvr>
-    <a:masterClrMapping/>
-  </p:clrMapOvr>
-</p:sld>
-</file>
-
 <file path=ppt/slides/slide18.xml><?xml version="1.0" encoding="utf-8"?>
 <p:sld xmlns:a="http://schemas.openxmlformats.org/drawingml/2006/main" xmlns:r="http://schemas.openxmlformats.org/officeDocument/2006/relationships" xmlns:p="http://schemas.openxmlformats.org/presentationml/2006/main">
   <p:cSld name="Slide 18">
@@ -7355,7 +8188,7 @@
                   <a:srgbClr val="E2E8F0"/>
                 </a:solidFill>
               </a:rPr>
-              <a:t>Accountability by Design (3LOD)</a:t>
+              <a:t>Why They Can’t Copy Fast</a:t>
             </a:r>
             <a:endParaRPr lang="en-US" sz="2000" dirty="0"/>
           </a:p>
@@ -7394,8 +8227,8 @@
         </p:nvSpPr>
         <p:spPr>
           <a:xfrm>
-            <a:off x="822960" y="1280160"/>
-            <a:ext cx="10789920" cy="1234440"/>
+            <a:off x="640080" y="1188720"/>
+            <a:ext cx="3474720" cy="4389120"/>
           </a:xfrm>
           <a:prstGeom prst="roundRect">
             <a:avLst/>
@@ -7405,6 +8238,250 @@
           </a:solidFill>
           <a:ln w="12700">
             <a:solidFill>
+              <a:srgbClr val="38BDF8"/>
+            </a:solidFill>
+            <a:prstDash val="solid"/>
+          </a:ln>
+        </p:spPr>
+      </p:sp>
+      <p:sp>
+        <p:nvSpPr>
+          <p:cNvPr id="7" name="Shape 5"/>
+          <p:cNvSpPr/>
+          <p:nvPr/>
+        </p:nvSpPr>
+        <p:spPr>
+          <a:xfrm>
+            <a:off x="640080" y="1188720"/>
+            <a:ext cx="3474720" cy="109728"/>
+          </a:xfrm>
+          <a:prstGeom prst="rect">
+            <a:avLst/>
+          </a:prstGeom>
+          <a:solidFill>
+            <a:srgbClr val="38BDF8"/>
+          </a:solidFill>
+          <a:ln w="12700">
+            <a:solidFill>
+              <a:srgbClr val="38BDF8"/>
+            </a:solidFill>
+            <a:prstDash val="solid"/>
+          </a:ln>
+        </p:spPr>
+      </p:sp>
+      <p:sp>
+        <p:nvSpPr>
+          <p:cNvPr id="8" name="Text 6"/>
+          <p:cNvSpPr/>
+          <p:nvPr/>
+        </p:nvSpPr>
+        <p:spPr>
+          <a:xfrm>
+            <a:off x="822960" y="1417320"/>
+            <a:ext cx="3108960" cy="365760"/>
+          </a:xfrm>
+          <a:prstGeom prst="rect">
+            <a:avLst/>
+          </a:prstGeom>
+          <a:noFill/>
+          <a:ln/>
+        </p:spPr>
+        <p:txBody>
+          <a:bodyPr wrap="square" rtlCol="0" anchor="ctr"/>
+          <a:lstStyle/>
+          <a:p>
+            <a:pPr indent="0" marL="0">
+              <a:buNone/>
+            </a:pPr>
+            <a:r>
+              <a:rPr lang="en-US" sz="1600" b="1" dirty="0">
+                <a:solidFill>
+                  <a:srgbClr val="E2E8F0"/>
+                </a:solidFill>
+              </a:rPr>
+              <a:t>Architecture Debt</a:t>
+            </a:r>
+            <a:endParaRPr lang="en-US" sz="1600" dirty="0"/>
+          </a:p>
+        </p:txBody>
+      </p:sp>
+      <p:sp>
+        <p:nvSpPr>
+          <p:cNvPr id="9" name="Text 7"/>
+          <p:cNvSpPr/>
+          <p:nvPr/>
+        </p:nvSpPr>
+        <p:spPr>
+          <a:xfrm>
+            <a:off x="822960" y="1874520"/>
+            <a:ext cx="3108960" cy="3474720"/>
+          </a:xfrm>
+          <a:prstGeom prst="rect">
+            <a:avLst/>
+          </a:prstGeom>
+          <a:noFill/>
+          <a:ln/>
+        </p:spPr>
+        <p:txBody>
+          <a:bodyPr wrap="square" rtlCol="0" anchor="ctr"/>
+          <a:lstStyle/>
+          <a:p>
+            <a:pPr indent="0" marL="0">
+              <a:buNone/>
+            </a:pPr>
+            <a:r>
+              <a:rPr lang="en-US" sz="1200" dirty="0">
+                <a:solidFill>
+                  <a:srgbClr val="94A3B8"/>
+                </a:solidFill>
+              </a:rPr>
+              <a:t>Incumbents built for workflows, not agent‑first governance.</a:t>
+            </a:r>
+            <a:endParaRPr lang="en-US" sz="1200" dirty="0"/>
+          </a:p>
+        </p:txBody>
+      </p:sp>
+      <p:sp>
+        <p:nvSpPr>
+          <p:cNvPr id="10" name="Shape 8"/>
+          <p:cNvSpPr/>
+          <p:nvPr/>
+        </p:nvSpPr>
+        <p:spPr>
+          <a:xfrm>
+            <a:off x="4434840" y="1188720"/>
+            <a:ext cx="3474720" cy="4389120"/>
+          </a:xfrm>
+          <a:prstGeom prst="roundRect">
+            <a:avLst/>
+          </a:prstGeom>
+          <a:solidFill>
+            <a:srgbClr val="0F172A"/>
+          </a:solidFill>
+          <a:ln w="12700">
+            <a:solidFill>
+              <a:srgbClr val="22D3EE"/>
+            </a:solidFill>
+            <a:prstDash val="solid"/>
+          </a:ln>
+        </p:spPr>
+      </p:sp>
+      <p:sp>
+        <p:nvSpPr>
+          <p:cNvPr id="11" name="Shape 9"/>
+          <p:cNvSpPr/>
+          <p:nvPr/>
+        </p:nvSpPr>
+        <p:spPr>
+          <a:xfrm>
+            <a:off x="4434840" y="1188720"/>
+            <a:ext cx="3474720" cy="109728"/>
+          </a:xfrm>
+          <a:prstGeom prst="rect">
+            <a:avLst/>
+          </a:prstGeom>
+          <a:solidFill>
+            <a:srgbClr val="22D3EE"/>
+          </a:solidFill>
+          <a:ln w="12700">
+            <a:solidFill>
+              <a:srgbClr val="22D3EE"/>
+            </a:solidFill>
+            <a:prstDash val="solid"/>
+          </a:ln>
+        </p:spPr>
+      </p:sp>
+      <p:sp>
+        <p:nvSpPr>
+          <p:cNvPr id="12" name="Text 10"/>
+          <p:cNvSpPr/>
+          <p:nvPr/>
+        </p:nvSpPr>
+        <p:spPr>
+          <a:xfrm>
+            <a:off x="4617720" y="1417320"/>
+            <a:ext cx="3108960" cy="365760"/>
+          </a:xfrm>
+          <a:prstGeom prst="rect">
+            <a:avLst/>
+          </a:prstGeom>
+          <a:noFill/>
+          <a:ln/>
+        </p:spPr>
+        <p:txBody>
+          <a:bodyPr wrap="square" rtlCol="0" anchor="ctr"/>
+          <a:lstStyle/>
+          <a:p>
+            <a:pPr indent="0" marL="0">
+              <a:buNone/>
+            </a:pPr>
+            <a:r>
+              <a:rPr lang="en-US" sz="1600" b="1" dirty="0">
+                <a:solidFill>
+                  <a:srgbClr val="E2E8F0"/>
+                </a:solidFill>
+              </a:rPr>
+              <a:t>APAC Focus Gap</a:t>
+            </a:r>
+            <a:endParaRPr lang="en-US" sz="1600" dirty="0"/>
+          </a:p>
+        </p:txBody>
+      </p:sp>
+      <p:sp>
+        <p:nvSpPr>
+          <p:cNvPr id="13" name="Text 11"/>
+          <p:cNvSpPr/>
+          <p:nvPr/>
+        </p:nvSpPr>
+        <p:spPr>
+          <a:xfrm>
+            <a:off x="4617720" y="1874520"/>
+            <a:ext cx="3108960" cy="3474720"/>
+          </a:xfrm>
+          <a:prstGeom prst="rect">
+            <a:avLst/>
+          </a:prstGeom>
+          <a:noFill/>
+          <a:ln/>
+        </p:spPr>
+        <p:txBody>
+          <a:bodyPr wrap="square" rtlCol="0" anchor="ctr"/>
+          <a:lstStyle/>
+          <a:p>
+            <a:pPr indent="0" marL="0">
+              <a:buNone/>
+            </a:pPr>
+            <a:r>
+              <a:rPr lang="en-US" sz="1200" dirty="0">
+                <a:solidFill>
+                  <a:srgbClr val="94A3B8"/>
+                </a:solidFill>
+              </a:rPr>
+              <a:t>HKMA/MAS near‑real‑time intelligence is under‑served.</a:t>
+            </a:r>
+            <a:endParaRPr lang="en-US" sz="1200" dirty="0"/>
+          </a:p>
+        </p:txBody>
+      </p:sp>
+      <p:sp>
+        <p:nvSpPr>
+          <p:cNvPr id="14" name="Shape 12"/>
+          <p:cNvSpPr/>
+          <p:nvPr/>
+        </p:nvSpPr>
+        <p:spPr>
+          <a:xfrm>
+            <a:off x="8229600" y="1188720"/>
+            <a:ext cx="3474720" cy="4389120"/>
+          </a:xfrm>
+          <a:prstGeom prst="roundRect">
+            <a:avLst/>
+          </a:prstGeom>
+          <a:solidFill>
+            <a:srgbClr val="0F172A"/>
+          </a:solidFill>
+          <a:ln w="12700">
+            <a:solidFill>
               <a:srgbClr val="A855F7"/>
             </a:solidFill>
             <a:prstDash val="solid"/>
@@ -7413,14 +8490,14 @@
       </p:sp>
       <p:sp>
         <p:nvSpPr>
-          <p:cNvPr id="7" name="Shape 5"/>
-          <p:cNvSpPr/>
-          <p:nvPr/>
-        </p:nvSpPr>
-        <p:spPr>
-          <a:xfrm>
-            <a:off x="822960" y="1280160"/>
-            <a:ext cx="164592" cy="1234440"/>
+          <p:cNvPr id="15" name="Shape 13"/>
+          <p:cNvSpPr/>
+          <p:nvPr/>
+        </p:nvSpPr>
+        <p:spPr>
+          <a:xfrm>
+            <a:off x="8229600" y="1188720"/>
+            <a:ext cx="3474720" cy="109728"/>
           </a:xfrm>
           <a:prstGeom prst="rect">
             <a:avLst/>
@@ -7438,14 +8515,14 @@
       </p:sp>
       <p:sp>
         <p:nvSpPr>
-          <p:cNvPr id="8" name="Text 6"/>
-          <p:cNvSpPr/>
-          <p:nvPr/>
-        </p:nvSpPr>
-        <p:spPr>
-          <a:xfrm>
-            <a:off x="1097280" y="1444752"/>
-            <a:ext cx="10058400" cy="365760"/>
+          <p:cNvPr id="16" name="Text 14"/>
+          <p:cNvSpPr/>
+          <p:nvPr/>
+        </p:nvSpPr>
+        <p:spPr>
+          <a:xfrm>
+            <a:off x="8412480" y="1417320"/>
+            <a:ext cx="3108960" cy="365760"/>
           </a:xfrm>
           <a:prstGeom prst="rect">
             <a:avLst/>
@@ -7466,7 +8543,7 @@
                   <a:srgbClr val="E2E8F0"/>
                 </a:solidFill>
               </a:rPr>
-              <a:t>3L — Independent Assurance</a:t>
+              <a:t>Governance Exoskeleton</a:t>
             </a:r>
             <a:endParaRPr lang="en-US" sz="1600" dirty="0"/>
           </a:p>
@@ -7474,14 +8551,14 @@
       </p:sp>
       <p:sp>
         <p:nvSpPr>
-          <p:cNvPr id="9" name="Text 7"/>
-          <p:cNvSpPr/>
-          <p:nvPr/>
-        </p:nvSpPr>
-        <p:spPr>
-          <a:xfrm>
-            <a:off x="1097280" y="1874520"/>
-            <a:ext cx="10058400" cy="365760"/>
+          <p:cNvPr id="17" name="Text 15"/>
+          <p:cNvSpPr/>
+          <p:nvPr/>
+        </p:nvSpPr>
+        <p:spPr>
+          <a:xfrm>
+            <a:off x="8412480" y="1874520"/>
+            <a:ext cx="3108960" cy="3474720"/>
           </a:xfrm>
           <a:prstGeom prst="rect">
             <a:avLst/>
@@ -7502,251 +8579,7 @@
                   <a:srgbClr val="94A3B8"/>
                 </a:solidFill>
               </a:rPr>
-              <a:t>Audit plan · Control testing · Findings · Assurance opinion</a:t>
-            </a:r>
-            <a:endParaRPr lang="en-US" sz="1200" dirty="0"/>
-          </a:p>
-        </p:txBody>
-      </p:sp>
-      <p:sp>
-        <p:nvSpPr>
-          <p:cNvPr id="10" name="Shape 8"/>
-          <p:cNvSpPr/>
-          <p:nvPr/>
-        </p:nvSpPr>
-        <p:spPr>
-          <a:xfrm>
-            <a:off x="822960" y="2788920"/>
-            <a:ext cx="10789920" cy="1234440"/>
-          </a:xfrm>
-          <a:prstGeom prst="roundRect">
-            <a:avLst/>
-          </a:prstGeom>
-          <a:solidFill>
-            <a:srgbClr val="0F172A"/>
-          </a:solidFill>
-          <a:ln w="12700">
-            <a:solidFill>
-              <a:srgbClr val="38BDF8"/>
-            </a:solidFill>
-            <a:prstDash val="solid"/>
-          </a:ln>
-        </p:spPr>
-      </p:sp>
-      <p:sp>
-        <p:nvSpPr>
-          <p:cNvPr id="11" name="Shape 9"/>
-          <p:cNvSpPr/>
-          <p:nvPr/>
-        </p:nvSpPr>
-        <p:spPr>
-          <a:xfrm>
-            <a:off x="822960" y="2788920"/>
-            <a:ext cx="164592" cy="1234440"/>
-          </a:xfrm>
-          <a:prstGeom prst="rect">
-            <a:avLst/>
-          </a:prstGeom>
-          <a:solidFill>
-            <a:srgbClr val="38BDF8"/>
-          </a:solidFill>
-          <a:ln w="12700">
-            <a:solidFill>
-              <a:srgbClr val="38BDF8"/>
-            </a:solidFill>
-            <a:prstDash val="solid"/>
-          </a:ln>
-        </p:spPr>
-      </p:sp>
-      <p:sp>
-        <p:nvSpPr>
-          <p:cNvPr id="12" name="Text 10"/>
-          <p:cNvSpPr/>
-          <p:nvPr/>
-        </p:nvSpPr>
-        <p:spPr>
-          <a:xfrm>
-            <a:off x="1097280" y="2953512"/>
-            <a:ext cx="10058400" cy="365760"/>
-          </a:xfrm>
-          <a:prstGeom prst="rect">
-            <a:avLst/>
-          </a:prstGeom>
-          <a:noFill/>
-          <a:ln/>
-        </p:spPr>
-        <p:txBody>
-          <a:bodyPr wrap="square" rtlCol="0" anchor="ctr"/>
-          <a:lstStyle/>
-          <a:p>
-            <a:pPr indent="0" marL="0">
-              <a:buNone/>
-            </a:pPr>
-            <a:r>
-              <a:rPr lang="en-US" sz="1600" b="1" dirty="0">
-                <a:solidFill>
-                  <a:srgbClr val="E2E8F0"/>
-                </a:solidFill>
-              </a:rPr>
-              <a:t>2L — Oversight &amp; Challenge</a:t>
-            </a:r>
-            <a:endParaRPr lang="en-US" sz="1600" dirty="0"/>
-          </a:p>
-        </p:txBody>
-      </p:sp>
-      <p:sp>
-        <p:nvSpPr>
-          <p:cNvPr id="13" name="Text 11"/>
-          <p:cNvSpPr/>
-          <p:nvPr/>
-        </p:nvSpPr>
-        <p:spPr>
-          <a:xfrm>
-            <a:off x="1097280" y="3383280"/>
-            <a:ext cx="10058400" cy="365760"/>
-          </a:xfrm>
-          <a:prstGeom prst="rect">
-            <a:avLst/>
-          </a:prstGeom>
-          <a:noFill/>
-          <a:ln/>
-        </p:spPr>
-        <p:txBody>
-          <a:bodyPr wrap="square" rtlCol="0" anchor="ctr"/>
-          <a:lstStyle/>
-          <a:p>
-            <a:pPr indent="0" marL="0">
-              <a:buNone/>
-            </a:pPr>
-            <a:r>
-              <a:rPr lang="en-US" sz="1200" dirty="0">
-                <a:solidFill>
-                  <a:srgbClr val="94A3B8"/>
-                </a:solidFill>
-              </a:rPr>
-              <a:t>Risk oversight · Challenge flow · Priorities &amp; metrics</a:t>
-            </a:r>
-            <a:endParaRPr lang="en-US" sz="1200" dirty="0"/>
-          </a:p>
-        </p:txBody>
-      </p:sp>
-      <p:sp>
-        <p:nvSpPr>
-          <p:cNvPr id="14" name="Shape 12"/>
-          <p:cNvSpPr/>
-          <p:nvPr/>
-        </p:nvSpPr>
-        <p:spPr>
-          <a:xfrm>
-            <a:off x="822960" y="4297680"/>
-            <a:ext cx="10789920" cy="1234440"/>
-          </a:xfrm>
-          <a:prstGeom prst="roundRect">
-            <a:avLst/>
-          </a:prstGeom>
-          <a:solidFill>
-            <a:srgbClr val="0F172A"/>
-          </a:solidFill>
-          <a:ln w="12700">
-            <a:solidFill>
-              <a:srgbClr val="22D3EE"/>
-            </a:solidFill>
-            <a:prstDash val="solid"/>
-          </a:ln>
-        </p:spPr>
-      </p:sp>
-      <p:sp>
-        <p:nvSpPr>
-          <p:cNvPr id="15" name="Shape 13"/>
-          <p:cNvSpPr/>
-          <p:nvPr/>
-        </p:nvSpPr>
-        <p:spPr>
-          <a:xfrm>
-            <a:off x="822960" y="4297680"/>
-            <a:ext cx="164592" cy="1234440"/>
-          </a:xfrm>
-          <a:prstGeom prst="rect">
-            <a:avLst/>
-          </a:prstGeom>
-          <a:solidFill>
-            <a:srgbClr val="22D3EE"/>
-          </a:solidFill>
-          <a:ln w="12700">
-            <a:solidFill>
-              <a:srgbClr val="22D3EE"/>
-            </a:solidFill>
-            <a:prstDash val="solid"/>
-          </a:ln>
-        </p:spPr>
-      </p:sp>
-      <p:sp>
-        <p:nvSpPr>
-          <p:cNvPr id="16" name="Text 14"/>
-          <p:cNvSpPr/>
-          <p:nvPr/>
-        </p:nvSpPr>
-        <p:spPr>
-          <a:xfrm>
-            <a:off x="1097280" y="4462272"/>
-            <a:ext cx="10058400" cy="365760"/>
-          </a:xfrm>
-          <a:prstGeom prst="rect">
-            <a:avLst/>
-          </a:prstGeom>
-          <a:noFill/>
-          <a:ln/>
-        </p:spPr>
-        <p:txBody>
-          <a:bodyPr wrap="square" rtlCol="0" anchor="ctr"/>
-          <a:lstStyle/>
-          <a:p>
-            <a:pPr indent="0" marL="0">
-              <a:buNone/>
-            </a:pPr>
-            <a:r>
-              <a:rPr lang="en-US" sz="1600" b="1" dirty="0">
-                <a:solidFill>
-                  <a:srgbClr val="E2E8F0"/>
-                </a:solidFill>
-              </a:rPr>
-              <a:t>1L — Operational Ownership</a:t>
-            </a:r>
-            <a:endParaRPr lang="en-US" sz="1600" dirty="0"/>
-          </a:p>
-        </p:txBody>
-      </p:sp>
-      <p:sp>
-        <p:nvSpPr>
-          <p:cNvPr id="17" name="Text 15"/>
-          <p:cNvSpPr/>
-          <p:nvPr/>
-        </p:nvSpPr>
-        <p:spPr>
-          <a:xfrm>
-            <a:off x="1097280" y="4892040"/>
-            <a:ext cx="10058400" cy="365760"/>
-          </a:xfrm>
-          <a:prstGeom prst="rect">
-            <a:avLst/>
-          </a:prstGeom>
-          <a:noFill/>
-          <a:ln/>
-        </p:spPr>
-        <p:txBody>
-          <a:bodyPr wrap="square" rtlCol="0" anchor="ctr"/>
-          <a:lstStyle/>
-          <a:p>
-            <a:pPr indent="0" marL="0">
-              <a:buNone/>
-            </a:pPr>
-            <a:r>
-              <a:rPr lang="en-US" sz="1200" dirty="0">
-                <a:solidFill>
-                  <a:srgbClr val="94A3B8"/>
-                </a:solidFill>
-              </a:rPr>
-              <a:t>Controls · Evidence · Issues · Attestations</a:t>
+              <a:t>Strategy→objectives→policies→metrics→logs is a new data model.</a:t>
             </a:r>
             <a:endParaRPr lang="en-US" sz="1200" dirty="0"/>
           </a:p>
@@ -7857,7 +8690,7 @@
                   <a:srgbClr val="E2E8F0"/>
                 </a:solidFill>
               </a:rPr>
-              <a:t>Who It Serves</a:t>
+              <a:t>Competitive Moat — 18‑24 Month Lead</a:t>
             </a:r>
             <a:endParaRPr lang="en-US" sz="2000" dirty="0"/>
           </a:p>
@@ -7896,8 +8729,8 @@
         </p:nvSpPr>
         <p:spPr>
           <a:xfrm>
-            <a:off x="640080" y="1188720"/>
-            <a:ext cx="3474720" cy="4389120"/>
+            <a:off x="640080" y="1097280"/>
+            <a:ext cx="5394960" cy="2011680"/>
           </a:xfrm>
           <a:prstGeom prst="roundRect">
             <a:avLst/>
@@ -7921,8 +8754,8 @@
         </p:nvSpPr>
         <p:spPr>
           <a:xfrm>
-            <a:off x="640080" y="1188720"/>
-            <a:ext cx="3474720" cy="109728"/>
+            <a:off x="640080" y="1097280"/>
+            <a:ext cx="5394960" cy="109728"/>
           </a:xfrm>
           <a:prstGeom prst="rect">
             <a:avLst/>
@@ -7946,8 +8779,8 @@
         </p:nvSpPr>
         <p:spPr>
           <a:xfrm>
-            <a:off x="822960" y="1417320"/>
-            <a:ext cx="3108960" cy="365760"/>
+            <a:off x="822960" y="1325880"/>
+            <a:ext cx="5029200" cy="365760"/>
           </a:xfrm>
           <a:prstGeom prst="rect">
             <a:avLst/>
@@ -7968,7 +8801,7 @@
                   <a:srgbClr val="E2E8F0"/>
                 </a:solidFill>
               </a:rPr>
-              <a:t>C‑Suite &amp; Board</a:t>
+              <a:t>Agent‑First Architecture</a:t>
             </a:r>
             <a:endParaRPr lang="en-US" sz="1600" dirty="0"/>
           </a:p>
@@ -7982,8 +8815,8 @@
         </p:nvSpPr>
         <p:spPr>
           <a:xfrm>
-            <a:off x="822960" y="1874520"/>
-            <a:ext cx="3108960" cy="3474720"/>
+            <a:off x="822960" y="1783080"/>
+            <a:ext cx="5029200" cy="1097280"/>
           </a:xfrm>
           <a:prstGeom prst="rect">
             <a:avLst/>
@@ -8004,7 +8837,7 @@
                   <a:srgbClr val="94A3B8"/>
                 </a:solidFill>
               </a:rPr>
-              <a:t>Clear, consistent, regulator‑friendly reporting and priorities.</a:t>
+              <a:t>18+ months. Incumbents must rearchitect core, not add features.</a:t>
             </a:r>
             <a:endParaRPr lang="en-US" sz="1200" dirty="0"/>
           </a:p>
@@ -8018,8 +8851,8 @@
         </p:nvSpPr>
         <p:spPr>
           <a:xfrm>
-            <a:off x="4434840" y="1188720"/>
-            <a:ext cx="3474720" cy="4389120"/>
+            <a:off x="6492240" y="1097280"/>
+            <a:ext cx="5394960" cy="2011680"/>
           </a:xfrm>
           <a:prstGeom prst="roundRect">
             <a:avLst/>
@@ -8043,8 +8876,8 @@
         </p:nvSpPr>
         <p:spPr>
           <a:xfrm>
-            <a:off x="4434840" y="1188720"/>
-            <a:ext cx="3474720" cy="109728"/>
+            <a:off x="6492240" y="1097280"/>
+            <a:ext cx="5394960" cy="109728"/>
           </a:xfrm>
           <a:prstGeom prst="rect">
             <a:avLst/>
@@ -8068,8 +8901,8 @@
         </p:nvSpPr>
         <p:spPr>
           <a:xfrm>
-            <a:off x="4617720" y="1417320"/>
-            <a:ext cx="3108960" cy="365760"/>
+            <a:off x="6675120" y="1325880"/>
+            <a:ext cx="5029200" cy="365760"/>
           </a:xfrm>
           <a:prstGeom prst="rect">
             <a:avLst/>
@@ -8090,7 +8923,7 @@
                   <a:srgbClr val="E2E8F0"/>
                 </a:solidFill>
               </a:rPr>
-              <a:t>Risk &amp; Compliance</a:t>
+              <a:t>3LOD Persona Engine</a:t>
             </a:r>
             <a:endParaRPr lang="en-US" sz="1600" dirty="0"/>
           </a:p>
@@ -8104,8 +8937,8 @@
         </p:nvSpPr>
         <p:spPr>
           <a:xfrm>
-            <a:off x="4617720" y="1874520"/>
-            <a:ext cx="3108960" cy="3474720"/>
+            <a:off x="6675120" y="1783080"/>
+            <a:ext cx="5029200" cy="1097280"/>
           </a:xfrm>
           <a:prstGeom prst="rect">
             <a:avLst/>
@@ -8126,7 +8959,7 @@
                   <a:srgbClr val="94A3B8"/>
                 </a:solidFill>
               </a:rPr>
-              <a:t>Faster cycles, fewer surprises, evidence‑ready assurance.</a:t>
+              <a:t>12+ months. Distinct 1L/2L/3L behaviors with challenge flows.</a:t>
             </a:r>
             <a:endParaRPr lang="en-US" sz="1200" dirty="0"/>
           </a:p>
@@ -8140,8 +8973,8 @@
         </p:nvSpPr>
         <p:spPr>
           <a:xfrm>
-            <a:off x="8229600" y="1188720"/>
-            <a:ext cx="3474720" cy="4389120"/>
+            <a:off x="640080" y="3566160"/>
+            <a:ext cx="5394960" cy="2011680"/>
           </a:xfrm>
           <a:prstGeom prst="roundRect">
             <a:avLst/>
@@ -8165,8 +8998,8 @@
         </p:nvSpPr>
         <p:spPr>
           <a:xfrm>
-            <a:off x="8229600" y="1188720"/>
-            <a:ext cx="3474720" cy="109728"/>
+            <a:off x="640080" y="3566160"/>
+            <a:ext cx="5394960" cy="109728"/>
           </a:xfrm>
           <a:prstGeom prst="rect">
             <a:avLst/>
@@ -8190,8 +9023,8 @@
         </p:nvSpPr>
         <p:spPr>
           <a:xfrm>
-            <a:off x="8412480" y="1417320"/>
-            <a:ext cx="3108960" cy="365760"/>
+            <a:off x="822960" y="3794760"/>
+            <a:ext cx="5029200" cy="365760"/>
           </a:xfrm>
           <a:prstGeom prst="rect">
             <a:avLst/>
@@ -8212,7 +9045,7 @@
                   <a:srgbClr val="E2E8F0"/>
                 </a:solidFill>
               </a:rPr>
-              <a:t>Regulatory Affairs</a:t>
+              <a:t>Strategy‑to‑Metrics Lineage</a:t>
             </a:r>
             <a:endParaRPr lang="en-US" sz="1600" dirty="0"/>
           </a:p>
@@ -8226,8 +9059,8 @@
         </p:nvSpPr>
         <p:spPr>
           <a:xfrm>
-            <a:off x="8412480" y="1874520"/>
-            <a:ext cx="3108960" cy="3474720"/>
+            <a:off x="822960" y="4251960"/>
+            <a:ext cx="5029200" cy="1097280"/>
           </a:xfrm>
           <a:prstGeom prst="rect">
             <a:avLst/>
@@ -8248,7 +9081,129 @@
                   <a:srgbClr val="94A3B8"/>
                 </a:solidFill>
               </a:rPr>
-              <a:t>Near real‑time change tracking and impact visibility.</a:t>
+              <a:t>18+ months. Schema changes break existing deployments.</a:t>
+            </a:r>
+            <a:endParaRPr lang="en-US" sz="1200" dirty="0"/>
+          </a:p>
+        </p:txBody>
+      </p:sp>
+      <p:sp>
+        <p:nvSpPr>
+          <p:cNvPr id="18" name="Shape 16"/>
+          <p:cNvSpPr/>
+          <p:nvPr/>
+        </p:nvSpPr>
+        <p:spPr>
+          <a:xfrm>
+            <a:off x="6492240" y="3566160"/>
+            <a:ext cx="5394960" cy="2011680"/>
+          </a:xfrm>
+          <a:prstGeom prst="roundRect">
+            <a:avLst/>
+          </a:prstGeom>
+          <a:solidFill>
+            <a:srgbClr val="0F172A"/>
+          </a:solidFill>
+          <a:ln w="12700">
+            <a:solidFill>
+              <a:srgbClr val="34D399"/>
+            </a:solidFill>
+            <a:prstDash val="solid"/>
+          </a:ln>
+        </p:spPr>
+      </p:sp>
+      <p:sp>
+        <p:nvSpPr>
+          <p:cNvPr id="19" name="Shape 17"/>
+          <p:cNvSpPr/>
+          <p:nvPr/>
+        </p:nvSpPr>
+        <p:spPr>
+          <a:xfrm>
+            <a:off x="6492240" y="3566160"/>
+            <a:ext cx="5394960" cy="109728"/>
+          </a:xfrm>
+          <a:prstGeom prst="rect">
+            <a:avLst/>
+          </a:prstGeom>
+          <a:solidFill>
+            <a:srgbClr val="34D399"/>
+          </a:solidFill>
+          <a:ln w="12700">
+            <a:solidFill>
+              <a:srgbClr val="34D399"/>
+            </a:solidFill>
+            <a:prstDash val="solid"/>
+          </a:ln>
+        </p:spPr>
+      </p:sp>
+      <p:sp>
+        <p:nvSpPr>
+          <p:cNvPr id="20" name="Text 18"/>
+          <p:cNvSpPr/>
+          <p:nvPr/>
+        </p:nvSpPr>
+        <p:spPr>
+          <a:xfrm>
+            <a:off x="6675120" y="3794760"/>
+            <a:ext cx="5029200" cy="365760"/>
+          </a:xfrm>
+          <a:prstGeom prst="rect">
+            <a:avLst/>
+          </a:prstGeom>
+          <a:noFill/>
+          <a:ln/>
+        </p:spPr>
+        <p:txBody>
+          <a:bodyPr wrap="square" rtlCol="0" anchor="ctr"/>
+          <a:lstStyle/>
+          <a:p>
+            <a:pPr indent="0" marL="0">
+              <a:buNone/>
+            </a:pPr>
+            <a:r>
+              <a:rPr lang="en-US" sz="1600" b="1" dirty="0">
+                <a:solidFill>
+                  <a:srgbClr val="E2E8F0"/>
+                </a:solidFill>
+              </a:rPr>
+              <a:t>APAC Regulatory Feed</a:t>
+            </a:r>
+            <a:endParaRPr lang="en-US" sz="1600" dirty="0"/>
+          </a:p>
+        </p:txBody>
+      </p:sp>
+      <p:sp>
+        <p:nvSpPr>
+          <p:cNvPr id="21" name="Text 19"/>
+          <p:cNvSpPr/>
+          <p:nvPr/>
+        </p:nvSpPr>
+        <p:spPr>
+          <a:xfrm>
+            <a:off x="6675120" y="4251960"/>
+            <a:ext cx="5029200" cy="1097280"/>
+          </a:xfrm>
+          <a:prstGeom prst="rect">
+            <a:avLst/>
+          </a:prstGeom>
+          <a:noFill/>
+          <a:ln/>
+        </p:spPr>
+        <p:txBody>
+          <a:bodyPr wrap="square" rtlCol="0" anchor="ctr"/>
+          <a:lstStyle/>
+          <a:p>
+            <a:pPr indent="0" marL="0">
+              <a:buNone/>
+            </a:pPr>
+            <a:r>
+              <a:rPr lang="en-US" sz="1200" dirty="0">
+                <a:solidFill>
+                  <a:srgbClr val="94A3B8"/>
+                </a:solidFill>
+              </a:rPr>
+              <a:t>12+ months. HKMA/MAS 24h SLA. Relationship‑driven moat.</a:t>
             </a:r>
             <a:endParaRPr lang="en-US" sz="1200" dirty="0"/>
           </a:p>
@@ -9226,7 +10181,7 @@
                   <a:srgbClr val="E2E8F0"/>
                 </a:solidFill>
               </a:rPr>
-              <a:t>Core Use Cases (1–6)</a:t>
+              <a:t>Go‑to‑Market Trust Strategy</a:t>
             </a:r>
             <a:endParaRPr lang="en-US" sz="2000" dirty="0"/>
           </a:p>
@@ -9259,14 +10214,64 @@
       </p:sp>
       <p:sp>
         <p:nvSpPr>
-          <p:cNvPr id="6" name="Text 4"/>
-          <p:cNvSpPr/>
-          <p:nvPr/>
-        </p:nvSpPr>
-        <p:spPr>
-          <a:xfrm>
-            <a:off x="731520" y="1097280"/>
-            <a:ext cx="10972800" cy="5303520"/>
+          <p:cNvPr id="6" name="Shape 4"/>
+          <p:cNvSpPr/>
+          <p:nvPr/>
+        </p:nvSpPr>
+        <p:spPr>
+          <a:xfrm>
+            <a:off x="640080" y="1188720"/>
+            <a:ext cx="3474720" cy="4389120"/>
+          </a:xfrm>
+          <a:prstGeom prst="roundRect">
+            <a:avLst/>
+          </a:prstGeom>
+          <a:solidFill>
+            <a:srgbClr val="0F172A"/>
+          </a:solidFill>
+          <a:ln w="12700">
+            <a:solidFill>
+              <a:srgbClr val="38BDF8"/>
+            </a:solidFill>
+            <a:prstDash val="solid"/>
+          </a:ln>
+        </p:spPr>
+      </p:sp>
+      <p:sp>
+        <p:nvSpPr>
+          <p:cNvPr id="7" name="Shape 5"/>
+          <p:cNvSpPr/>
+          <p:nvPr/>
+        </p:nvSpPr>
+        <p:spPr>
+          <a:xfrm>
+            <a:off x="640080" y="1188720"/>
+            <a:ext cx="3474720" cy="109728"/>
+          </a:xfrm>
+          <a:prstGeom prst="rect">
+            <a:avLst/>
+          </a:prstGeom>
+          <a:solidFill>
+            <a:srgbClr val="38BDF8"/>
+          </a:solidFill>
+          <a:ln w="12700">
+            <a:solidFill>
+              <a:srgbClr val="38BDF8"/>
+            </a:solidFill>
+            <a:prstDash val="solid"/>
+          </a:ln>
+        </p:spPr>
+      </p:sp>
+      <p:sp>
+        <p:nvSpPr>
+          <p:cNvPr id="8" name="Text 6"/>
+          <p:cNvSpPr/>
+          <p:nvPr/>
+        </p:nvSpPr>
+        <p:spPr>
+          <a:xfrm>
+            <a:off x="822960" y="1417320"/>
+            <a:ext cx="3108960" cy="365760"/>
           </a:xfrm>
           <a:prstGeom prst="rect">
             <a:avLst/>
@@ -9278,74 +10283,298 @@
           <a:bodyPr wrap="square" rtlCol="0" anchor="ctr"/>
           <a:lstStyle/>
           <a:p>
-            <a:pPr marL="254000" indent="-254000">
-              <a:buSzPct val="100000"/>
-              <a:buChar char="•"/>
-            </a:pPr>
-            <a:r>
-              <a:rPr lang="en-US" sz="1600" dirty="0">
+            <a:pPr indent="0" marL="0">
+              <a:buNone/>
+            </a:pPr>
+            <a:r>
+              <a:rPr lang="en-US" sz="1600" b="1" dirty="0">
                 <a:solidFill>
                   <a:srgbClr val="E2E8F0"/>
                 </a:solidFill>
               </a:rPr>
-              <a:t>1. Board‑ready reporting on demand.</a:t>
-            </a:r>
+              <a:t>Regulator Endorsement</a:t>
+            </a:r>
+            <a:endParaRPr lang="en-US" sz="1600" dirty="0"/>
+          </a:p>
+        </p:txBody>
+      </p:sp>
+      <p:sp>
+        <p:nvSpPr>
+          <p:cNvPr id="9" name="Text 7"/>
+          <p:cNvSpPr/>
+          <p:nvPr/>
+        </p:nvSpPr>
+        <p:spPr>
+          <a:xfrm>
+            <a:off x="822960" y="1874520"/>
+            <a:ext cx="3108960" cy="3474720"/>
+          </a:xfrm>
+          <a:prstGeom prst="rect">
+            <a:avLst/>
+          </a:prstGeom>
+          <a:noFill/>
+          <a:ln/>
+        </p:spPr>
+        <p:txBody>
+          <a:bodyPr wrap="square" rtlCol="0" anchor="ctr"/>
+          <a:lstStyle/>
+          <a:p>
             <a:pPr indent="0" marL="0">
               <a:buNone/>
             </a:pPr>
             <a:r>
-              <a:rPr lang="en-US" sz="1600" dirty="0">
+              <a:rPr lang="en-US" sz="1200" dirty="0">
+                <a:solidFill>
+                  <a:srgbClr val="94A3B8"/>
+                </a:solidFill>
+              </a:rPr>
+              <a:t>MAS/HKMA GenAI Sandbox participation. 'Regulator‑vetted' positioning.</a:t>
+            </a:r>
+            <a:endParaRPr lang="en-US" sz="1200" dirty="0"/>
+          </a:p>
+        </p:txBody>
+      </p:sp>
+      <p:sp>
+        <p:nvSpPr>
+          <p:cNvPr id="10" name="Shape 8"/>
+          <p:cNvSpPr/>
+          <p:nvPr/>
+        </p:nvSpPr>
+        <p:spPr>
+          <a:xfrm>
+            <a:off x="4434840" y="1188720"/>
+            <a:ext cx="3474720" cy="4389120"/>
+          </a:xfrm>
+          <a:prstGeom prst="roundRect">
+            <a:avLst/>
+          </a:prstGeom>
+          <a:solidFill>
+            <a:srgbClr val="0F172A"/>
+          </a:solidFill>
+          <a:ln w="12700">
+            <a:solidFill>
+              <a:srgbClr val="22D3EE"/>
+            </a:solidFill>
+            <a:prstDash val="solid"/>
+          </a:ln>
+        </p:spPr>
+      </p:sp>
+      <p:sp>
+        <p:nvSpPr>
+          <p:cNvPr id="11" name="Shape 9"/>
+          <p:cNvSpPr/>
+          <p:nvPr/>
+        </p:nvSpPr>
+        <p:spPr>
+          <a:xfrm>
+            <a:off x="4434840" y="1188720"/>
+            <a:ext cx="3474720" cy="109728"/>
+          </a:xfrm>
+          <a:prstGeom prst="rect">
+            <a:avLst/>
+          </a:prstGeom>
+          <a:solidFill>
+            <a:srgbClr val="22D3EE"/>
+          </a:solidFill>
+          <a:ln w="12700">
+            <a:solidFill>
+              <a:srgbClr val="22D3EE"/>
+            </a:solidFill>
+            <a:prstDash val="solid"/>
+          </a:ln>
+        </p:spPr>
+      </p:sp>
+      <p:sp>
+        <p:nvSpPr>
+          <p:cNvPr id="12" name="Text 10"/>
+          <p:cNvSpPr/>
+          <p:nvPr/>
+        </p:nvSpPr>
+        <p:spPr>
+          <a:xfrm>
+            <a:off x="4617720" y="1417320"/>
+            <a:ext cx="3108960" cy="365760"/>
+          </a:xfrm>
+          <a:prstGeom prst="rect">
+            <a:avLst/>
+          </a:prstGeom>
+          <a:noFill/>
+          <a:ln/>
+        </p:spPr>
+        <p:txBody>
+          <a:bodyPr wrap="square" rtlCol="0" anchor="ctr"/>
+          <a:lstStyle/>
+          <a:p>
+            <a:pPr indent="0" marL="0">
+              <a:buNone/>
+            </a:pPr>
+            <a:r>
+              <a:rPr lang="en-US" sz="1600" b="1" dirty="0">
                 <a:solidFill>
                   <a:srgbClr val="E2E8F0"/>
                 </a:solidFill>
               </a:rPr>
-              <a:t>2. Regulatory change ingestion + instant gap analysis.</a:t>
-            </a:r>
+              <a:t>Big 4 Partnership</a:t>
+            </a:r>
+            <a:endParaRPr lang="en-US" sz="1600" dirty="0"/>
+          </a:p>
+        </p:txBody>
+      </p:sp>
+      <p:sp>
+        <p:nvSpPr>
+          <p:cNvPr id="13" name="Text 11"/>
+          <p:cNvSpPr/>
+          <p:nvPr/>
+        </p:nvSpPr>
+        <p:spPr>
+          <a:xfrm>
+            <a:off x="4617720" y="1874520"/>
+            <a:ext cx="3108960" cy="3474720"/>
+          </a:xfrm>
+          <a:prstGeom prst="rect">
+            <a:avLst/>
+          </a:prstGeom>
+          <a:noFill/>
+          <a:ln/>
+        </p:spPr>
+        <p:txBody>
+          <a:bodyPr wrap="square" rtlCol="0" anchor="ctr"/>
+          <a:lstStyle/>
+          <a:p>
             <a:pPr indent="0" marL="0">
               <a:buNone/>
             </a:pPr>
             <a:r>
-              <a:rPr lang="en-US" sz="1600" dirty="0">
+              <a:rPr lang="en-US" sz="1200" dirty="0">
+                <a:solidFill>
+                  <a:srgbClr val="94A3B8"/>
+                </a:solidFill>
+              </a:rPr>
+              <a:t>Deloitte/KPMG/PwC implementation alliance. Trust transfer via brand.</a:t>
+            </a:r>
+            <a:endParaRPr lang="en-US" sz="1200" dirty="0"/>
+          </a:p>
+        </p:txBody>
+      </p:sp>
+      <p:sp>
+        <p:nvSpPr>
+          <p:cNvPr id="14" name="Shape 12"/>
+          <p:cNvSpPr/>
+          <p:nvPr/>
+        </p:nvSpPr>
+        <p:spPr>
+          <a:xfrm>
+            <a:off x="8229600" y="1188720"/>
+            <a:ext cx="3474720" cy="4389120"/>
+          </a:xfrm>
+          <a:prstGeom prst="roundRect">
+            <a:avLst/>
+          </a:prstGeom>
+          <a:solidFill>
+            <a:srgbClr val="0F172A"/>
+          </a:solidFill>
+          <a:ln w="12700">
+            <a:solidFill>
+              <a:srgbClr val="A855F7"/>
+            </a:solidFill>
+            <a:prstDash val="solid"/>
+          </a:ln>
+        </p:spPr>
+      </p:sp>
+      <p:sp>
+        <p:nvSpPr>
+          <p:cNvPr id="15" name="Shape 13"/>
+          <p:cNvSpPr/>
+          <p:nvPr/>
+        </p:nvSpPr>
+        <p:spPr>
+          <a:xfrm>
+            <a:off x="8229600" y="1188720"/>
+            <a:ext cx="3474720" cy="109728"/>
+          </a:xfrm>
+          <a:prstGeom prst="rect">
+            <a:avLst/>
+          </a:prstGeom>
+          <a:solidFill>
+            <a:srgbClr val="A855F7"/>
+          </a:solidFill>
+          <a:ln w="12700">
+            <a:solidFill>
+              <a:srgbClr val="A855F7"/>
+            </a:solidFill>
+            <a:prstDash val="solid"/>
+          </a:ln>
+        </p:spPr>
+      </p:sp>
+      <p:sp>
+        <p:nvSpPr>
+          <p:cNvPr id="16" name="Text 14"/>
+          <p:cNvSpPr/>
+          <p:nvPr/>
+        </p:nvSpPr>
+        <p:spPr>
+          <a:xfrm>
+            <a:off x="8412480" y="1417320"/>
+            <a:ext cx="3108960" cy="365760"/>
+          </a:xfrm>
+          <a:prstGeom prst="rect">
+            <a:avLst/>
+          </a:prstGeom>
+          <a:noFill/>
+          <a:ln/>
+        </p:spPr>
+        <p:txBody>
+          <a:bodyPr wrap="square" rtlCol="0" anchor="ctr"/>
+          <a:lstStyle/>
+          <a:p>
+            <a:pPr indent="0" marL="0">
+              <a:buNone/>
+            </a:pPr>
+            <a:r>
+              <a:rPr lang="en-US" sz="1600" b="1" dirty="0">
                 <a:solidFill>
                   <a:srgbClr val="E2E8F0"/>
                 </a:solidFill>
               </a:rPr>
-              <a:t>3. Evidence mapped to controls and requirements.</a:t>
-            </a:r>
+              <a:t>Insurance + Certification</a:t>
+            </a:r>
+            <a:endParaRPr lang="en-US" sz="1600" dirty="0"/>
+          </a:p>
+        </p:txBody>
+      </p:sp>
+      <p:sp>
+        <p:nvSpPr>
+          <p:cNvPr id="17" name="Text 15"/>
+          <p:cNvSpPr/>
+          <p:nvPr/>
+        </p:nvSpPr>
+        <p:spPr>
+          <a:xfrm>
+            <a:off x="8412480" y="1874520"/>
+            <a:ext cx="3108960" cy="3474720"/>
+          </a:xfrm>
+          <a:prstGeom prst="rect">
+            <a:avLst/>
+          </a:prstGeom>
+          <a:noFill/>
+          <a:ln/>
+        </p:spPr>
+        <p:txBody>
+          <a:bodyPr wrap="square" rtlCol="0" anchor="ctr"/>
+          <a:lstStyle/>
+          <a:p>
             <a:pPr indent="0" marL="0">
               <a:buNone/>
             </a:pPr>
             <a:r>
-              <a:rPr lang="en-US" sz="1600" dirty="0">
-                <a:solidFill>
-                  <a:srgbClr val="E2E8F0"/>
-                </a:solidFill>
-              </a:rPr>
-              <a:t>4. End‑to‑end remediation tracking with accountability.</a:t>
-            </a:r>
-            <a:pPr indent="0" marL="0">
-              <a:buNone/>
-            </a:pPr>
-            <a:r>
-              <a:rPr lang="en-US" sz="1600" dirty="0">
-                <a:solidFill>
-                  <a:srgbClr val="E2E8F0"/>
-                </a:solidFill>
-              </a:rPr>
-              <a:t>5. Human‑validated escalation for high‑risk decisions.</a:t>
-            </a:r>
-            <a:pPr indent="0" marL="0">
-              <a:buNone/>
-            </a:pPr>
-            <a:r>
-              <a:rPr lang="en-US" sz="1600" dirty="0">
-                <a:solidFill>
-                  <a:srgbClr val="E2E8F0"/>
-                </a:solidFill>
-              </a:rPr>
-              <a:t>6. 3LOD views with challenge flow and audit trails.</a:t>
-            </a:r>
-            <a:endParaRPr lang="en-US" sz="1600" dirty="0"/>
+              <a:rPr lang="en-US" sz="1200" dirty="0">
+                <a:solidFill>
+                  <a:srgbClr val="94A3B8"/>
+                </a:solidFill>
+              </a:rPr>
+              <a:t>ISO 42001 cert + cyber insurer AI GRC coverage add‑on.</a:t>
+            </a:r>
+            <a:endParaRPr lang="en-US" sz="1200" dirty="0"/>
           </a:p>
         </p:txBody>
       </p:sp>
@@ -9454,7 +10683,7 @@
                   <a:srgbClr val="E2E8F0"/>
                 </a:solidFill>
               </a:rPr>
-              <a:t>Outcome Use Cases (7–11)</a:t>
+              <a:t>Go‑to‑Market Economics</a:t>
             </a:r>
             <a:endParaRPr lang="en-US" sz="2000" dirty="0"/>
           </a:p>
@@ -9487,14 +10716,64 @@
       </p:sp>
       <p:sp>
         <p:nvSpPr>
-          <p:cNvPr id="6" name="Text 4"/>
-          <p:cNvSpPr/>
-          <p:nvPr/>
-        </p:nvSpPr>
-        <p:spPr>
-          <a:xfrm>
-            <a:off x="731520" y="1097280"/>
-            <a:ext cx="10972800" cy="5303520"/>
+          <p:cNvPr id="6" name="Shape 4"/>
+          <p:cNvSpPr/>
+          <p:nvPr/>
+        </p:nvSpPr>
+        <p:spPr>
+          <a:xfrm>
+            <a:off x="640080" y="1188720"/>
+            <a:ext cx="3474720" cy="4389120"/>
+          </a:xfrm>
+          <a:prstGeom prst="roundRect">
+            <a:avLst/>
+          </a:prstGeom>
+          <a:solidFill>
+            <a:srgbClr val="0F172A"/>
+          </a:solidFill>
+          <a:ln w="12700">
+            <a:solidFill>
+              <a:srgbClr val="38BDF8"/>
+            </a:solidFill>
+            <a:prstDash val="solid"/>
+          </a:ln>
+        </p:spPr>
+      </p:sp>
+      <p:sp>
+        <p:nvSpPr>
+          <p:cNvPr id="7" name="Shape 5"/>
+          <p:cNvSpPr/>
+          <p:nvPr/>
+        </p:nvSpPr>
+        <p:spPr>
+          <a:xfrm>
+            <a:off x="640080" y="1188720"/>
+            <a:ext cx="3474720" cy="109728"/>
+          </a:xfrm>
+          <a:prstGeom prst="rect">
+            <a:avLst/>
+          </a:prstGeom>
+          <a:solidFill>
+            <a:srgbClr val="38BDF8"/>
+          </a:solidFill>
+          <a:ln w="12700">
+            <a:solidFill>
+              <a:srgbClr val="38BDF8"/>
+            </a:solidFill>
+            <a:prstDash val="solid"/>
+          </a:ln>
+        </p:spPr>
+      </p:sp>
+      <p:sp>
+        <p:nvSpPr>
+          <p:cNvPr id="8" name="Text 6"/>
+          <p:cNvSpPr/>
+          <p:nvPr/>
+        </p:nvSpPr>
+        <p:spPr>
+          <a:xfrm>
+            <a:off x="822960" y="1417320"/>
+            <a:ext cx="3108960" cy="365760"/>
           </a:xfrm>
           <a:prstGeom prst="rect">
             <a:avLst/>
@@ -9506,63 +10785,298 @@
           <a:bodyPr wrap="square" rtlCol="0" anchor="ctr"/>
           <a:lstStyle/>
           <a:p>
-            <a:pPr marL="254000" indent="-254000">
-              <a:buSzPct val="100000"/>
-              <a:buChar char="•"/>
-            </a:pPr>
-            <a:r>
-              <a:rPr lang="en-US" sz="1600" dirty="0">
+            <a:pPr indent="0" marL="0">
+              <a:buNone/>
+            </a:pPr>
+            <a:r>
+              <a:rPr lang="en-US" sz="1600" b="1" dirty="0">
                 <a:solidFill>
                   <a:srgbClr val="E2E8F0"/>
                 </a:solidFill>
               </a:rPr>
-              <a:t>7. Governance ROI dashboards and maturity benchmarking.</a:t>
-            </a:r>
+              <a:t>Mid‑Market Wedge</a:t>
+            </a:r>
+            <a:endParaRPr lang="en-US" sz="1600" dirty="0"/>
+          </a:p>
+        </p:txBody>
+      </p:sp>
+      <p:sp>
+        <p:nvSpPr>
+          <p:cNvPr id="9" name="Text 7"/>
+          <p:cNvSpPr/>
+          <p:nvPr/>
+        </p:nvSpPr>
+        <p:spPr>
+          <a:xfrm>
+            <a:off x="822960" y="1874520"/>
+            <a:ext cx="3108960" cy="3474720"/>
+          </a:xfrm>
+          <a:prstGeom prst="rect">
+            <a:avLst/>
+          </a:prstGeom>
+          <a:noFill/>
+          <a:ln/>
+        </p:spPr>
+        <p:txBody>
+          <a:bodyPr wrap="square" rtlCol="0" anchor="ctr"/>
+          <a:lstStyle/>
+          <a:p>
             <a:pPr indent="0" marL="0">
               <a:buNone/>
             </a:pPr>
             <a:r>
-              <a:rPr lang="en-US" sz="1600" dirty="0">
+              <a:rPr lang="en-US" sz="1200" dirty="0">
+                <a:solidFill>
+                  <a:srgbClr val="94A3B8"/>
+                </a:solidFill>
+              </a:rPr>
+              <a:t>500‑2000 employees. 3‑6 month cycles. Land‑and‑expand.</a:t>
+            </a:r>
+            <a:endParaRPr lang="en-US" sz="1200" dirty="0"/>
+          </a:p>
+        </p:txBody>
+      </p:sp>
+      <p:sp>
+        <p:nvSpPr>
+          <p:cNvPr id="10" name="Shape 8"/>
+          <p:cNvSpPr/>
+          <p:nvPr/>
+        </p:nvSpPr>
+        <p:spPr>
+          <a:xfrm>
+            <a:off x="4434840" y="1188720"/>
+            <a:ext cx="3474720" cy="4389120"/>
+          </a:xfrm>
+          <a:prstGeom prst="roundRect">
+            <a:avLst/>
+          </a:prstGeom>
+          <a:solidFill>
+            <a:srgbClr val="0F172A"/>
+          </a:solidFill>
+          <a:ln w="12700">
+            <a:solidFill>
+              <a:srgbClr val="22D3EE"/>
+            </a:solidFill>
+            <a:prstDash val="solid"/>
+          </a:ln>
+        </p:spPr>
+      </p:sp>
+      <p:sp>
+        <p:nvSpPr>
+          <p:cNvPr id="11" name="Shape 9"/>
+          <p:cNvSpPr/>
+          <p:nvPr/>
+        </p:nvSpPr>
+        <p:spPr>
+          <a:xfrm>
+            <a:off x="4434840" y="1188720"/>
+            <a:ext cx="3474720" cy="109728"/>
+          </a:xfrm>
+          <a:prstGeom prst="rect">
+            <a:avLst/>
+          </a:prstGeom>
+          <a:solidFill>
+            <a:srgbClr val="22D3EE"/>
+          </a:solidFill>
+          <a:ln w="12700">
+            <a:solidFill>
+              <a:srgbClr val="22D3EE"/>
+            </a:solidFill>
+            <a:prstDash val="solid"/>
+          </a:ln>
+        </p:spPr>
+      </p:sp>
+      <p:sp>
+        <p:nvSpPr>
+          <p:cNvPr id="12" name="Text 10"/>
+          <p:cNvSpPr/>
+          <p:nvPr/>
+        </p:nvSpPr>
+        <p:spPr>
+          <a:xfrm>
+            <a:off x="4617720" y="1417320"/>
+            <a:ext cx="3108960" cy="365760"/>
+          </a:xfrm>
+          <a:prstGeom prst="rect">
+            <a:avLst/>
+          </a:prstGeom>
+          <a:noFill/>
+          <a:ln/>
+        </p:spPr>
+        <p:txBody>
+          <a:bodyPr wrap="square" rtlCol="0" anchor="ctr"/>
+          <a:lstStyle/>
+          <a:p>
+            <a:pPr indent="0" marL="0">
+              <a:buNone/>
+            </a:pPr>
+            <a:r>
+              <a:rPr lang="en-US" sz="1600" b="1" dirty="0">
                 <a:solidFill>
                   <a:srgbClr val="E2E8F0"/>
                 </a:solidFill>
               </a:rPr>
-              <a:t>8. Predictive risk horizon scanning (SEC, HKMA, EU Digital Act).</a:t>
-            </a:r>
+              <a:t>PLG Lead Gen</a:t>
+            </a:r>
+            <a:endParaRPr lang="en-US" sz="1600" dirty="0"/>
+          </a:p>
+        </p:txBody>
+      </p:sp>
+      <p:sp>
+        <p:nvSpPr>
+          <p:cNvPr id="13" name="Text 11"/>
+          <p:cNvSpPr/>
+          <p:nvPr/>
+        </p:nvSpPr>
+        <p:spPr>
+          <a:xfrm>
+            <a:off x="4617720" y="1874520"/>
+            <a:ext cx="3108960" cy="3474720"/>
+          </a:xfrm>
+          <a:prstGeom prst="rect">
+            <a:avLst/>
+          </a:prstGeom>
+          <a:noFill/>
+          <a:ln/>
+        </p:spPr>
+        <p:txBody>
+          <a:bodyPr wrap="square" rtlCol="0" anchor="ctr"/>
+          <a:lstStyle/>
+          <a:p>
             <a:pPr indent="0" marL="0">
               <a:buNone/>
             </a:pPr>
             <a:r>
-              <a:rPr lang="en-US" sz="1600" dirty="0">
+              <a:rPr lang="en-US" sz="1200" dirty="0">
+                <a:solidFill>
+                  <a:srgbClr val="94A3B8"/>
+                </a:solidFill>
+              </a:rPr>
+              <a:t>Free 'Governance Health Check' — upload annual report → gap analysis → upsell.</a:t>
+            </a:r>
+            <a:endParaRPr lang="en-US" sz="1200" dirty="0"/>
+          </a:p>
+        </p:txBody>
+      </p:sp>
+      <p:sp>
+        <p:nvSpPr>
+          <p:cNvPr id="14" name="Shape 12"/>
+          <p:cNvSpPr/>
+          <p:nvPr/>
+        </p:nvSpPr>
+        <p:spPr>
+          <a:xfrm>
+            <a:off x="8229600" y="1188720"/>
+            <a:ext cx="3474720" cy="4389120"/>
+          </a:xfrm>
+          <a:prstGeom prst="roundRect">
+            <a:avLst/>
+          </a:prstGeom>
+          <a:solidFill>
+            <a:srgbClr val="0F172A"/>
+          </a:solidFill>
+          <a:ln w="12700">
+            <a:solidFill>
+              <a:srgbClr val="A855F7"/>
+            </a:solidFill>
+            <a:prstDash val="solid"/>
+          </a:ln>
+        </p:spPr>
+      </p:sp>
+      <p:sp>
+        <p:nvSpPr>
+          <p:cNvPr id="15" name="Shape 13"/>
+          <p:cNvSpPr/>
+          <p:nvPr/>
+        </p:nvSpPr>
+        <p:spPr>
+          <a:xfrm>
+            <a:off x="8229600" y="1188720"/>
+            <a:ext cx="3474720" cy="109728"/>
+          </a:xfrm>
+          <a:prstGeom prst="rect">
+            <a:avLst/>
+          </a:prstGeom>
+          <a:solidFill>
+            <a:srgbClr val="A855F7"/>
+          </a:solidFill>
+          <a:ln w="12700">
+            <a:solidFill>
+              <a:srgbClr val="A855F7"/>
+            </a:solidFill>
+            <a:prstDash val="solid"/>
+          </a:ln>
+        </p:spPr>
+      </p:sp>
+      <p:sp>
+        <p:nvSpPr>
+          <p:cNvPr id="16" name="Text 14"/>
+          <p:cNvSpPr/>
+          <p:nvPr/>
+        </p:nvSpPr>
+        <p:spPr>
+          <a:xfrm>
+            <a:off x="8412480" y="1417320"/>
+            <a:ext cx="3108960" cy="365760"/>
+          </a:xfrm>
+          <a:prstGeom prst="rect">
+            <a:avLst/>
+          </a:prstGeom>
+          <a:noFill/>
+          <a:ln/>
+        </p:spPr>
+        <p:txBody>
+          <a:bodyPr wrap="square" rtlCol="0" anchor="ctr"/>
+          <a:lstStyle/>
+          <a:p>
+            <a:pPr indent="0" marL="0">
+              <a:buNone/>
+            </a:pPr>
+            <a:r>
+              <a:rPr lang="en-US" sz="1600" b="1" dirty="0">
                 <a:solidFill>
                   <a:srgbClr val="E2E8F0"/>
                 </a:solidFill>
               </a:rPr>
-              <a:t>9. Governance fit assessment vs COBIT/NIST/PCI DSS/ISO 27k.</a:t>
-            </a:r>
+              <a:t>Channel Leverage</a:t>
+            </a:r>
+            <a:endParaRPr lang="en-US" sz="1600" dirty="0"/>
+          </a:p>
+        </p:txBody>
+      </p:sp>
+      <p:sp>
+        <p:nvSpPr>
+          <p:cNvPr id="17" name="Text 15"/>
+          <p:cNvSpPr/>
+          <p:nvPr/>
+        </p:nvSpPr>
+        <p:spPr>
+          <a:xfrm>
+            <a:off x="8412480" y="1874520"/>
+            <a:ext cx="3108960" cy="3474720"/>
+          </a:xfrm>
+          <a:prstGeom prst="rect">
+            <a:avLst/>
+          </a:prstGeom>
+          <a:noFill/>
+          <a:ln/>
+        </p:spPr>
+        <p:txBody>
+          <a:bodyPr wrap="square" rtlCol="0" anchor="ctr"/>
+          <a:lstStyle/>
+          <a:p>
             <a:pPr indent="0" marL="0">
               <a:buNone/>
             </a:pPr>
             <a:r>
-              <a:rPr lang="en-US" sz="1600" dirty="0">
-                <a:solidFill>
-                  <a:srgbClr val="E2E8F0"/>
-                </a:solidFill>
-              </a:rPr>
-              <a:t>10. Ethics scoring and socially responsible governance decisions.</a:t>
-            </a:r>
-            <a:pPr indent="0" marL="0">
-              <a:buNone/>
-            </a:pPr>
-            <a:r>
-              <a:rPr lang="en-US" sz="1600" dirty="0">
-                <a:solidFill>
-                  <a:srgbClr val="E2E8F0"/>
-                </a:solidFill>
-              </a:rPr>
-              <a:t>11. Org‑aligned ownership with process‑to‑org mapping.</a:t>
-            </a:r>
-            <a:endParaRPr lang="en-US" sz="1600" dirty="0"/>
+              <a:rPr lang="en-US" sz="1200" dirty="0">
+                <a:solidFill>
+                  <a:srgbClr val="94A3B8"/>
+                </a:solidFill>
+              </a:rPr>
+              <a:t>Big 4 / regional consultancies sell &amp; implement. Platform fee + services split.</a:t>
+            </a:r>
+            <a:endParaRPr lang="en-US" sz="1200" dirty="0"/>
           </a:p>
         </p:txBody>
       </p:sp>
@@ -9671,7 +11185,7 @@
                   <a:srgbClr val="E2E8F0"/>
                 </a:solidFill>
               </a:rPr>
-              <a:t>Assurance &amp; Compliance Posture</a:t>
+              <a:t>The 60‑Second Demo</a:t>
             </a:r>
             <a:endParaRPr lang="en-US" sz="2000" dirty="0"/>
           </a:p>
@@ -9710,8 +11224,8 @@
         </p:nvSpPr>
         <p:spPr>
           <a:xfrm>
-            <a:off x="640080" y="1188720"/>
-            <a:ext cx="3474720" cy="4389120"/>
+            <a:off x="731520" y="1188720"/>
+            <a:ext cx="4206240" cy="2011680"/>
           </a:xfrm>
           <a:prstGeom prst="roundRect">
             <a:avLst/>
@@ -9729,28 +11243,39 @@
       </p:sp>
       <p:sp>
         <p:nvSpPr>
-          <p:cNvPr id="7" name="Shape 5"/>
-          <p:cNvSpPr/>
-          <p:nvPr/>
-        </p:nvSpPr>
-        <p:spPr>
-          <a:xfrm>
-            <a:off x="640080" y="1188720"/>
-            <a:ext cx="3474720" cy="109728"/>
-          </a:xfrm>
-          <a:prstGeom prst="rect">
-            <a:avLst/>
-          </a:prstGeom>
-          <a:solidFill>
-            <a:srgbClr val="38BDF8"/>
-          </a:solidFill>
-          <a:ln w="12700">
-            <a:solidFill>
-              <a:srgbClr val="38BDF8"/>
-            </a:solidFill>
-            <a:prstDash val="solid"/>
-          </a:ln>
-        </p:spPr>
+          <p:cNvPr id="7" name="Text 5"/>
+          <p:cNvSpPr/>
+          <p:nvPr/>
+        </p:nvSpPr>
+        <p:spPr>
+          <a:xfrm>
+            <a:off x="1005840" y="1371600"/>
+            <a:ext cx="3657600" cy="822960"/>
+          </a:xfrm>
+          <a:prstGeom prst="rect">
+            <a:avLst/>
+          </a:prstGeom>
+          <a:noFill/>
+          <a:ln/>
+        </p:spPr>
+        <p:txBody>
+          <a:bodyPr wrap="square" rtlCol="0" anchor="ctr"/>
+          <a:lstStyle/>
+          <a:p>
+            <a:pPr indent="0" marL="0">
+              <a:buNone/>
+            </a:pPr>
+            <a:r>
+              <a:rPr lang="en-US" sz="4400" b="1" dirty="0">
+                <a:solidFill>
+                  <a:srgbClr val="38BDF8"/>
+                </a:solidFill>
+              </a:rPr>
+              <a:t>60s</a:t>
+            </a:r>
+            <a:endParaRPr lang="en-US" sz="4400" dirty="0"/>
+          </a:p>
+        </p:txBody>
       </p:sp>
       <p:sp>
         <p:nvSpPr>
@@ -9760,8 +11285,8 @@
         </p:nvSpPr>
         <p:spPr>
           <a:xfrm>
-            <a:off x="822960" y="1417320"/>
-            <a:ext cx="3108960" cy="365760"/>
+            <a:off x="1005840" y="2103120"/>
+            <a:ext cx="3657600" cy="457200"/>
           </a:xfrm>
           <a:prstGeom prst="rect">
             <a:avLst/>
@@ -9777,294 +11302,106 @@
               <a:buNone/>
             </a:pPr>
             <a:r>
-              <a:rPr lang="en-US" sz="1600" b="1" dirty="0">
+              <a:rPr lang="en-US" sz="1400" dirty="0">
+                <a:solidFill>
+                  <a:srgbClr val="94A3B8"/>
+                </a:solidFill>
+              </a:rPr>
+              <a:t>Proof of differentiation</a:t>
+            </a:r>
+            <a:endParaRPr lang="en-US" sz="1400" dirty="0"/>
+          </a:p>
+        </p:txBody>
+      </p:sp>
+      <p:sp>
+        <p:nvSpPr>
+          <p:cNvPr id="9" name="Text 7"/>
+          <p:cNvSpPr/>
+          <p:nvPr/>
+        </p:nvSpPr>
+        <p:spPr>
+          <a:xfrm>
+            <a:off x="5303520" y="1280160"/>
+            <a:ext cx="6217920" cy="4389120"/>
+          </a:xfrm>
+          <a:prstGeom prst="rect">
+            <a:avLst/>
+          </a:prstGeom>
+          <a:noFill/>
+          <a:ln/>
+        </p:spPr>
+        <p:txBody>
+          <a:bodyPr wrap="square" rtlCol="0" anchor="ctr"/>
+          <a:lstStyle/>
+          <a:p>
+            <a:pPr marL="254000" indent="-254000">
+              <a:buSzPct val="100000"/>
+              <a:buChar char="•"/>
+            </a:pPr>
+            <a:r>
+              <a:rPr lang="en-US" sz="1600" dirty="0">
                 <a:solidFill>
                   <a:srgbClr val="E2E8F0"/>
                 </a:solidFill>
               </a:rPr>
-              <a:t>Audit‑Proof</a:t>
+              <a:t>1. Upload your annual report.</a:t>
+            </a:r>
+            <a:pPr indent="0" marL="0">
+              <a:buNone/>
+            </a:pPr>
+            <a:r>
+              <a:rPr lang="en-US" sz="1600" dirty="0">
+                <a:solidFill>
+                  <a:srgbClr val="E2E8F0"/>
+                </a:solidFill>
+              </a:rPr>
+              <a:t>2. Extracted strategic priorities.</a:t>
+            </a:r>
+            <a:pPr indent="0" marL="0">
+              <a:buNone/>
+            </a:pPr>
+            <a:r>
+              <a:rPr lang="en-US" sz="1600" dirty="0">
+                <a:solidFill>
+                  <a:srgbClr val="E2E8F0"/>
+                </a:solidFill>
+              </a:rPr>
+              <a:t>3. Mapped governance objectives.</a:t>
+            </a:r>
+            <a:pPr indent="0" marL="0">
+              <a:buNone/>
+            </a:pPr>
+            <a:r>
+              <a:rPr lang="en-US" sz="1600" dirty="0">
+                <a:solidFill>
+                  <a:srgbClr val="E2E8F0"/>
+                </a:solidFill>
+              </a:rPr>
+              <a:t>4. Suggested KCIs with confidence scores.</a:t>
+            </a:r>
+            <a:pPr indent="0" marL="0">
+              <a:buNone/>
+            </a:pPr>
+            <a:r>
+              <a:rPr lang="en-US" sz="1600" dirty="0">
+                <a:solidFill>
+                  <a:srgbClr val="E2E8F0"/>
+                </a:solidFill>
+              </a:rPr>
+              <a:t>5. Gap analysis against HKMA guidelines.</a:t>
+            </a:r>
+            <a:pPr indent="0" marL="0">
+              <a:buNone/>
+            </a:pPr>
+            <a:r>
+              <a:rPr lang="en-US" sz="1600" dirty="0">
+                <a:solidFill>
+                  <a:srgbClr val="E2E8F0"/>
+                </a:solidFill>
+              </a:rPr>
+              <a:t>IBM can't do step 1.</a:t>
             </a:r>
             <a:endParaRPr lang="en-US" sz="1600" dirty="0"/>
-          </a:p>
-        </p:txBody>
-      </p:sp>
-      <p:sp>
-        <p:nvSpPr>
-          <p:cNvPr id="9" name="Text 7"/>
-          <p:cNvSpPr/>
-          <p:nvPr/>
-        </p:nvSpPr>
-        <p:spPr>
-          <a:xfrm>
-            <a:off x="822960" y="1874520"/>
-            <a:ext cx="3108960" cy="3474720"/>
-          </a:xfrm>
-          <a:prstGeom prst="rect">
-            <a:avLst/>
-          </a:prstGeom>
-          <a:noFill/>
-          <a:ln/>
-        </p:spPr>
-        <p:txBody>
-          <a:bodyPr wrap="square" rtlCol="0" anchor="ctr"/>
-          <a:lstStyle/>
-          <a:p>
-            <a:pPr indent="0" marL="0">
-              <a:buNone/>
-            </a:pPr>
-            <a:r>
-              <a:rPr lang="en-US" sz="1200" dirty="0">
-                <a:solidFill>
-                  <a:srgbClr val="94A3B8"/>
-                </a:solidFill>
-              </a:rPr>
-              <a:t>Tamper‑evident trails; optional blockchain ledger.</a:t>
-            </a:r>
-            <a:endParaRPr lang="en-US" sz="1200" dirty="0"/>
-          </a:p>
-        </p:txBody>
-      </p:sp>
-      <p:sp>
-        <p:nvSpPr>
-          <p:cNvPr id="10" name="Shape 8"/>
-          <p:cNvSpPr/>
-          <p:nvPr/>
-        </p:nvSpPr>
-        <p:spPr>
-          <a:xfrm>
-            <a:off x="4434840" y="1188720"/>
-            <a:ext cx="3474720" cy="4389120"/>
-          </a:xfrm>
-          <a:prstGeom prst="roundRect">
-            <a:avLst/>
-          </a:prstGeom>
-          <a:solidFill>
-            <a:srgbClr val="0F172A"/>
-          </a:solidFill>
-          <a:ln w="12700">
-            <a:solidFill>
-              <a:srgbClr val="22D3EE"/>
-            </a:solidFill>
-            <a:prstDash val="solid"/>
-          </a:ln>
-        </p:spPr>
-      </p:sp>
-      <p:sp>
-        <p:nvSpPr>
-          <p:cNvPr id="11" name="Shape 9"/>
-          <p:cNvSpPr/>
-          <p:nvPr/>
-        </p:nvSpPr>
-        <p:spPr>
-          <a:xfrm>
-            <a:off x="4434840" y="1188720"/>
-            <a:ext cx="3474720" cy="109728"/>
-          </a:xfrm>
-          <a:prstGeom prst="rect">
-            <a:avLst/>
-          </a:prstGeom>
-          <a:solidFill>
-            <a:srgbClr val="22D3EE"/>
-          </a:solidFill>
-          <a:ln w="12700">
-            <a:solidFill>
-              <a:srgbClr val="22D3EE"/>
-            </a:solidFill>
-            <a:prstDash val="solid"/>
-          </a:ln>
-        </p:spPr>
-      </p:sp>
-      <p:sp>
-        <p:nvSpPr>
-          <p:cNvPr id="12" name="Text 10"/>
-          <p:cNvSpPr/>
-          <p:nvPr/>
-        </p:nvSpPr>
-        <p:spPr>
-          <a:xfrm>
-            <a:off x="4617720" y="1417320"/>
-            <a:ext cx="3108960" cy="365760"/>
-          </a:xfrm>
-          <a:prstGeom prst="rect">
-            <a:avLst/>
-          </a:prstGeom>
-          <a:noFill/>
-          <a:ln/>
-        </p:spPr>
-        <p:txBody>
-          <a:bodyPr wrap="square" rtlCol="0" anchor="ctr"/>
-          <a:lstStyle/>
-          <a:p>
-            <a:pPr indent="0" marL="0">
-              <a:buNone/>
-            </a:pPr>
-            <a:r>
-              <a:rPr lang="en-US" sz="1600" b="1" dirty="0">
-                <a:solidFill>
-                  <a:srgbClr val="E2E8F0"/>
-                </a:solidFill>
-              </a:rPr>
-              <a:t>Explainable</a:t>
-            </a:r>
-            <a:endParaRPr lang="en-US" sz="1600" dirty="0"/>
-          </a:p>
-        </p:txBody>
-      </p:sp>
-      <p:sp>
-        <p:nvSpPr>
-          <p:cNvPr id="13" name="Text 11"/>
-          <p:cNvSpPr/>
-          <p:nvPr/>
-        </p:nvSpPr>
-        <p:spPr>
-          <a:xfrm>
-            <a:off x="4617720" y="1874520"/>
-            <a:ext cx="3108960" cy="3474720"/>
-          </a:xfrm>
-          <a:prstGeom prst="rect">
-            <a:avLst/>
-          </a:prstGeom>
-          <a:noFill/>
-          <a:ln/>
-        </p:spPr>
-        <p:txBody>
-          <a:bodyPr wrap="square" rtlCol="0" anchor="ctr"/>
-          <a:lstStyle/>
-          <a:p>
-            <a:pPr indent="0" marL="0">
-              <a:buNone/>
-            </a:pPr>
-            <a:r>
-              <a:rPr lang="en-US" sz="1200" dirty="0">
-                <a:solidFill>
-                  <a:srgbClr val="94A3B8"/>
-                </a:solidFill>
-              </a:rPr>
-              <a:t>Regulator‑ready reports with plain + technical rationale.</a:t>
-            </a:r>
-            <a:endParaRPr lang="en-US" sz="1200" dirty="0"/>
-          </a:p>
-        </p:txBody>
-      </p:sp>
-      <p:sp>
-        <p:nvSpPr>
-          <p:cNvPr id="14" name="Shape 12"/>
-          <p:cNvSpPr/>
-          <p:nvPr/>
-        </p:nvSpPr>
-        <p:spPr>
-          <a:xfrm>
-            <a:off x="8229600" y="1188720"/>
-            <a:ext cx="3474720" cy="4389120"/>
-          </a:xfrm>
-          <a:prstGeom prst="roundRect">
-            <a:avLst/>
-          </a:prstGeom>
-          <a:solidFill>
-            <a:srgbClr val="0F172A"/>
-          </a:solidFill>
-          <a:ln w="12700">
-            <a:solidFill>
-              <a:srgbClr val="A855F7"/>
-            </a:solidFill>
-            <a:prstDash val="solid"/>
-          </a:ln>
-        </p:spPr>
-      </p:sp>
-      <p:sp>
-        <p:nvSpPr>
-          <p:cNvPr id="15" name="Shape 13"/>
-          <p:cNvSpPr/>
-          <p:nvPr/>
-        </p:nvSpPr>
-        <p:spPr>
-          <a:xfrm>
-            <a:off x="8229600" y="1188720"/>
-            <a:ext cx="3474720" cy="109728"/>
-          </a:xfrm>
-          <a:prstGeom prst="rect">
-            <a:avLst/>
-          </a:prstGeom>
-          <a:solidFill>
-            <a:srgbClr val="A855F7"/>
-          </a:solidFill>
-          <a:ln w="12700">
-            <a:solidFill>
-              <a:srgbClr val="A855F7"/>
-            </a:solidFill>
-            <a:prstDash val="solid"/>
-          </a:ln>
-        </p:spPr>
-      </p:sp>
-      <p:sp>
-        <p:nvSpPr>
-          <p:cNvPr id="16" name="Text 14"/>
-          <p:cNvSpPr/>
-          <p:nvPr/>
-        </p:nvSpPr>
-        <p:spPr>
-          <a:xfrm>
-            <a:off x="8412480" y="1417320"/>
-            <a:ext cx="3108960" cy="365760"/>
-          </a:xfrm>
-          <a:prstGeom prst="rect">
-            <a:avLst/>
-          </a:prstGeom>
-          <a:noFill/>
-          <a:ln/>
-        </p:spPr>
-        <p:txBody>
-          <a:bodyPr wrap="square" rtlCol="0" anchor="ctr"/>
-          <a:lstStyle/>
-          <a:p>
-            <a:pPr indent="0" marL="0">
-              <a:buNone/>
-            </a:pPr>
-            <a:r>
-              <a:rPr lang="en-US" sz="1600" b="1" dirty="0">
-                <a:solidFill>
-                  <a:srgbClr val="E2E8F0"/>
-                </a:solidFill>
-              </a:rPr>
-              <a:t>Secure &amp; Resilient</a:t>
-            </a:r>
-            <a:endParaRPr lang="en-US" sz="1600" dirty="0"/>
-          </a:p>
-        </p:txBody>
-      </p:sp>
-      <p:sp>
-        <p:nvSpPr>
-          <p:cNvPr id="17" name="Text 15"/>
-          <p:cNvSpPr/>
-          <p:nvPr/>
-        </p:nvSpPr>
-        <p:spPr>
-          <a:xfrm>
-            <a:off x="8412480" y="1874520"/>
-            <a:ext cx="3108960" cy="3474720"/>
-          </a:xfrm>
-          <a:prstGeom prst="rect">
-            <a:avLst/>
-          </a:prstGeom>
-          <a:noFill/>
-          <a:ln/>
-        </p:spPr>
-        <p:txBody>
-          <a:bodyPr wrap="square" rtlCol="0" anchor="ctr"/>
-          <a:lstStyle/>
-          <a:p>
-            <a:pPr indent="0" marL="0">
-              <a:buNone/>
-            </a:pPr>
-            <a:r>
-              <a:rPr lang="en-US" sz="1200" dirty="0">
-                <a:solidFill>
-                  <a:srgbClr val="94A3B8"/>
-                </a:solidFill>
-              </a:rPr>
-              <a:t>Encryption, RBAC by 3LOD, 99.5% availability.</a:t>
-            </a:r>
-            <a:endParaRPr lang="en-US" sz="1200" dirty="0"/>
           </a:p>
         </p:txBody>
       </p:sp>
@@ -10127,7 +11464,7 @@
         <p:spPr>
           <a:xfrm>
             <a:off x="0" y="0"/>
-            <a:ext cx="12191695" cy="914400"/>
+            <a:ext cx="12191695" cy="777240"/>
           </a:xfrm>
           <a:prstGeom prst="rect">
             <a:avLst/>
@@ -10151,8 +11488,8 @@
         </p:nvSpPr>
         <p:spPr>
           <a:xfrm>
-            <a:off x="731520" y="1737360"/>
-            <a:ext cx="10972800" cy="640080"/>
+            <a:off x="548640" y="137160"/>
+            <a:ext cx="10058400" cy="457200"/>
           </a:xfrm>
           <a:prstGeom prst="rect">
             <a:avLst/>
@@ -10168,27 +11505,102 @@
               <a:buNone/>
             </a:pPr>
             <a:r>
-              <a:rPr lang="en-US" sz="3800" b="1" dirty="0">
+              <a:rPr lang="en-US" sz="2000" b="1" dirty="0">
                 <a:solidFill>
                   <a:srgbClr val="E2E8F0"/>
                 </a:solidFill>
               </a:rPr>
-              <a:t>Agentic AI GRC Platform</a:t>
-            </a:r>
-            <a:endParaRPr lang="en-US" sz="3800" dirty="0"/>
-          </a:p>
-        </p:txBody>
-      </p:sp>
-      <p:sp>
-        <p:nvSpPr>
-          <p:cNvPr id="5" name="Text 3"/>
-          <p:cNvSpPr/>
-          <p:nvPr/>
-        </p:nvSpPr>
-        <p:spPr>
-          <a:xfrm>
-            <a:off x="731520" y="2560320"/>
-            <a:ext cx="10972800" cy="731520"/>
+              <a:t>SWOT — Agentic AI GRC</a:t>
+            </a:r>
+            <a:endParaRPr lang="en-US" sz="2000" dirty="0"/>
+          </a:p>
+        </p:txBody>
+      </p:sp>
+      <p:sp>
+        <p:nvSpPr>
+          <p:cNvPr id="5" name="Shape 3"/>
+          <p:cNvSpPr/>
+          <p:nvPr/>
+        </p:nvSpPr>
+        <p:spPr>
+          <a:xfrm>
+            <a:off x="0" y="6583680"/>
+            <a:ext cx="12191695" cy="274320"/>
+          </a:xfrm>
+          <a:prstGeom prst="rect">
+            <a:avLst/>
+          </a:prstGeom>
+          <a:solidFill>
+            <a:srgbClr val="38BDF8"/>
+          </a:solidFill>
+          <a:ln w="12700">
+            <a:solidFill>
+              <a:srgbClr val="38BDF8"/>
+            </a:solidFill>
+            <a:prstDash val="solid"/>
+          </a:ln>
+        </p:spPr>
+      </p:sp>
+      <p:sp>
+        <p:nvSpPr>
+          <p:cNvPr id="6" name="Shape 4"/>
+          <p:cNvSpPr/>
+          <p:nvPr/>
+        </p:nvSpPr>
+        <p:spPr>
+          <a:xfrm>
+            <a:off x="640080" y="1097280"/>
+            <a:ext cx="5394960" cy="2011680"/>
+          </a:xfrm>
+          <a:prstGeom prst="roundRect">
+            <a:avLst/>
+          </a:prstGeom>
+          <a:solidFill>
+            <a:srgbClr val="0F172A"/>
+          </a:solidFill>
+          <a:ln w="12700">
+            <a:solidFill>
+              <a:srgbClr val="38BDF8"/>
+            </a:solidFill>
+            <a:prstDash val="solid"/>
+          </a:ln>
+        </p:spPr>
+      </p:sp>
+      <p:sp>
+        <p:nvSpPr>
+          <p:cNvPr id="7" name="Shape 5"/>
+          <p:cNvSpPr/>
+          <p:nvPr/>
+        </p:nvSpPr>
+        <p:spPr>
+          <a:xfrm>
+            <a:off x="640080" y="1097280"/>
+            <a:ext cx="5394960" cy="109728"/>
+          </a:xfrm>
+          <a:prstGeom prst="rect">
+            <a:avLst/>
+          </a:prstGeom>
+          <a:solidFill>
+            <a:srgbClr val="38BDF8"/>
+          </a:solidFill>
+          <a:ln w="12700">
+            <a:solidFill>
+              <a:srgbClr val="38BDF8"/>
+            </a:solidFill>
+            <a:prstDash val="solid"/>
+          </a:ln>
+        </p:spPr>
+      </p:sp>
+      <p:sp>
+        <p:nvSpPr>
+          <p:cNvPr id="8" name="Text 6"/>
+          <p:cNvSpPr/>
+          <p:nvPr/>
+        </p:nvSpPr>
+        <p:spPr>
+          <a:xfrm>
+            <a:off x="822960" y="1325880"/>
+            <a:ext cx="5029200" cy="365760"/>
           </a:xfrm>
           <a:prstGeom prst="rect">
             <a:avLst/>
@@ -10204,16 +11616,1850 @@
               <a:buNone/>
             </a:pPr>
             <a:r>
-              <a:rPr lang="en-US" sz="3000" dirty="0">
+              <a:rPr lang="en-US" sz="1600" b="1" dirty="0">
                 <a:solidFill>
                   <a:srgbClr val="E2E8F0"/>
                 </a:solidFill>
               </a:rPr>
-              <a:t>Thank you</a:t>
-            </a:r>
-            <a:endParaRPr lang="en-US" sz="3000" dirty="0"/>
-          </a:p>
-        </p:txBody>
+              <a:t>Strengths</a:t>
+            </a:r>
+            <a:endParaRPr lang="en-US" sz="1600" dirty="0"/>
+          </a:p>
+        </p:txBody>
+      </p:sp>
+      <p:sp>
+        <p:nvSpPr>
+          <p:cNvPr id="9" name="Text 7"/>
+          <p:cNvSpPr/>
+          <p:nvPr/>
+        </p:nvSpPr>
+        <p:spPr>
+          <a:xfrm>
+            <a:off x="822960" y="1783080"/>
+            <a:ext cx="5029200" cy="1097280"/>
+          </a:xfrm>
+          <a:prstGeom prst="rect">
+            <a:avLst/>
+          </a:prstGeom>
+          <a:noFill/>
+          <a:ln/>
+        </p:spPr>
+        <p:txBody>
+          <a:bodyPr wrap="square" rtlCol="0" anchor="ctr"/>
+          <a:lstStyle/>
+          <a:p>
+            <a:pPr indent="0" marL="0">
+              <a:buNone/>
+            </a:pPr>
+            <a:r>
+              <a:rPr lang="en-US" sz="1200" dirty="0">
+                <a:solidFill>
+                  <a:srgbClr val="94A3B8"/>
+                </a:solidFill>
+              </a:rPr>
+              <a:t>Org‑mapping, doc‑governance, first‑class 3LOD, agent‑driven priorities, APAC 24h SLA.</a:t>
+            </a:r>
+            <a:endParaRPr lang="en-US" sz="1200" dirty="0"/>
+          </a:p>
+        </p:txBody>
+      </p:sp>
+      <p:sp>
+        <p:nvSpPr>
+          <p:cNvPr id="10" name="Shape 8"/>
+          <p:cNvSpPr/>
+          <p:nvPr/>
+        </p:nvSpPr>
+        <p:spPr>
+          <a:xfrm>
+            <a:off x="6492240" y="1097280"/>
+            <a:ext cx="5394960" cy="2011680"/>
+          </a:xfrm>
+          <a:prstGeom prst="roundRect">
+            <a:avLst/>
+          </a:prstGeom>
+          <a:solidFill>
+            <a:srgbClr val="0F172A"/>
+          </a:solidFill>
+          <a:ln w="12700">
+            <a:solidFill>
+              <a:srgbClr val="22D3EE"/>
+            </a:solidFill>
+            <a:prstDash val="solid"/>
+          </a:ln>
+        </p:spPr>
+      </p:sp>
+      <p:sp>
+        <p:nvSpPr>
+          <p:cNvPr id="11" name="Shape 9"/>
+          <p:cNvSpPr/>
+          <p:nvPr/>
+        </p:nvSpPr>
+        <p:spPr>
+          <a:xfrm>
+            <a:off x="6492240" y="1097280"/>
+            <a:ext cx="5394960" cy="109728"/>
+          </a:xfrm>
+          <a:prstGeom prst="rect">
+            <a:avLst/>
+          </a:prstGeom>
+          <a:solidFill>
+            <a:srgbClr val="22D3EE"/>
+          </a:solidFill>
+          <a:ln w="12700">
+            <a:solidFill>
+              <a:srgbClr val="22D3EE"/>
+            </a:solidFill>
+            <a:prstDash val="solid"/>
+          </a:ln>
+        </p:spPr>
+      </p:sp>
+      <p:sp>
+        <p:nvSpPr>
+          <p:cNvPr id="12" name="Text 10"/>
+          <p:cNvSpPr/>
+          <p:nvPr/>
+        </p:nvSpPr>
+        <p:spPr>
+          <a:xfrm>
+            <a:off x="6675120" y="1325880"/>
+            <a:ext cx="5029200" cy="365760"/>
+          </a:xfrm>
+          <a:prstGeom prst="rect">
+            <a:avLst/>
+          </a:prstGeom>
+          <a:noFill/>
+          <a:ln/>
+        </p:spPr>
+        <p:txBody>
+          <a:bodyPr wrap="square" rtlCol="0" anchor="ctr"/>
+          <a:lstStyle/>
+          <a:p>
+            <a:pPr indent="0" marL="0">
+              <a:buNone/>
+            </a:pPr>
+            <a:r>
+              <a:rPr lang="en-US" sz="1600" b="1" dirty="0">
+                <a:solidFill>
+                  <a:srgbClr val="E2E8F0"/>
+                </a:solidFill>
+              </a:rPr>
+              <a:t>Weaknesses</a:t>
+            </a:r>
+            <a:endParaRPr lang="en-US" sz="1600" dirty="0"/>
+          </a:p>
+        </p:txBody>
+      </p:sp>
+      <p:sp>
+        <p:nvSpPr>
+          <p:cNvPr id="13" name="Text 11"/>
+          <p:cNvSpPr/>
+          <p:nvPr/>
+        </p:nvSpPr>
+        <p:spPr>
+          <a:xfrm>
+            <a:off x="6675120" y="1783080"/>
+            <a:ext cx="5029200" cy="1097280"/>
+          </a:xfrm>
+          <a:prstGeom prst="rect">
+            <a:avLst/>
+          </a:prstGeom>
+          <a:noFill/>
+          <a:ln/>
+        </p:spPr>
+        <p:txBody>
+          <a:bodyPr wrap="square" rtlCol="0" anchor="ctr"/>
+          <a:lstStyle/>
+          <a:p>
+            <a:pPr indent="0" marL="0">
+              <a:buNone/>
+            </a:pPr>
+            <a:r>
+              <a:rPr lang="en-US" sz="1200" dirty="0">
+                <a:solidFill>
+                  <a:srgbClr val="94A3B8"/>
+                </a:solidFill>
+              </a:rPr>
+              <a:t>New entrant, fewer integrations, credibility to establish.</a:t>
+            </a:r>
+            <a:endParaRPr lang="en-US" sz="1200" dirty="0"/>
+          </a:p>
+        </p:txBody>
+      </p:sp>
+      <p:sp>
+        <p:nvSpPr>
+          <p:cNvPr id="14" name="Shape 12"/>
+          <p:cNvSpPr/>
+          <p:nvPr/>
+        </p:nvSpPr>
+        <p:spPr>
+          <a:xfrm>
+            <a:off x="640080" y="3566160"/>
+            <a:ext cx="5394960" cy="2011680"/>
+          </a:xfrm>
+          <a:prstGeom prst="roundRect">
+            <a:avLst/>
+          </a:prstGeom>
+          <a:solidFill>
+            <a:srgbClr val="0F172A"/>
+          </a:solidFill>
+          <a:ln w="12700">
+            <a:solidFill>
+              <a:srgbClr val="A855F7"/>
+            </a:solidFill>
+            <a:prstDash val="solid"/>
+          </a:ln>
+        </p:spPr>
+      </p:sp>
+      <p:sp>
+        <p:nvSpPr>
+          <p:cNvPr id="15" name="Shape 13"/>
+          <p:cNvSpPr/>
+          <p:nvPr/>
+        </p:nvSpPr>
+        <p:spPr>
+          <a:xfrm>
+            <a:off x="640080" y="3566160"/>
+            <a:ext cx="5394960" cy="109728"/>
+          </a:xfrm>
+          <a:prstGeom prst="rect">
+            <a:avLst/>
+          </a:prstGeom>
+          <a:solidFill>
+            <a:srgbClr val="A855F7"/>
+          </a:solidFill>
+          <a:ln w="12700">
+            <a:solidFill>
+              <a:srgbClr val="A855F7"/>
+            </a:solidFill>
+            <a:prstDash val="solid"/>
+          </a:ln>
+        </p:spPr>
+      </p:sp>
+      <p:sp>
+        <p:nvSpPr>
+          <p:cNvPr id="16" name="Text 14"/>
+          <p:cNvSpPr/>
+          <p:nvPr/>
+        </p:nvSpPr>
+        <p:spPr>
+          <a:xfrm>
+            <a:off x="822960" y="3794760"/>
+            <a:ext cx="5029200" cy="365760"/>
+          </a:xfrm>
+          <a:prstGeom prst="rect">
+            <a:avLst/>
+          </a:prstGeom>
+          <a:noFill/>
+          <a:ln/>
+        </p:spPr>
+        <p:txBody>
+          <a:bodyPr wrap="square" rtlCol="0" anchor="ctr"/>
+          <a:lstStyle/>
+          <a:p>
+            <a:pPr indent="0" marL="0">
+              <a:buNone/>
+            </a:pPr>
+            <a:r>
+              <a:rPr lang="en-US" sz="1600" b="1" dirty="0">
+                <a:solidFill>
+                  <a:srgbClr val="E2E8F0"/>
+                </a:solidFill>
+              </a:rPr>
+              <a:t>Opportunities</a:t>
+            </a:r>
+            <a:endParaRPr lang="en-US" sz="1600" dirty="0"/>
+          </a:p>
+        </p:txBody>
+      </p:sp>
+      <p:sp>
+        <p:nvSpPr>
+          <p:cNvPr id="17" name="Text 15"/>
+          <p:cNvSpPr/>
+          <p:nvPr/>
+        </p:nvSpPr>
+        <p:spPr>
+          <a:xfrm>
+            <a:off x="822960" y="4251960"/>
+            <a:ext cx="5029200" cy="1097280"/>
+          </a:xfrm>
+          <a:prstGeom prst="rect">
+            <a:avLst/>
+          </a:prstGeom>
+          <a:noFill/>
+          <a:ln/>
+        </p:spPr>
+        <p:txBody>
+          <a:bodyPr wrap="square" rtlCol="0" anchor="ctr"/>
+          <a:lstStyle/>
+          <a:p>
+            <a:pPr indent="0" marL="0">
+              <a:buNone/>
+            </a:pPr>
+            <a:r>
+              <a:rPr lang="en-US" sz="1200" dirty="0">
+                <a:solidFill>
+                  <a:srgbClr val="94A3B8"/>
+                </a:solidFill>
+              </a:rPr>
+              <a:t>AI adoption surge, APAC regtech demand, 3LOD gap in market.</a:t>
+            </a:r>
+            <a:endParaRPr lang="en-US" sz="1200" dirty="0"/>
+          </a:p>
+        </p:txBody>
+      </p:sp>
+      <p:sp>
+        <p:nvSpPr>
+          <p:cNvPr id="18" name="Shape 16"/>
+          <p:cNvSpPr/>
+          <p:nvPr/>
+        </p:nvSpPr>
+        <p:spPr>
+          <a:xfrm>
+            <a:off x="6492240" y="3566160"/>
+            <a:ext cx="5394960" cy="2011680"/>
+          </a:xfrm>
+          <a:prstGeom prst="roundRect">
+            <a:avLst/>
+          </a:prstGeom>
+          <a:solidFill>
+            <a:srgbClr val="0F172A"/>
+          </a:solidFill>
+          <a:ln w="12700">
+            <a:solidFill>
+              <a:srgbClr val="F59E0B"/>
+            </a:solidFill>
+            <a:prstDash val="solid"/>
+          </a:ln>
+        </p:spPr>
+      </p:sp>
+      <p:sp>
+        <p:nvSpPr>
+          <p:cNvPr id="19" name="Shape 17"/>
+          <p:cNvSpPr/>
+          <p:nvPr/>
+        </p:nvSpPr>
+        <p:spPr>
+          <a:xfrm>
+            <a:off x="6492240" y="3566160"/>
+            <a:ext cx="5394960" cy="109728"/>
+          </a:xfrm>
+          <a:prstGeom prst="rect">
+            <a:avLst/>
+          </a:prstGeom>
+          <a:solidFill>
+            <a:srgbClr val="F59E0B"/>
+          </a:solidFill>
+          <a:ln w="12700">
+            <a:solidFill>
+              <a:srgbClr val="F59E0B"/>
+            </a:solidFill>
+            <a:prstDash val="solid"/>
+          </a:ln>
+        </p:spPr>
+      </p:sp>
+      <p:sp>
+        <p:nvSpPr>
+          <p:cNvPr id="20" name="Text 18"/>
+          <p:cNvSpPr/>
+          <p:nvPr/>
+        </p:nvSpPr>
+        <p:spPr>
+          <a:xfrm>
+            <a:off x="6675120" y="3794760"/>
+            <a:ext cx="5029200" cy="365760"/>
+          </a:xfrm>
+          <a:prstGeom prst="rect">
+            <a:avLst/>
+          </a:prstGeom>
+          <a:noFill/>
+          <a:ln/>
+        </p:spPr>
+        <p:txBody>
+          <a:bodyPr wrap="square" rtlCol="0" anchor="ctr"/>
+          <a:lstStyle/>
+          <a:p>
+            <a:pPr indent="0" marL="0">
+              <a:buNone/>
+            </a:pPr>
+            <a:r>
+              <a:rPr lang="en-US" sz="1600" b="1" dirty="0">
+                <a:solidFill>
+                  <a:srgbClr val="E2E8F0"/>
+                </a:solidFill>
+              </a:rPr>
+              <a:t>Threats</a:t>
+            </a:r>
+            <a:endParaRPr lang="en-US" sz="1600" dirty="0"/>
+          </a:p>
+        </p:txBody>
+      </p:sp>
+      <p:sp>
+        <p:nvSpPr>
+          <p:cNvPr id="21" name="Text 19"/>
+          <p:cNvSpPr/>
+          <p:nvPr/>
+        </p:nvSpPr>
+        <p:spPr>
+          <a:xfrm>
+            <a:off x="6675120" y="4251960"/>
+            <a:ext cx="5029200" cy="1097280"/>
+          </a:xfrm>
+          <a:prstGeom prst="rect">
+            <a:avLst/>
+          </a:prstGeom>
+          <a:noFill/>
+          <a:ln/>
+        </p:spPr>
+        <p:txBody>
+          <a:bodyPr wrap="square" rtlCol="0" anchor="ctr"/>
+          <a:lstStyle/>
+          <a:p>
+            <a:pPr indent="0" marL="0">
+              <a:buNone/>
+            </a:pPr>
+            <a:r>
+              <a:rPr lang="en-US" sz="1200" dirty="0">
+                <a:solidFill>
+                  <a:srgbClr val="94A3B8"/>
+                </a:solidFill>
+              </a:rPr>
+              <a:t>Incumbent lock‑in, fast‑followers, procurement bias.</a:t>
+            </a:r>
+            <a:endParaRPr lang="en-US" sz="1200" dirty="0"/>
+          </a:p>
+        </p:txBody>
+      </p:sp>
+    </p:spTree>
+  </p:cSld>
+  <p:clrMapOvr>
+    <a:masterClrMapping/>
+  </p:clrMapOvr>
+</p:sld>
+</file>
+
+<file path=ppt/slides/slide24.xml><?xml version="1.0" encoding="utf-8"?>
+<p:sld xmlns:a="http://schemas.openxmlformats.org/drawingml/2006/main" xmlns:r="http://schemas.openxmlformats.org/officeDocument/2006/relationships" xmlns:p="http://schemas.openxmlformats.org/presentationml/2006/main">
+  <p:cSld name="Slide 24">
+    <p:spTree>
+      <p:nvGrpSpPr>
+        <p:cNvPr id="1" name=""/>
+        <p:cNvGrpSpPr/>
+        <p:nvPr/>
+      </p:nvGrpSpPr>
+      <p:grpSpPr>
+        <a:xfrm>
+          <a:off x="0" y="0"/>
+          <a:ext cx="0" cy="0"/>
+          <a:chOff x="0" y="0"/>
+          <a:chExt cx="0" cy="0"/>
+        </a:xfrm>
+      </p:grpSpPr>
+      <p:sp>
+        <p:nvSpPr>
+          <p:cNvPr id="2" name="Shape 0"/>
+          <p:cNvSpPr/>
+          <p:nvPr/>
+        </p:nvSpPr>
+        <p:spPr>
+          <a:xfrm>
+            <a:off x="0" y="0"/>
+            <a:ext cx="12191695" cy="6858000"/>
+          </a:xfrm>
+          <a:prstGeom prst="rect">
+            <a:avLst/>
+          </a:prstGeom>
+          <a:solidFill>
+            <a:srgbClr val="0B0F1A"/>
+          </a:solidFill>
+          <a:ln w="12700">
+            <a:solidFill>
+              <a:srgbClr val="0B0F1A"/>
+            </a:solidFill>
+            <a:prstDash val="solid"/>
+          </a:ln>
+        </p:spPr>
+      </p:sp>
+      <p:sp>
+        <p:nvSpPr>
+          <p:cNvPr id="3" name="Shape 1"/>
+          <p:cNvSpPr/>
+          <p:nvPr/>
+        </p:nvSpPr>
+        <p:spPr>
+          <a:xfrm>
+            <a:off x="0" y="0"/>
+            <a:ext cx="12191695" cy="777240"/>
+          </a:xfrm>
+          <a:prstGeom prst="rect">
+            <a:avLst/>
+          </a:prstGeom>
+          <a:solidFill>
+            <a:srgbClr val="0F172A"/>
+          </a:solidFill>
+          <a:ln w="12700">
+            <a:solidFill>
+              <a:srgbClr val="0F172A"/>
+            </a:solidFill>
+            <a:prstDash val="solid"/>
+          </a:ln>
+        </p:spPr>
+      </p:sp>
+      <p:sp>
+        <p:nvSpPr>
+          <p:cNvPr id="4" name="Text 2"/>
+          <p:cNvSpPr/>
+          <p:nvPr/>
+        </p:nvSpPr>
+        <p:spPr>
+          <a:xfrm>
+            <a:off x="548640" y="137160"/>
+            <a:ext cx="10058400" cy="457200"/>
+          </a:xfrm>
+          <a:prstGeom prst="rect">
+            <a:avLst/>
+          </a:prstGeom>
+          <a:noFill/>
+          <a:ln/>
+        </p:spPr>
+        <p:txBody>
+          <a:bodyPr wrap="square" rtlCol="0" anchor="ctr"/>
+          <a:lstStyle/>
+          <a:p>
+            <a:pPr indent="0" marL="0">
+              <a:buNone/>
+            </a:pPr>
+            <a:r>
+              <a:rPr lang="en-US" sz="2000" b="1" dirty="0">
+                <a:solidFill>
+                  <a:srgbClr val="E2E8F0"/>
+                </a:solidFill>
+              </a:rPr>
+              <a:t>Proposal Ranking</a:t>
+            </a:r>
+            <a:endParaRPr lang="en-US" sz="2000" dirty="0"/>
+          </a:p>
+        </p:txBody>
+      </p:sp>
+      <p:sp>
+        <p:nvSpPr>
+          <p:cNvPr id="5" name="Shape 3"/>
+          <p:cNvSpPr/>
+          <p:nvPr/>
+        </p:nvSpPr>
+        <p:spPr>
+          <a:xfrm>
+            <a:off x="0" y="6583680"/>
+            <a:ext cx="12191695" cy="274320"/>
+          </a:xfrm>
+          <a:prstGeom prst="rect">
+            <a:avLst/>
+          </a:prstGeom>
+          <a:solidFill>
+            <a:srgbClr val="38BDF8"/>
+          </a:solidFill>
+          <a:ln w="12700">
+            <a:solidFill>
+              <a:srgbClr val="38BDF8"/>
+            </a:solidFill>
+            <a:prstDash val="solid"/>
+          </a:ln>
+        </p:spPr>
+      </p:sp>
+      <p:sp>
+        <p:nvSpPr>
+          <p:cNvPr id="6" name="Shape 4"/>
+          <p:cNvSpPr/>
+          <p:nvPr/>
+        </p:nvSpPr>
+        <p:spPr>
+          <a:xfrm>
+            <a:off x="731520" y="1188720"/>
+            <a:ext cx="4206240" cy="2011680"/>
+          </a:xfrm>
+          <a:prstGeom prst="roundRect">
+            <a:avLst/>
+          </a:prstGeom>
+          <a:solidFill>
+            <a:srgbClr val="0F172A"/>
+          </a:solidFill>
+          <a:ln w="12700">
+            <a:solidFill>
+              <a:srgbClr val="38BDF8"/>
+            </a:solidFill>
+            <a:prstDash val="solid"/>
+          </a:ln>
+        </p:spPr>
+      </p:sp>
+      <p:sp>
+        <p:nvSpPr>
+          <p:cNvPr id="7" name="Text 5"/>
+          <p:cNvSpPr/>
+          <p:nvPr/>
+        </p:nvSpPr>
+        <p:spPr>
+          <a:xfrm>
+            <a:off x="1005840" y="1371600"/>
+            <a:ext cx="3657600" cy="822960"/>
+          </a:xfrm>
+          <a:prstGeom prst="rect">
+            <a:avLst/>
+          </a:prstGeom>
+          <a:noFill/>
+          <a:ln/>
+        </p:spPr>
+        <p:txBody>
+          <a:bodyPr wrap="square" rtlCol="0" anchor="ctr"/>
+          <a:lstStyle/>
+          <a:p>
+            <a:pPr indent="0" marL="0">
+              <a:buNone/>
+            </a:pPr>
+            <a:r>
+              <a:rPr lang="en-US" sz="4400" b="1" dirty="0">
+                <a:solidFill>
+                  <a:srgbClr val="38BDF8"/>
+                </a:solidFill>
+              </a:rPr>
+              <a:t>9.5/10</a:t>
+            </a:r>
+            <a:endParaRPr lang="en-US" sz="4400" dirty="0"/>
+          </a:p>
+        </p:txBody>
+      </p:sp>
+      <p:sp>
+        <p:nvSpPr>
+          <p:cNvPr id="8" name="Text 6"/>
+          <p:cNvSpPr/>
+          <p:nvPr/>
+        </p:nvSpPr>
+        <p:spPr>
+          <a:xfrm>
+            <a:off x="1005840" y="2103120"/>
+            <a:ext cx="3657600" cy="457200"/>
+          </a:xfrm>
+          <a:prstGeom prst="rect">
+            <a:avLst/>
+          </a:prstGeom>
+          <a:noFill/>
+          <a:ln/>
+        </p:spPr>
+        <p:txBody>
+          <a:bodyPr wrap="square" rtlCol="0" anchor="ctr"/>
+          <a:lstStyle/>
+          <a:p>
+            <a:pPr indent="0" marL="0">
+              <a:buNone/>
+            </a:pPr>
+            <a:r>
+              <a:rPr lang="en-US" sz="1400" dirty="0">
+                <a:solidFill>
+                  <a:srgbClr val="94A3B8"/>
+                </a:solidFill>
+              </a:rPr>
+              <a:t>Best fit to the vision vs incumbents</a:t>
+            </a:r>
+            <a:endParaRPr lang="en-US" sz="1400" dirty="0"/>
+          </a:p>
+        </p:txBody>
+      </p:sp>
+      <p:sp>
+        <p:nvSpPr>
+          <p:cNvPr id="9" name="Text 7"/>
+          <p:cNvSpPr/>
+          <p:nvPr/>
+        </p:nvSpPr>
+        <p:spPr>
+          <a:xfrm>
+            <a:off x="5303520" y="1280160"/>
+            <a:ext cx="6217920" cy="4389120"/>
+          </a:xfrm>
+          <a:prstGeom prst="rect">
+            <a:avLst/>
+          </a:prstGeom>
+          <a:noFill/>
+          <a:ln/>
+        </p:spPr>
+        <p:txBody>
+          <a:bodyPr wrap="square" rtlCol="0" anchor="ctr"/>
+          <a:lstStyle/>
+          <a:p>
+            <a:pPr marL="254000" indent="-254000">
+              <a:buSzPct val="100000"/>
+              <a:buChar char="•"/>
+            </a:pPr>
+            <a:r>
+              <a:rPr lang="en-US" sz="1600" dirty="0">
+                <a:solidFill>
+                  <a:srgbClr val="E2E8F0"/>
+                </a:solidFill>
+              </a:rPr>
+              <a:t>Unique differentiators: org‑mapping, doc‑governance, agent‑driven KRI/KPI, first‑class 3LOD.</a:t>
+            </a:r>
+            <a:pPr indent="0" marL="0">
+              <a:buNone/>
+            </a:pPr>
+            <a:r>
+              <a:rPr lang="en-US" sz="1600" dirty="0">
+                <a:solidFill>
+                  <a:srgbClr val="E2E8F0"/>
+                </a:solidFill>
+              </a:rPr>
+              <a:t>Near real‑time APAC regulatory intelligence.</a:t>
+            </a:r>
+            <a:pPr indent="0" marL="0">
+              <a:buNone/>
+            </a:pPr>
+            <a:r>
+              <a:rPr lang="en-US" sz="1600" dirty="0">
+                <a:solidFill>
+                  <a:srgbClr val="E2E8F0"/>
+                </a:solidFill>
+              </a:rPr>
+              <a:t>Main gap: market presence — solved via lighthouse customers.</a:t>
+            </a:r>
+            <a:endParaRPr lang="en-US" sz="1600" dirty="0"/>
+          </a:p>
+        </p:txBody>
+      </p:sp>
+    </p:spTree>
+  </p:cSld>
+  <p:clrMapOvr>
+    <a:masterClrMapping/>
+  </p:clrMapOvr>
+</p:sld>
+</file>
+
+<file path=ppt/slides/slide25.xml><?xml version="1.0" encoding="utf-8"?>
+<p:sld xmlns:a="http://schemas.openxmlformats.org/drawingml/2006/main" xmlns:r="http://schemas.openxmlformats.org/officeDocument/2006/relationships" xmlns:p="http://schemas.openxmlformats.org/presentationml/2006/main">
+  <p:cSld name="Slide 25">
+    <p:spTree>
+      <p:nvGrpSpPr>
+        <p:cNvPr id="1" name=""/>
+        <p:cNvGrpSpPr/>
+        <p:nvPr/>
+      </p:nvGrpSpPr>
+      <p:grpSpPr>
+        <a:xfrm>
+          <a:off x="0" y="0"/>
+          <a:ext cx="0" cy="0"/>
+          <a:chOff x="0" y="0"/>
+          <a:chExt cx="0" cy="0"/>
+        </a:xfrm>
+      </p:grpSpPr>
+      <p:sp>
+        <p:nvSpPr>
+          <p:cNvPr id="2" name="Shape 0"/>
+          <p:cNvSpPr/>
+          <p:nvPr/>
+        </p:nvSpPr>
+        <p:spPr>
+          <a:xfrm>
+            <a:off x="0" y="0"/>
+            <a:ext cx="12191695" cy="6858000"/>
+          </a:xfrm>
+          <a:prstGeom prst="rect">
+            <a:avLst/>
+          </a:prstGeom>
+          <a:solidFill>
+            <a:srgbClr val="0B0F1A"/>
+          </a:solidFill>
+          <a:ln w="12700">
+            <a:solidFill>
+              <a:srgbClr val="0B0F1A"/>
+            </a:solidFill>
+            <a:prstDash val="solid"/>
+          </a:ln>
+        </p:spPr>
+      </p:sp>
+      <p:sp>
+        <p:nvSpPr>
+          <p:cNvPr id="3" name="Shape 1"/>
+          <p:cNvSpPr/>
+          <p:nvPr/>
+        </p:nvSpPr>
+        <p:spPr>
+          <a:xfrm>
+            <a:off x="0" y="0"/>
+            <a:ext cx="12191695" cy="777240"/>
+          </a:xfrm>
+          <a:prstGeom prst="rect">
+            <a:avLst/>
+          </a:prstGeom>
+          <a:solidFill>
+            <a:srgbClr val="0F172A"/>
+          </a:solidFill>
+          <a:ln w="12700">
+            <a:solidFill>
+              <a:srgbClr val="0F172A"/>
+            </a:solidFill>
+            <a:prstDash val="solid"/>
+          </a:ln>
+        </p:spPr>
+      </p:sp>
+      <p:sp>
+        <p:nvSpPr>
+          <p:cNvPr id="4" name="Text 2"/>
+          <p:cNvSpPr/>
+          <p:nvPr/>
+        </p:nvSpPr>
+        <p:spPr>
+          <a:xfrm>
+            <a:off x="548640" y="137160"/>
+            <a:ext cx="10058400" cy="457200"/>
+          </a:xfrm>
+          <a:prstGeom prst="rect">
+            <a:avLst/>
+          </a:prstGeom>
+          <a:noFill/>
+          <a:ln/>
+        </p:spPr>
+        <p:txBody>
+          <a:bodyPr wrap="square" rtlCol="0" anchor="ctr"/>
+          <a:lstStyle/>
+          <a:p>
+            <a:pPr indent="0" marL="0">
+              <a:buNone/>
+            </a:pPr>
+            <a:r>
+              <a:rPr lang="en-US" sz="2000" b="1" dirty="0">
+                <a:solidFill>
+                  <a:srgbClr val="E2E8F0"/>
+                </a:solidFill>
+              </a:rPr>
+              <a:t>Accountability by Design (3LOD)</a:t>
+            </a:r>
+            <a:endParaRPr lang="en-US" sz="2000" dirty="0"/>
+          </a:p>
+        </p:txBody>
+      </p:sp>
+      <p:sp>
+        <p:nvSpPr>
+          <p:cNvPr id="5" name="Shape 3"/>
+          <p:cNvSpPr/>
+          <p:nvPr/>
+        </p:nvSpPr>
+        <p:spPr>
+          <a:xfrm>
+            <a:off x="0" y="6583680"/>
+            <a:ext cx="12191695" cy="274320"/>
+          </a:xfrm>
+          <a:prstGeom prst="rect">
+            <a:avLst/>
+          </a:prstGeom>
+          <a:solidFill>
+            <a:srgbClr val="38BDF8"/>
+          </a:solidFill>
+          <a:ln w="12700">
+            <a:solidFill>
+              <a:srgbClr val="38BDF8"/>
+            </a:solidFill>
+            <a:prstDash val="solid"/>
+          </a:ln>
+        </p:spPr>
+      </p:sp>
+      <p:sp>
+        <p:nvSpPr>
+          <p:cNvPr id="6" name="Shape 4"/>
+          <p:cNvSpPr/>
+          <p:nvPr/>
+        </p:nvSpPr>
+        <p:spPr>
+          <a:xfrm>
+            <a:off x="822960" y="1280160"/>
+            <a:ext cx="10789920" cy="1234440"/>
+          </a:xfrm>
+          <a:prstGeom prst="roundRect">
+            <a:avLst/>
+          </a:prstGeom>
+          <a:solidFill>
+            <a:srgbClr val="0F172A"/>
+          </a:solidFill>
+          <a:ln w="12700">
+            <a:solidFill>
+              <a:srgbClr val="A855F7"/>
+            </a:solidFill>
+            <a:prstDash val="solid"/>
+          </a:ln>
+        </p:spPr>
+      </p:sp>
+      <p:sp>
+        <p:nvSpPr>
+          <p:cNvPr id="7" name="Shape 5"/>
+          <p:cNvSpPr/>
+          <p:nvPr/>
+        </p:nvSpPr>
+        <p:spPr>
+          <a:xfrm>
+            <a:off x="822960" y="1280160"/>
+            <a:ext cx="164592" cy="1234440"/>
+          </a:xfrm>
+          <a:prstGeom prst="rect">
+            <a:avLst/>
+          </a:prstGeom>
+          <a:solidFill>
+            <a:srgbClr val="A855F7"/>
+          </a:solidFill>
+          <a:ln w="12700">
+            <a:solidFill>
+              <a:srgbClr val="A855F7"/>
+            </a:solidFill>
+            <a:prstDash val="solid"/>
+          </a:ln>
+        </p:spPr>
+      </p:sp>
+      <p:sp>
+        <p:nvSpPr>
+          <p:cNvPr id="8" name="Text 6"/>
+          <p:cNvSpPr/>
+          <p:nvPr/>
+        </p:nvSpPr>
+        <p:spPr>
+          <a:xfrm>
+            <a:off x="1097280" y="1444752"/>
+            <a:ext cx="10058400" cy="365760"/>
+          </a:xfrm>
+          <a:prstGeom prst="rect">
+            <a:avLst/>
+          </a:prstGeom>
+          <a:noFill/>
+          <a:ln/>
+        </p:spPr>
+        <p:txBody>
+          <a:bodyPr wrap="square" rtlCol="0" anchor="ctr"/>
+          <a:lstStyle/>
+          <a:p>
+            <a:pPr indent="0" marL="0">
+              <a:buNone/>
+            </a:pPr>
+            <a:r>
+              <a:rPr lang="en-US" sz="1600" b="1" dirty="0">
+                <a:solidFill>
+                  <a:srgbClr val="E2E8F0"/>
+                </a:solidFill>
+              </a:rPr>
+              <a:t>3L — Independent Assurance</a:t>
+            </a:r>
+            <a:endParaRPr lang="en-US" sz="1600" dirty="0"/>
+          </a:p>
+        </p:txBody>
+      </p:sp>
+      <p:sp>
+        <p:nvSpPr>
+          <p:cNvPr id="9" name="Text 7"/>
+          <p:cNvSpPr/>
+          <p:nvPr/>
+        </p:nvSpPr>
+        <p:spPr>
+          <a:xfrm>
+            <a:off x="1097280" y="1874520"/>
+            <a:ext cx="10058400" cy="365760"/>
+          </a:xfrm>
+          <a:prstGeom prst="rect">
+            <a:avLst/>
+          </a:prstGeom>
+          <a:noFill/>
+          <a:ln/>
+        </p:spPr>
+        <p:txBody>
+          <a:bodyPr wrap="square" rtlCol="0" anchor="ctr"/>
+          <a:lstStyle/>
+          <a:p>
+            <a:pPr indent="0" marL="0">
+              <a:buNone/>
+            </a:pPr>
+            <a:r>
+              <a:rPr lang="en-US" sz="1200" dirty="0">
+                <a:solidFill>
+                  <a:srgbClr val="94A3B8"/>
+                </a:solidFill>
+              </a:rPr>
+              <a:t>Audit plan · Control testing · Findings · Assurance opinion</a:t>
+            </a:r>
+            <a:endParaRPr lang="en-US" sz="1200" dirty="0"/>
+          </a:p>
+        </p:txBody>
+      </p:sp>
+      <p:sp>
+        <p:nvSpPr>
+          <p:cNvPr id="10" name="Shape 8"/>
+          <p:cNvSpPr/>
+          <p:nvPr/>
+        </p:nvSpPr>
+        <p:spPr>
+          <a:xfrm>
+            <a:off x="822960" y="2788920"/>
+            <a:ext cx="10789920" cy="1234440"/>
+          </a:xfrm>
+          <a:prstGeom prst="roundRect">
+            <a:avLst/>
+          </a:prstGeom>
+          <a:solidFill>
+            <a:srgbClr val="0F172A"/>
+          </a:solidFill>
+          <a:ln w="12700">
+            <a:solidFill>
+              <a:srgbClr val="38BDF8"/>
+            </a:solidFill>
+            <a:prstDash val="solid"/>
+          </a:ln>
+        </p:spPr>
+      </p:sp>
+      <p:sp>
+        <p:nvSpPr>
+          <p:cNvPr id="11" name="Shape 9"/>
+          <p:cNvSpPr/>
+          <p:nvPr/>
+        </p:nvSpPr>
+        <p:spPr>
+          <a:xfrm>
+            <a:off x="822960" y="2788920"/>
+            <a:ext cx="164592" cy="1234440"/>
+          </a:xfrm>
+          <a:prstGeom prst="rect">
+            <a:avLst/>
+          </a:prstGeom>
+          <a:solidFill>
+            <a:srgbClr val="38BDF8"/>
+          </a:solidFill>
+          <a:ln w="12700">
+            <a:solidFill>
+              <a:srgbClr val="38BDF8"/>
+            </a:solidFill>
+            <a:prstDash val="solid"/>
+          </a:ln>
+        </p:spPr>
+      </p:sp>
+      <p:sp>
+        <p:nvSpPr>
+          <p:cNvPr id="12" name="Text 10"/>
+          <p:cNvSpPr/>
+          <p:nvPr/>
+        </p:nvSpPr>
+        <p:spPr>
+          <a:xfrm>
+            <a:off x="1097280" y="2953512"/>
+            <a:ext cx="10058400" cy="365760"/>
+          </a:xfrm>
+          <a:prstGeom prst="rect">
+            <a:avLst/>
+          </a:prstGeom>
+          <a:noFill/>
+          <a:ln/>
+        </p:spPr>
+        <p:txBody>
+          <a:bodyPr wrap="square" rtlCol="0" anchor="ctr"/>
+          <a:lstStyle/>
+          <a:p>
+            <a:pPr indent="0" marL="0">
+              <a:buNone/>
+            </a:pPr>
+            <a:r>
+              <a:rPr lang="en-US" sz="1600" b="1" dirty="0">
+                <a:solidFill>
+                  <a:srgbClr val="E2E8F0"/>
+                </a:solidFill>
+              </a:rPr>
+              <a:t>2L — Oversight &amp; Challenge</a:t>
+            </a:r>
+            <a:endParaRPr lang="en-US" sz="1600" dirty="0"/>
+          </a:p>
+        </p:txBody>
+      </p:sp>
+      <p:sp>
+        <p:nvSpPr>
+          <p:cNvPr id="13" name="Text 11"/>
+          <p:cNvSpPr/>
+          <p:nvPr/>
+        </p:nvSpPr>
+        <p:spPr>
+          <a:xfrm>
+            <a:off x="1097280" y="3383280"/>
+            <a:ext cx="10058400" cy="365760"/>
+          </a:xfrm>
+          <a:prstGeom prst="rect">
+            <a:avLst/>
+          </a:prstGeom>
+          <a:noFill/>
+          <a:ln/>
+        </p:spPr>
+        <p:txBody>
+          <a:bodyPr wrap="square" rtlCol="0" anchor="ctr"/>
+          <a:lstStyle/>
+          <a:p>
+            <a:pPr indent="0" marL="0">
+              <a:buNone/>
+            </a:pPr>
+            <a:r>
+              <a:rPr lang="en-US" sz="1200" dirty="0">
+                <a:solidFill>
+                  <a:srgbClr val="94A3B8"/>
+                </a:solidFill>
+              </a:rPr>
+              <a:t>Risk oversight · Challenge flow · Priorities &amp; metrics</a:t>
+            </a:r>
+            <a:endParaRPr lang="en-US" sz="1200" dirty="0"/>
+          </a:p>
+        </p:txBody>
+      </p:sp>
+      <p:sp>
+        <p:nvSpPr>
+          <p:cNvPr id="14" name="Shape 12"/>
+          <p:cNvSpPr/>
+          <p:nvPr/>
+        </p:nvSpPr>
+        <p:spPr>
+          <a:xfrm>
+            <a:off x="822960" y="4297680"/>
+            <a:ext cx="10789920" cy="1234440"/>
+          </a:xfrm>
+          <a:prstGeom prst="roundRect">
+            <a:avLst/>
+          </a:prstGeom>
+          <a:solidFill>
+            <a:srgbClr val="0F172A"/>
+          </a:solidFill>
+          <a:ln w="12700">
+            <a:solidFill>
+              <a:srgbClr val="22D3EE"/>
+            </a:solidFill>
+            <a:prstDash val="solid"/>
+          </a:ln>
+        </p:spPr>
+      </p:sp>
+      <p:sp>
+        <p:nvSpPr>
+          <p:cNvPr id="15" name="Shape 13"/>
+          <p:cNvSpPr/>
+          <p:nvPr/>
+        </p:nvSpPr>
+        <p:spPr>
+          <a:xfrm>
+            <a:off x="822960" y="4297680"/>
+            <a:ext cx="164592" cy="1234440"/>
+          </a:xfrm>
+          <a:prstGeom prst="rect">
+            <a:avLst/>
+          </a:prstGeom>
+          <a:solidFill>
+            <a:srgbClr val="22D3EE"/>
+          </a:solidFill>
+          <a:ln w="12700">
+            <a:solidFill>
+              <a:srgbClr val="22D3EE"/>
+            </a:solidFill>
+            <a:prstDash val="solid"/>
+          </a:ln>
+        </p:spPr>
+      </p:sp>
+      <p:sp>
+        <p:nvSpPr>
+          <p:cNvPr id="16" name="Text 14"/>
+          <p:cNvSpPr/>
+          <p:nvPr/>
+        </p:nvSpPr>
+        <p:spPr>
+          <a:xfrm>
+            <a:off x="1097280" y="4462272"/>
+            <a:ext cx="10058400" cy="365760"/>
+          </a:xfrm>
+          <a:prstGeom prst="rect">
+            <a:avLst/>
+          </a:prstGeom>
+          <a:noFill/>
+          <a:ln/>
+        </p:spPr>
+        <p:txBody>
+          <a:bodyPr wrap="square" rtlCol="0" anchor="ctr"/>
+          <a:lstStyle/>
+          <a:p>
+            <a:pPr indent="0" marL="0">
+              <a:buNone/>
+            </a:pPr>
+            <a:r>
+              <a:rPr lang="en-US" sz="1600" b="1" dirty="0">
+                <a:solidFill>
+                  <a:srgbClr val="E2E8F0"/>
+                </a:solidFill>
+              </a:rPr>
+              <a:t>1L — Operational Ownership</a:t>
+            </a:r>
+            <a:endParaRPr lang="en-US" sz="1600" dirty="0"/>
+          </a:p>
+        </p:txBody>
+      </p:sp>
+      <p:sp>
+        <p:nvSpPr>
+          <p:cNvPr id="17" name="Text 15"/>
+          <p:cNvSpPr/>
+          <p:nvPr/>
+        </p:nvSpPr>
+        <p:spPr>
+          <a:xfrm>
+            <a:off x="1097280" y="4892040"/>
+            <a:ext cx="10058400" cy="365760"/>
+          </a:xfrm>
+          <a:prstGeom prst="rect">
+            <a:avLst/>
+          </a:prstGeom>
+          <a:noFill/>
+          <a:ln/>
+        </p:spPr>
+        <p:txBody>
+          <a:bodyPr wrap="square" rtlCol="0" anchor="ctr"/>
+          <a:lstStyle/>
+          <a:p>
+            <a:pPr indent="0" marL="0">
+              <a:buNone/>
+            </a:pPr>
+            <a:r>
+              <a:rPr lang="en-US" sz="1200" dirty="0">
+                <a:solidFill>
+                  <a:srgbClr val="94A3B8"/>
+                </a:solidFill>
+              </a:rPr>
+              <a:t>Controls · Evidence · Issues · Attestations</a:t>
+            </a:r>
+            <a:endParaRPr lang="en-US" sz="1200" dirty="0"/>
+          </a:p>
+        </p:txBody>
+      </p:sp>
+    </p:spTree>
+  </p:cSld>
+  <p:clrMapOvr>
+    <a:masterClrMapping/>
+  </p:clrMapOvr>
+</p:sld>
+</file>
+
+<file path=ppt/slides/slide26.xml><?xml version="1.0" encoding="utf-8"?>
+<p:sld xmlns:a="http://schemas.openxmlformats.org/drawingml/2006/main" xmlns:r="http://schemas.openxmlformats.org/officeDocument/2006/relationships" xmlns:p="http://schemas.openxmlformats.org/presentationml/2006/main">
+  <p:cSld name="Slide 26">
+    <p:spTree>
+      <p:nvGrpSpPr>
+        <p:cNvPr id="1" name=""/>
+        <p:cNvGrpSpPr/>
+        <p:nvPr/>
+      </p:nvGrpSpPr>
+      <p:grpSpPr>
+        <a:xfrm>
+          <a:off x="0" y="0"/>
+          <a:ext cx="0" cy="0"/>
+          <a:chOff x="0" y="0"/>
+          <a:chExt cx="0" cy="0"/>
+        </a:xfrm>
+      </p:grpSpPr>
+      <p:sp>
+        <p:nvSpPr>
+          <p:cNvPr id="2" name="Shape 0"/>
+          <p:cNvSpPr/>
+          <p:nvPr/>
+        </p:nvSpPr>
+        <p:spPr>
+          <a:xfrm>
+            <a:off x="0" y="0"/>
+            <a:ext cx="12191695" cy="6858000"/>
+          </a:xfrm>
+          <a:prstGeom prst="rect">
+            <a:avLst/>
+          </a:prstGeom>
+          <a:solidFill>
+            <a:srgbClr val="0B0F1A"/>
+          </a:solidFill>
+          <a:ln w="12700">
+            <a:solidFill>
+              <a:srgbClr val="0B0F1A"/>
+            </a:solidFill>
+            <a:prstDash val="solid"/>
+          </a:ln>
+        </p:spPr>
+      </p:sp>
+      <p:sp>
+        <p:nvSpPr>
+          <p:cNvPr id="3" name="Shape 1"/>
+          <p:cNvSpPr/>
+          <p:nvPr/>
+        </p:nvSpPr>
+        <p:spPr>
+          <a:xfrm>
+            <a:off x="0" y="0"/>
+            <a:ext cx="12191695" cy="777240"/>
+          </a:xfrm>
+          <a:prstGeom prst="rect">
+            <a:avLst/>
+          </a:prstGeom>
+          <a:solidFill>
+            <a:srgbClr val="0F172A"/>
+          </a:solidFill>
+          <a:ln w="12700">
+            <a:solidFill>
+              <a:srgbClr val="0F172A"/>
+            </a:solidFill>
+            <a:prstDash val="solid"/>
+          </a:ln>
+        </p:spPr>
+      </p:sp>
+      <p:sp>
+        <p:nvSpPr>
+          <p:cNvPr id="4" name="Text 2"/>
+          <p:cNvSpPr/>
+          <p:nvPr/>
+        </p:nvSpPr>
+        <p:spPr>
+          <a:xfrm>
+            <a:off x="548640" y="137160"/>
+            <a:ext cx="10058400" cy="457200"/>
+          </a:xfrm>
+          <a:prstGeom prst="rect">
+            <a:avLst/>
+          </a:prstGeom>
+          <a:noFill/>
+          <a:ln/>
+        </p:spPr>
+        <p:txBody>
+          <a:bodyPr wrap="square" rtlCol="0" anchor="ctr"/>
+          <a:lstStyle/>
+          <a:p>
+            <a:pPr indent="0" marL="0">
+              <a:buNone/>
+            </a:pPr>
+            <a:r>
+              <a:rPr lang="en-US" sz="2000" b="1" dirty="0">
+                <a:solidFill>
+                  <a:srgbClr val="E2E8F0"/>
+                </a:solidFill>
+              </a:rPr>
+              <a:t>Who It Serves</a:t>
+            </a:r>
+            <a:endParaRPr lang="en-US" sz="2000" dirty="0"/>
+          </a:p>
+        </p:txBody>
+      </p:sp>
+      <p:sp>
+        <p:nvSpPr>
+          <p:cNvPr id="5" name="Shape 3"/>
+          <p:cNvSpPr/>
+          <p:nvPr/>
+        </p:nvSpPr>
+        <p:spPr>
+          <a:xfrm>
+            <a:off x="0" y="6583680"/>
+            <a:ext cx="12191695" cy="274320"/>
+          </a:xfrm>
+          <a:prstGeom prst="rect">
+            <a:avLst/>
+          </a:prstGeom>
+          <a:solidFill>
+            <a:srgbClr val="38BDF8"/>
+          </a:solidFill>
+          <a:ln w="12700">
+            <a:solidFill>
+              <a:srgbClr val="38BDF8"/>
+            </a:solidFill>
+            <a:prstDash val="solid"/>
+          </a:ln>
+        </p:spPr>
+      </p:sp>
+      <p:sp>
+        <p:nvSpPr>
+          <p:cNvPr id="6" name="Shape 4"/>
+          <p:cNvSpPr/>
+          <p:nvPr/>
+        </p:nvSpPr>
+        <p:spPr>
+          <a:xfrm>
+            <a:off x="640080" y="1188720"/>
+            <a:ext cx="3474720" cy="4389120"/>
+          </a:xfrm>
+          <a:prstGeom prst="roundRect">
+            <a:avLst/>
+          </a:prstGeom>
+          <a:solidFill>
+            <a:srgbClr val="0F172A"/>
+          </a:solidFill>
+          <a:ln w="12700">
+            <a:solidFill>
+              <a:srgbClr val="38BDF8"/>
+            </a:solidFill>
+            <a:prstDash val="solid"/>
+          </a:ln>
+        </p:spPr>
+      </p:sp>
+      <p:sp>
+        <p:nvSpPr>
+          <p:cNvPr id="7" name="Shape 5"/>
+          <p:cNvSpPr/>
+          <p:nvPr/>
+        </p:nvSpPr>
+        <p:spPr>
+          <a:xfrm>
+            <a:off x="640080" y="1188720"/>
+            <a:ext cx="3474720" cy="109728"/>
+          </a:xfrm>
+          <a:prstGeom prst="rect">
+            <a:avLst/>
+          </a:prstGeom>
+          <a:solidFill>
+            <a:srgbClr val="38BDF8"/>
+          </a:solidFill>
+          <a:ln w="12700">
+            <a:solidFill>
+              <a:srgbClr val="38BDF8"/>
+            </a:solidFill>
+            <a:prstDash val="solid"/>
+          </a:ln>
+        </p:spPr>
+      </p:sp>
+      <p:sp>
+        <p:nvSpPr>
+          <p:cNvPr id="8" name="Text 6"/>
+          <p:cNvSpPr/>
+          <p:nvPr/>
+        </p:nvSpPr>
+        <p:spPr>
+          <a:xfrm>
+            <a:off x="822960" y="1417320"/>
+            <a:ext cx="3108960" cy="365760"/>
+          </a:xfrm>
+          <a:prstGeom prst="rect">
+            <a:avLst/>
+          </a:prstGeom>
+          <a:noFill/>
+          <a:ln/>
+        </p:spPr>
+        <p:txBody>
+          <a:bodyPr wrap="square" rtlCol="0" anchor="ctr"/>
+          <a:lstStyle/>
+          <a:p>
+            <a:pPr indent="0" marL="0">
+              <a:buNone/>
+            </a:pPr>
+            <a:r>
+              <a:rPr lang="en-US" sz="1600" b="1" dirty="0">
+                <a:solidFill>
+                  <a:srgbClr val="E2E8F0"/>
+                </a:solidFill>
+              </a:rPr>
+              <a:t>C‑Suite &amp; Board</a:t>
+            </a:r>
+            <a:endParaRPr lang="en-US" sz="1600" dirty="0"/>
+          </a:p>
+        </p:txBody>
+      </p:sp>
+      <p:sp>
+        <p:nvSpPr>
+          <p:cNvPr id="9" name="Text 7"/>
+          <p:cNvSpPr/>
+          <p:nvPr/>
+        </p:nvSpPr>
+        <p:spPr>
+          <a:xfrm>
+            <a:off x="822960" y="1874520"/>
+            <a:ext cx="3108960" cy="3474720"/>
+          </a:xfrm>
+          <a:prstGeom prst="rect">
+            <a:avLst/>
+          </a:prstGeom>
+          <a:noFill/>
+          <a:ln/>
+        </p:spPr>
+        <p:txBody>
+          <a:bodyPr wrap="square" rtlCol="0" anchor="ctr"/>
+          <a:lstStyle/>
+          <a:p>
+            <a:pPr indent="0" marL="0">
+              <a:buNone/>
+            </a:pPr>
+            <a:r>
+              <a:rPr lang="en-US" sz="1200" dirty="0">
+                <a:solidFill>
+                  <a:srgbClr val="94A3B8"/>
+                </a:solidFill>
+              </a:rPr>
+              <a:t>Clear, consistent, regulator‑friendly reporting and priorities.</a:t>
+            </a:r>
+            <a:endParaRPr lang="en-US" sz="1200" dirty="0"/>
+          </a:p>
+        </p:txBody>
+      </p:sp>
+      <p:sp>
+        <p:nvSpPr>
+          <p:cNvPr id="10" name="Shape 8"/>
+          <p:cNvSpPr/>
+          <p:nvPr/>
+        </p:nvSpPr>
+        <p:spPr>
+          <a:xfrm>
+            <a:off x="4434840" y="1188720"/>
+            <a:ext cx="3474720" cy="4389120"/>
+          </a:xfrm>
+          <a:prstGeom prst="roundRect">
+            <a:avLst/>
+          </a:prstGeom>
+          <a:solidFill>
+            <a:srgbClr val="0F172A"/>
+          </a:solidFill>
+          <a:ln w="12700">
+            <a:solidFill>
+              <a:srgbClr val="22D3EE"/>
+            </a:solidFill>
+            <a:prstDash val="solid"/>
+          </a:ln>
+        </p:spPr>
+      </p:sp>
+      <p:sp>
+        <p:nvSpPr>
+          <p:cNvPr id="11" name="Shape 9"/>
+          <p:cNvSpPr/>
+          <p:nvPr/>
+        </p:nvSpPr>
+        <p:spPr>
+          <a:xfrm>
+            <a:off x="4434840" y="1188720"/>
+            <a:ext cx="3474720" cy="109728"/>
+          </a:xfrm>
+          <a:prstGeom prst="rect">
+            <a:avLst/>
+          </a:prstGeom>
+          <a:solidFill>
+            <a:srgbClr val="22D3EE"/>
+          </a:solidFill>
+          <a:ln w="12700">
+            <a:solidFill>
+              <a:srgbClr val="22D3EE"/>
+            </a:solidFill>
+            <a:prstDash val="solid"/>
+          </a:ln>
+        </p:spPr>
+      </p:sp>
+      <p:sp>
+        <p:nvSpPr>
+          <p:cNvPr id="12" name="Text 10"/>
+          <p:cNvSpPr/>
+          <p:nvPr/>
+        </p:nvSpPr>
+        <p:spPr>
+          <a:xfrm>
+            <a:off x="4617720" y="1417320"/>
+            <a:ext cx="3108960" cy="365760"/>
+          </a:xfrm>
+          <a:prstGeom prst="rect">
+            <a:avLst/>
+          </a:prstGeom>
+          <a:noFill/>
+          <a:ln/>
+        </p:spPr>
+        <p:txBody>
+          <a:bodyPr wrap="square" rtlCol="0" anchor="ctr"/>
+          <a:lstStyle/>
+          <a:p>
+            <a:pPr indent="0" marL="0">
+              <a:buNone/>
+            </a:pPr>
+            <a:r>
+              <a:rPr lang="en-US" sz="1600" b="1" dirty="0">
+                <a:solidFill>
+                  <a:srgbClr val="E2E8F0"/>
+                </a:solidFill>
+              </a:rPr>
+              <a:t>Risk &amp; Compliance</a:t>
+            </a:r>
+            <a:endParaRPr lang="en-US" sz="1600" dirty="0"/>
+          </a:p>
+        </p:txBody>
+      </p:sp>
+      <p:sp>
+        <p:nvSpPr>
+          <p:cNvPr id="13" name="Text 11"/>
+          <p:cNvSpPr/>
+          <p:nvPr/>
+        </p:nvSpPr>
+        <p:spPr>
+          <a:xfrm>
+            <a:off x="4617720" y="1874520"/>
+            <a:ext cx="3108960" cy="3474720"/>
+          </a:xfrm>
+          <a:prstGeom prst="rect">
+            <a:avLst/>
+          </a:prstGeom>
+          <a:noFill/>
+          <a:ln/>
+        </p:spPr>
+        <p:txBody>
+          <a:bodyPr wrap="square" rtlCol="0" anchor="ctr"/>
+          <a:lstStyle/>
+          <a:p>
+            <a:pPr indent="0" marL="0">
+              <a:buNone/>
+            </a:pPr>
+            <a:r>
+              <a:rPr lang="en-US" sz="1200" dirty="0">
+                <a:solidFill>
+                  <a:srgbClr val="94A3B8"/>
+                </a:solidFill>
+              </a:rPr>
+              <a:t>Faster cycles, fewer surprises, evidence‑ready assurance.</a:t>
+            </a:r>
+            <a:endParaRPr lang="en-US" sz="1200" dirty="0"/>
+          </a:p>
+        </p:txBody>
+      </p:sp>
+      <p:sp>
+        <p:nvSpPr>
+          <p:cNvPr id="14" name="Shape 12"/>
+          <p:cNvSpPr/>
+          <p:nvPr/>
+        </p:nvSpPr>
+        <p:spPr>
+          <a:xfrm>
+            <a:off x="8229600" y="1188720"/>
+            <a:ext cx="3474720" cy="4389120"/>
+          </a:xfrm>
+          <a:prstGeom prst="roundRect">
+            <a:avLst/>
+          </a:prstGeom>
+          <a:solidFill>
+            <a:srgbClr val="0F172A"/>
+          </a:solidFill>
+          <a:ln w="12700">
+            <a:solidFill>
+              <a:srgbClr val="A855F7"/>
+            </a:solidFill>
+            <a:prstDash val="solid"/>
+          </a:ln>
+        </p:spPr>
+      </p:sp>
+      <p:sp>
+        <p:nvSpPr>
+          <p:cNvPr id="15" name="Shape 13"/>
+          <p:cNvSpPr/>
+          <p:nvPr/>
+        </p:nvSpPr>
+        <p:spPr>
+          <a:xfrm>
+            <a:off x="8229600" y="1188720"/>
+            <a:ext cx="3474720" cy="109728"/>
+          </a:xfrm>
+          <a:prstGeom prst="rect">
+            <a:avLst/>
+          </a:prstGeom>
+          <a:solidFill>
+            <a:srgbClr val="A855F7"/>
+          </a:solidFill>
+          <a:ln w="12700">
+            <a:solidFill>
+              <a:srgbClr val="A855F7"/>
+            </a:solidFill>
+            <a:prstDash val="solid"/>
+          </a:ln>
+        </p:spPr>
+      </p:sp>
+      <p:sp>
+        <p:nvSpPr>
+          <p:cNvPr id="16" name="Text 14"/>
+          <p:cNvSpPr/>
+          <p:nvPr/>
+        </p:nvSpPr>
+        <p:spPr>
+          <a:xfrm>
+            <a:off x="8412480" y="1417320"/>
+            <a:ext cx="3108960" cy="365760"/>
+          </a:xfrm>
+          <a:prstGeom prst="rect">
+            <a:avLst/>
+          </a:prstGeom>
+          <a:noFill/>
+          <a:ln/>
+        </p:spPr>
+        <p:txBody>
+          <a:bodyPr wrap="square" rtlCol="0" anchor="ctr"/>
+          <a:lstStyle/>
+          <a:p>
+            <a:pPr indent="0" marL="0">
+              <a:buNone/>
+            </a:pPr>
+            <a:r>
+              <a:rPr lang="en-US" sz="1600" b="1" dirty="0">
+                <a:solidFill>
+                  <a:srgbClr val="E2E8F0"/>
+                </a:solidFill>
+              </a:rPr>
+              <a:t>Regulatory Affairs</a:t>
+            </a:r>
+            <a:endParaRPr lang="en-US" sz="1600" dirty="0"/>
+          </a:p>
+        </p:txBody>
+      </p:sp>
+      <p:sp>
+        <p:nvSpPr>
+          <p:cNvPr id="17" name="Text 15"/>
+          <p:cNvSpPr/>
+          <p:nvPr/>
+        </p:nvSpPr>
+        <p:spPr>
+          <a:xfrm>
+            <a:off x="8412480" y="1874520"/>
+            <a:ext cx="3108960" cy="3474720"/>
+          </a:xfrm>
+          <a:prstGeom prst="rect">
+            <a:avLst/>
+          </a:prstGeom>
+          <a:noFill/>
+          <a:ln/>
+        </p:spPr>
+        <p:txBody>
+          <a:bodyPr wrap="square" rtlCol="0" anchor="ctr"/>
+          <a:lstStyle/>
+          <a:p>
+            <a:pPr indent="0" marL="0">
+              <a:buNone/>
+            </a:pPr>
+            <a:r>
+              <a:rPr lang="en-US" sz="1200" dirty="0">
+                <a:solidFill>
+                  <a:srgbClr val="94A3B8"/>
+                </a:solidFill>
+              </a:rPr>
+              <a:t>Near real‑time change tracking and impact visibility.</a:t>
+            </a:r>
+            <a:endParaRPr lang="en-US" sz="1200" dirty="0"/>
+          </a:p>
+        </p:txBody>
+      </p:sp>
+    </p:spTree>
+  </p:cSld>
+  <p:clrMapOvr>
+    <a:masterClrMapping/>
+  </p:clrMapOvr>
+</p:sld>
+</file>
+
+<file path=ppt/slides/slide27.xml><?xml version="1.0" encoding="utf-8"?>
+<p:sld xmlns:a="http://schemas.openxmlformats.org/drawingml/2006/main" xmlns:r="http://schemas.openxmlformats.org/officeDocument/2006/relationships" xmlns:p="http://schemas.openxmlformats.org/presentationml/2006/main">
+  <p:cSld name="Slide 27">
+    <p:spTree>
+      <p:nvGrpSpPr>
+        <p:cNvPr id="1" name=""/>
+        <p:cNvGrpSpPr/>
+        <p:nvPr/>
+      </p:nvGrpSpPr>
+      <p:grpSpPr>
+        <a:xfrm>
+          <a:off x="0" y="0"/>
+          <a:ext cx="0" cy="0"/>
+          <a:chOff x="0" y="0"/>
+          <a:chExt cx="0" cy="0"/>
+        </a:xfrm>
+      </p:grpSpPr>
+      <p:sp>
+        <p:nvSpPr>
+          <p:cNvPr id="2" name="Shape 0"/>
+          <p:cNvSpPr/>
+          <p:nvPr/>
+        </p:nvSpPr>
+        <p:spPr>
+          <a:xfrm>
+            <a:off x="0" y="0"/>
+            <a:ext cx="12191695" cy="6858000"/>
+          </a:xfrm>
+          <a:prstGeom prst="rect">
+            <a:avLst/>
+          </a:prstGeom>
+          <a:solidFill>
+            <a:srgbClr val="0B0F1A"/>
+          </a:solidFill>
+          <a:ln w="12700">
+            <a:solidFill>
+              <a:srgbClr val="0B0F1A"/>
+            </a:solidFill>
+            <a:prstDash val="solid"/>
+          </a:ln>
+        </p:spPr>
+      </p:sp>
+      <p:sp>
+        <p:nvSpPr>
+          <p:cNvPr id="3" name="Shape 1"/>
+          <p:cNvSpPr/>
+          <p:nvPr/>
+        </p:nvSpPr>
+        <p:spPr>
+          <a:xfrm>
+            <a:off x="0" y="0"/>
+            <a:ext cx="12191695" cy="777240"/>
+          </a:xfrm>
+          <a:prstGeom prst="rect">
+            <a:avLst/>
+          </a:prstGeom>
+          <a:solidFill>
+            <a:srgbClr val="0F172A"/>
+          </a:solidFill>
+          <a:ln w="12700">
+            <a:solidFill>
+              <a:srgbClr val="0F172A"/>
+            </a:solidFill>
+            <a:prstDash val="solid"/>
+          </a:ln>
+        </p:spPr>
+      </p:sp>
+      <p:sp>
+        <p:nvSpPr>
+          <p:cNvPr id="4" name="Text 2"/>
+          <p:cNvSpPr/>
+          <p:nvPr/>
+        </p:nvSpPr>
+        <p:spPr>
+          <a:xfrm>
+            <a:off x="548640" y="137160"/>
+            <a:ext cx="10058400" cy="457200"/>
+          </a:xfrm>
+          <a:prstGeom prst="rect">
+            <a:avLst/>
+          </a:prstGeom>
+          <a:noFill/>
+          <a:ln/>
+        </p:spPr>
+        <p:txBody>
+          <a:bodyPr wrap="square" rtlCol="0" anchor="ctr"/>
+          <a:lstStyle/>
+          <a:p>
+            <a:pPr indent="0" marL="0">
+              <a:buNone/>
+            </a:pPr>
+            <a:r>
+              <a:rPr lang="en-US" sz="2000" b="1" dirty="0">
+                <a:solidFill>
+                  <a:srgbClr val="E2E8F0"/>
+                </a:solidFill>
+              </a:rPr>
+              <a:t>Core Use Cases (1–6)</a:t>
+            </a:r>
+            <a:endParaRPr lang="en-US" sz="2000" dirty="0"/>
+          </a:p>
+        </p:txBody>
+      </p:sp>
+      <p:sp>
+        <p:nvSpPr>
+          <p:cNvPr id="5" name="Shape 3"/>
+          <p:cNvSpPr/>
+          <p:nvPr/>
+        </p:nvSpPr>
+        <p:spPr>
+          <a:xfrm>
+            <a:off x="0" y="6583680"/>
+            <a:ext cx="12191695" cy="274320"/>
+          </a:xfrm>
+          <a:prstGeom prst="rect">
+            <a:avLst/>
+          </a:prstGeom>
+          <a:solidFill>
+            <a:srgbClr val="38BDF8"/>
+          </a:solidFill>
+          <a:ln w="12700">
+            <a:solidFill>
+              <a:srgbClr val="38BDF8"/>
+            </a:solidFill>
+            <a:prstDash val="solid"/>
+          </a:ln>
+        </p:spPr>
       </p:sp>
       <p:sp>
         <p:nvSpPr>
@@ -10223,8 +13469,8 @@
         </p:nvSpPr>
         <p:spPr>
           <a:xfrm>
-            <a:off x="731520" y="3383280"/>
-            <a:ext cx="10972800" cy="548640"/>
+            <a:off x="731520" y="1097280"/>
+            <a:ext cx="10972800" cy="5303520"/>
           </a:xfrm>
           <a:prstGeom prst="rect">
             <a:avLst/>
@@ -10236,31 +13482,709 @@
           <a:bodyPr wrap="square" rtlCol="0" anchor="ctr"/>
           <a:lstStyle/>
           <a:p>
+            <a:pPr marL="254000" indent="-254000">
+              <a:buSzPct val="100000"/>
+              <a:buChar char="•"/>
+            </a:pPr>
+            <a:r>
+              <a:rPr lang="en-US" sz="1600" dirty="0">
+                <a:solidFill>
+                  <a:srgbClr val="E2E8F0"/>
+                </a:solidFill>
+              </a:rPr>
+              <a:t>1. Board‑ready reporting on demand.</a:t>
+            </a:r>
             <a:pPr indent="0" marL="0">
               <a:buNone/>
             </a:pPr>
             <a:r>
-              <a:rPr lang="en-US" sz="1400" dirty="0">
+              <a:rPr lang="en-US" sz="1600" dirty="0">
+                <a:solidFill>
+                  <a:srgbClr val="E2E8F0"/>
+                </a:solidFill>
+              </a:rPr>
+              <a:t>2. Regulatory change ingestion + instant gap analysis.</a:t>
+            </a:r>
+            <a:pPr indent="0" marL="0">
+              <a:buNone/>
+            </a:pPr>
+            <a:r>
+              <a:rPr lang="en-US" sz="1600" dirty="0">
+                <a:solidFill>
+                  <a:srgbClr val="E2E8F0"/>
+                </a:solidFill>
+              </a:rPr>
+              <a:t>3. Evidence mapped to controls and requirements.</a:t>
+            </a:r>
+            <a:pPr indent="0" marL="0">
+              <a:buNone/>
+            </a:pPr>
+            <a:r>
+              <a:rPr lang="en-US" sz="1600" dirty="0">
+                <a:solidFill>
+                  <a:srgbClr val="E2E8F0"/>
+                </a:solidFill>
+              </a:rPr>
+              <a:t>4. End‑to‑end remediation tracking with accountability.</a:t>
+            </a:r>
+            <a:pPr indent="0" marL="0">
+              <a:buNone/>
+            </a:pPr>
+            <a:r>
+              <a:rPr lang="en-US" sz="1600" dirty="0">
+                <a:solidFill>
+                  <a:srgbClr val="E2E8F0"/>
+                </a:solidFill>
+              </a:rPr>
+              <a:t>5. Human‑validated escalation for high‑risk decisions.</a:t>
+            </a:r>
+            <a:pPr indent="0" marL="0">
+              <a:buNone/>
+            </a:pPr>
+            <a:r>
+              <a:rPr lang="en-US" sz="1600" dirty="0">
+                <a:solidFill>
+                  <a:srgbClr val="E2E8F0"/>
+                </a:solidFill>
+              </a:rPr>
+              <a:t>6. 3LOD views with challenge flow and audit trails.</a:t>
+            </a:r>
+            <a:endParaRPr lang="en-US" sz="1600" dirty="0"/>
+          </a:p>
+        </p:txBody>
+      </p:sp>
+    </p:spTree>
+  </p:cSld>
+  <p:clrMapOvr>
+    <a:masterClrMapping/>
+  </p:clrMapOvr>
+</p:sld>
+</file>
+
+<file path=ppt/slides/slide28.xml><?xml version="1.0" encoding="utf-8"?>
+<p:sld xmlns:a="http://schemas.openxmlformats.org/drawingml/2006/main" xmlns:r="http://schemas.openxmlformats.org/officeDocument/2006/relationships" xmlns:p="http://schemas.openxmlformats.org/presentationml/2006/main">
+  <p:cSld name="Slide 28">
+    <p:spTree>
+      <p:nvGrpSpPr>
+        <p:cNvPr id="1" name=""/>
+        <p:cNvGrpSpPr/>
+        <p:nvPr/>
+      </p:nvGrpSpPr>
+      <p:grpSpPr>
+        <a:xfrm>
+          <a:off x="0" y="0"/>
+          <a:ext cx="0" cy="0"/>
+          <a:chOff x="0" y="0"/>
+          <a:chExt cx="0" cy="0"/>
+        </a:xfrm>
+      </p:grpSpPr>
+      <p:sp>
+        <p:nvSpPr>
+          <p:cNvPr id="2" name="Shape 0"/>
+          <p:cNvSpPr/>
+          <p:nvPr/>
+        </p:nvSpPr>
+        <p:spPr>
+          <a:xfrm>
+            <a:off x="0" y="0"/>
+            <a:ext cx="12191695" cy="6858000"/>
+          </a:xfrm>
+          <a:prstGeom prst="rect">
+            <a:avLst/>
+          </a:prstGeom>
+          <a:solidFill>
+            <a:srgbClr val="0B0F1A"/>
+          </a:solidFill>
+          <a:ln w="12700">
+            <a:solidFill>
+              <a:srgbClr val="0B0F1A"/>
+            </a:solidFill>
+            <a:prstDash val="solid"/>
+          </a:ln>
+        </p:spPr>
+      </p:sp>
+      <p:sp>
+        <p:nvSpPr>
+          <p:cNvPr id="3" name="Shape 1"/>
+          <p:cNvSpPr/>
+          <p:nvPr/>
+        </p:nvSpPr>
+        <p:spPr>
+          <a:xfrm>
+            <a:off x="0" y="0"/>
+            <a:ext cx="12191695" cy="777240"/>
+          </a:xfrm>
+          <a:prstGeom prst="rect">
+            <a:avLst/>
+          </a:prstGeom>
+          <a:solidFill>
+            <a:srgbClr val="0F172A"/>
+          </a:solidFill>
+          <a:ln w="12700">
+            <a:solidFill>
+              <a:srgbClr val="0F172A"/>
+            </a:solidFill>
+            <a:prstDash val="solid"/>
+          </a:ln>
+        </p:spPr>
+      </p:sp>
+      <p:sp>
+        <p:nvSpPr>
+          <p:cNvPr id="4" name="Text 2"/>
+          <p:cNvSpPr/>
+          <p:nvPr/>
+        </p:nvSpPr>
+        <p:spPr>
+          <a:xfrm>
+            <a:off x="548640" y="137160"/>
+            <a:ext cx="10058400" cy="457200"/>
+          </a:xfrm>
+          <a:prstGeom prst="rect">
+            <a:avLst/>
+          </a:prstGeom>
+          <a:noFill/>
+          <a:ln/>
+        </p:spPr>
+        <p:txBody>
+          <a:bodyPr wrap="square" rtlCol="0" anchor="ctr"/>
+          <a:lstStyle/>
+          <a:p>
+            <a:pPr indent="0" marL="0">
+              <a:buNone/>
+            </a:pPr>
+            <a:r>
+              <a:rPr lang="en-US" sz="2000" b="1" dirty="0">
+                <a:solidFill>
+                  <a:srgbClr val="E2E8F0"/>
+                </a:solidFill>
+              </a:rPr>
+              <a:t>Outcome Use Cases (7–11)</a:t>
+            </a:r>
+            <a:endParaRPr lang="en-US" sz="2000" dirty="0"/>
+          </a:p>
+        </p:txBody>
+      </p:sp>
+      <p:sp>
+        <p:nvSpPr>
+          <p:cNvPr id="5" name="Shape 3"/>
+          <p:cNvSpPr/>
+          <p:nvPr/>
+        </p:nvSpPr>
+        <p:spPr>
+          <a:xfrm>
+            <a:off x="0" y="6583680"/>
+            <a:ext cx="12191695" cy="274320"/>
+          </a:xfrm>
+          <a:prstGeom prst="rect">
+            <a:avLst/>
+          </a:prstGeom>
+          <a:solidFill>
+            <a:srgbClr val="38BDF8"/>
+          </a:solidFill>
+          <a:ln w="12700">
+            <a:solidFill>
+              <a:srgbClr val="38BDF8"/>
+            </a:solidFill>
+            <a:prstDash val="solid"/>
+          </a:ln>
+        </p:spPr>
+      </p:sp>
+      <p:sp>
+        <p:nvSpPr>
+          <p:cNvPr id="6" name="Text 4"/>
+          <p:cNvSpPr/>
+          <p:nvPr/>
+        </p:nvSpPr>
+        <p:spPr>
+          <a:xfrm>
+            <a:off x="731520" y="1097280"/>
+            <a:ext cx="10972800" cy="5303520"/>
+          </a:xfrm>
+          <a:prstGeom prst="rect">
+            <a:avLst/>
+          </a:prstGeom>
+          <a:noFill/>
+          <a:ln/>
+        </p:spPr>
+        <p:txBody>
+          <a:bodyPr wrap="square" rtlCol="0" anchor="ctr"/>
+          <a:lstStyle/>
+          <a:p>
+            <a:pPr marL="254000" indent="-254000">
+              <a:buSzPct val="100000"/>
+              <a:buChar char="•"/>
+            </a:pPr>
+            <a:r>
+              <a:rPr lang="en-US" sz="1600" dirty="0">
+                <a:solidFill>
+                  <a:srgbClr val="E2E8F0"/>
+                </a:solidFill>
+              </a:rPr>
+              <a:t>7. Governance ROI dashboards and maturity benchmarking.</a:t>
+            </a:r>
+            <a:pPr indent="0" marL="0">
+              <a:buNone/>
+            </a:pPr>
+            <a:r>
+              <a:rPr lang="en-US" sz="1600" dirty="0">
+                <a:solidFill>
+                  <a:srgbClr val="E2E8F0"/>
+                </a:solidFill>
+              </a:rPr>
+              <a:t>8. Predictive risk horizon scanning (SEC, HKMA, EU Digital Act).</a:t>
+            </a:r>
+            <a:pPr indent="0" marL="0">
+              <a:buNone/>
+            </a:pPr>
+            <a:r>
+              <a:rPr lang="en-US" sz="1600" dirty="0">
+                <a:solidFill>
+                  <a:srgbClr val="E2E8F0"/>
+                </a:solidFill>
+              </a:rPr>
+              <a:t>9. Governance fit assessment vs COBIT/NIST/PCI DSS/ISO 27k.</a:t>
+            </a:r>
+            <a:pPr indent="0" marL="0">
+              <a:buNone/>
+            </a:pPr>
+            <a:r>
+              <a:rPr lang="en-US" sz="1600" dirty="0">
+                <a:solidFill>
+                  <a:srgbClr val="E2E8F0"/>
+                </a:solidFill>
+              </a:rPr>
+              <a:t>10. Ethics scoring and socially responsible governance decisions.</a:t>
+            </a:r>
+            <a:pPr indent="0" marL="0">
+              <a:buNone/>
+            </a:pPr>
+            <a:r>
+              <a:rPr lang="en-US" sz="1600" dirty="0">
+                <a:solidFill>
+                  <a:srgbClr val="E2E8F0"/>
+                </a:solidFill>
+              </a:rPr>
+              <a:t>11. Org‑aligned ownership with process‑to‑org mapping.</a:t>
+            </a:r>
+            <a:endParaRPr lang="en-US" sz="1600" dirty="0"/>
+          </a:p>
+        </p:txBody>
+      </p:sp>
+    </p:spTree>
+  </p:cSld>
+  <p:clrMapOvr>
+    <a:masterClrMapping/>
+  </p:clrMapOvr>
+</p:sld>
+</file>
+
+<file path=ppt/slides/slide29.xml><?xml version="1.0" encoding="utf-8"?>
+<p:sld xmlns:a="http://schemas.openxmlformats.org/drawingml/2006/main" xmlns:r="http://schemas.openxmlformats.org/officeDocument/2006/relationships" xmlns:p="http://schemas.openxmlformats.org/presentationml/2006/main">
+  <p:cSld name="Slide 29">
+    <p:spTree>
+      <p:nvGrpSpPr>
+        <p:cNvPr id="1" name=""/>
+        <p:cNvGrpSpPr/>
+        <p:nvPr/>
+      </p:nvGrpSpPr>
+      <p:grpSpPr>
+        <a:xfrm>
+          <a:off x="0" y="0"/>
+          <a:ext cx="0" cy="0"/>
+          <a:chOff x="0" y="0"/>
+          <a:chExt cx="0" cy="0"/>
+        </a:xfrm>
+      </p:grpSpPr>
+      <p:sp>
+        <p:nvSpPr>
+          <p:cNvPr id="2" name="Shape 0"/>
+          <p:cNvSpPr/>
+          <p:nvPr/>
+        </p:nvSpPr>
+        <p:spPr>
+          <a:xfrm>
+            <a:off x="0" y="0"/>
+            <a:ext cx="12191695" cy="6858000"/>
+          </a:xfrm>
+          <a:prstGeom prst="rect">
+            <a:avLst/>
+          </a:prstGeom>
+          <a:solidFill>
+            <a:srgbClr val="0B0F1A"/>
+          </a:solidFill>
+          <a:ln w="12700">
+            <a:solidFill>
+              <a:srgbClr val="0B0F1A"/>
+            </a:solidFill>
+            <a:prstDash val="solid"/>
+          </a:ln>
+        </p:spPr>
+      </p:sp>
+      <p:sp>
+        <p:nvSpPr>
+          <p:cNvPr id="3" name="Shape 1"/>
+          <p:cNvSpPr/>
+          <p:nvPr/>
+        </p:nvSpPr>
+        <p:spPr>
+          <a:xfrm>
+            <a:off x="0" y="0"/>
+            <a:ext cx="12191695" cy="777240"/>
+          </a:xfrm>
+          <a:prstGeom prst="rect">
+            <a:avLst/>
+          </a:prstGeom>
+          <a:solidFill>
+            <a:srgbClr val="0F172A"/>
+          </a:solidFill>
+          <a:ln w="12700">
+            <a:solidFill>
+              <a:srgbClr val="0F172A"/>
+            </a:solidFill>
+            <a:prstDash val="solid"/>
+          </a:ln>
+        </p:spPr>
+      </p:sp>
+      <p:sp>
+        <p:nvSpPr>
+          <p:cNvPr id="4" name="Text 2"/>
+          <p:cNvSpPr/>
+          <p:nvPr/>
+        </p:nvSpPr>
+        <p:spPr>
+          <a:xfrm>
+            <a:off x="548640" y="137160"/>
+            <a:ext cx="10058400" cy="457200"/>
+          </a:xfrm>
+          <a:prstGeom prst="rect">
+            <a:avLst/>
+          </a:prstGeom>
+          <a:noFill/>
+          <a:ln/>
+        </p:spPr>
+        <p:txBody>
+          <a:bodyPr wrap="square" rtlCol="0" anchor="ctr"/>
+          <a:lstStyle/>
+          <a:p>
+            <a:pPr indent="0" marL="0">
+              <a:buNone/>
+            </a:pPr>
+            <a:r>
+              <a:rPr lang="en-US" sz="2000" b="1" dirty="0">
+                <a:solidFill>
+                  <a:srgbClr val="E2E8F0"/>
+                </a:solidFill>
+              </a:rPr>
+              <a:t>Assurance &amp; Compliance Posture</a:t>
+            </a:r>
+            <a:endParaRPr lang="en-US" sz="2000" dirty="0"/>
+          </a:p>
+        </p:txBody>
+      </p:sp>
+      <p:sp>
+        <p:nvSpPr>
+          <p:cNvPr id="5" name="Shape 3"/>
+          <p:cNvSpPr/>
+          <p:nvPr/>
+        </p:nvSpPr>
+        <p:spPr>
+          <a:xfrm>
+            <a:off x="0" y="6583680"/>
+            <a:ext cx="12191695" cy="274320"/>
+          </a:xfrm>
+          <a:prstGeom prst="rect">
+            <a:avLst/>
+          </a:prstGeom>
+          <a:solidFill>
+            <a:srgbClr val="38BDF8"/>
+          </a:solidFill>
+          <a:ln w="12700">
+            <a:solidFill>
+              <a:srgbClr val="38BDF8"/>
+            </a:solidFill>
+            <a:prstDash val="solid"/>
+          </a:ln>
+        </p:spPr>
+      </p:sp>
+      <p:sp>
+        <p:nvSpPr>
+          <p:cNvPr id="6" name="Shape 4"/>
+          <p:cNvSpPr/>
+          <p:nvPr/>
+        </p:nvSpPr>
+        <p:spPr>
+          <a:xfrm>
+            <a:off x="640080" y="1188720"/>
+            <a:ext cx="3474720" cy="4389120"/>
+          </a:xfrm>
+          <a:prstGeom prst="roundRect">
+            <a:avLst/>
+          </a:prstGeom>
+          <a:solidFill>
+            <a:srgbClr val="0F172A"/>
+          </a:solidFill>
+          <a:ln w="12700">
+            <a:solidFill>
+              <a:srgbClr val="38BDF8"/>
+            </a:solidFill>
+            <a:prstDash val="solid"/>
+          </a:ln>
+        </p:spPr>
+      </p:sp>
+      <p:sp>
+        <p:nvSpPr>
+          <p:cNvPr id="7" name="Shape 5"/>
+          <p:cNvSpPr/>
+          <p:nvPr/>
+        </p:nvSpPr>
+        <p:spPr>
+          <a:xfrm>
+            <a:off x="640080" y="1188720"/>
+            <a:ext cx="3474720" cy="109728"/>
+          </a:xfrm>
+          <a:prstGeom prst="rect">
+            <a:avLst/>
+          </a:prstGeom>
+          <a:solidFill>
+            <a:srgbClr val="38BDF8"/>
+          </a:solidFill>
+          <a:ln w="12700">
+            <a:solidFill>
+              <a:srgbClr val="38BDF8"/>
+            </a:solidFill>
+            <a:prstDash val="solid"/>
+          </a:ln>
+        </p:spPr>
+      </p:sp>
+      <p:sp>
+        <p:nvSpPr>
+          <p:cNvPr id="8" name="Text 6"/>
+          <p:cNvSpPr/>
+          <p:nvPr/>
+        </p:nvSpPr>
+        <p:spPr>
+          <a:xfrm>
+            <a:off x="822960" y="1417320"/>
+            <a:ext cx="3108960" cy="365760"/>
+          </a:xfrm>
+          <a:prstGeom prst="rect">
+            <a:avLst/>
+          </a:prstGeom>
+          <a:noFill/>
+          <a:ln/>
+        </p:spPr>
+        <p:txBody>
+          <a:bodyPr wrap="square" rtlCol="0" anchor="ctr"/>
+          <a:lstStyle/>
+          <a:p>
+            <a:pPr indent="0" marL="0">
+              <a:buNone/>
+            </a:pPr>
+            <a:r>
+              <a:rPr lang="en-US" sz="1600" b="1" dirty="0">
+                <a:solidFill>
+                  <a:srgbClr val="E2E8F0"/>
+                </a:solidFill>
+              </a:rPr>
+              <a:t>Audit‑Proof</a:t>
+            </a:r>
+            <a:endParaRPr lang="en-US" sz="1600" dirty="0"/>
+          </a:p>
+        </p:txBody>
+      </p:sp>
+      <p:sp>
+        <p:nvSpPr>
+          <p:cNvPr id="9" name="Text 7"/>
+          <p:cNvSpPr/>
+          <p:nvPr/>
+        </p:nvSpPr>
+        <p:spPr>
+          <a:xfrm>
+            <a:off x="822960" y="1874520"/>
+            <a:ext cx="3108960" cy="3474720"/>
+          </a:xfrm>
+          <a:prstGeom prst="rect">
+            <a:avLst/>
+          </a:prstGeom>
+          <a:noFill/>
+          <a:ln/>
+        </p:spPr>
+        <p:txBody>
+          <a:bodyPr wrap="square" rtlCol="0" anchor="ctr"/>
+          <a:lstStyle/>
+          <a:p>
+            <a:pPr indent="0" marL="0">
+              <a:buNone/>
+            </a:pPr>
+            <a:r>
+              <a:rPr lang="en-US" sz="1200" dirty="0">
                 <a:solidFill>
                   <a:srgbClr val="94A3B8"/>
                 </a:solidFill>
               </a:rPr>
-              <a:t>Agentic AI GRC Platform · Product vision for roadmap, epics, and NFRs</a:t>
-            </a:r>
-            <a:endParaRPr lang="en-US" sz="1400" dirty="0"/>
-          </a:p>
-        </p:txBody>
-      </p:sp>
-      <p:sp>
-        <p:nvSpPr>
-          <p:cNvPr id="7" name="Shape 5"/>
-          <p:cNvSpPr/>
-          <p:nvPr/>
-        </p:nvSpPr>
-        <p:spPr>
-          <a:xfrm>
-            <a:off x="731520" y="5303520"/>
-            <a:ext cx="4389120" cy="91440"/>
+              <a:t>Tamper‑evident trails; optional blockchain ledger.</a:t>
+            </a:r>
+            <a:endParaRPr lang="en-US" sz="1200" dirty="0"/>
+          </a:p>
+        </p:txBody>
+      </p:sp>
+      <p:sp>
+        <p:nvSpPr>
+          <p:cNvPr id="10" name="Shape 8"/>
+          <p:cNvSpPr/>
+          <p:nvPr/>
+        </p:nvSpPr>
+        <p:spPr>
+          <a:xfrm>
+            <a:off x="4434840" y="1188720"/>
+            <a:ext cx="3474720" cy="4389120"/>
+          </a:xfrm>
+          <a:prstGeom prst="roundRect">
+            <a:avLst/>
+          </a:prstGeom>
+          <a:solidFill>
+            <a:srgbClr val="0F172A"/>
+          </a:solidFill>
+          <a:ln w="12700">
+            <a:solidFill>
+              <a:srgbClr val="22D3EE"/>
+            </a:solidFill>
+            <a:prstDash val="solid"/>
+          </a:ln>
+        </p:spPr>
+      </p:sp>
+      <p:sp>
+        <p:nvSpPr>
+          <p:cNvPr id="11" name="Shape 9"/>
+          <p:cNvSpPr/>
+          <p:nvPr/>
+        </p:nvSpPr>
+        <p:spPr>
+          <a:xfrm>
+            <a:off x="4434840" y="1188720"/>
+            <a:ext cx="3474720" cy="109728"/>
+          </a:xfrm>
+          <a:prstGeom prst="rect">
+            <a:avLst/>
+          </a:prstGeom>
+          <a:solidFill>
+            <a:srgbClr val="22D3EE"/>
+          </a:solidFill>
+          <a:ln w="12700">
+            <a:solidFill>
+              <a:srgbClr val="22D3EE"/>
+            </a:solidFill>
+            <a:prstDash val="solid"/>
+          </a:ln>
+        </p:spPr>
+      </p:sp>
+      <p:sp>
+        <p:nvSpPr>
+          <p:cNvPr id="12" name="Text 10"/>
+          <p:cNvSpPr/>
+          <p:nvPr/>
+        </p:nvSpPr>
+        <p:spPr>
+          <a:xfrm>
+            <a:off x="4617720" y="1417320"/>
+            <a:ext cx="3108960" cy="365760"/>
+          </a:xfrm>
+          <a:prstGeom prst="rect">
+            <a:avLst/>
+          </a:prstGeom>
+          <a:noFill/>
+          <a:ln/>
+        </p:spPr>
+        <p:txBody>
+          <a:bodyPr wrap="square" rtlCol="0" anchor="ctr"/>
+          <a:lstStyle/>
+          <a:p>
+            <a:pPr indent="0" marL="0">
+              <a:buNone/>
+            </a:pPr>
+            <a:r>
+              <a:rPr lang="en-US" sz="1600" b="1" dirty="0">
+                <a:solidFill>
+                  <a:srgbClr val="E2E8F0"/>
+                </a:solidFill>
+              </a:rPr>
+              <a:t>Explainable</a:t>
+            </a:r>
+            <a:endParaRPr lang="en-US" sz="1600" dirty="0"/>
+          </a:p>
+        </p:txBody>
+      </p:sp>
+      <p:sp>
+        <p:nvSpPr>
+          <p:cNvPr id="13" name="Text 11"/>
+          <p:cNvSpPr/>
+          <p:nvPr/>
+        </p:nvSpPr>
+        <p:spPr>
+          <a:xfrm>
+            <a:off x="4617720" y="1874520"/>
+            <a:ext cx="3108960" cy="3474720"/>
+          </a:xfrm>
+          <a:prstGeom prst="rect">
+            <a:avLst/>
+          </a:prstGeom>
+          <a:noFill/>
+          <a:ln/>
+        </p:spPr>
+        <p:txBody>
+          <a:bodyPr wrap="square" rtlCol="0" anchor="ctr"/>
+          <a:lstStyle/>
+          <a:p>
+            <a:pPr indent="0" marL="0">
+              <a:buNone/>
+            </a:pPr>
+            <a:r>
+              <a:rPr lang="en-US" sz="1200" dirty="0">
+                <a:solidFill>
+                  <a:srgbClr val="94A3B8"/>
+                </a:solidFill>
+              </a:rPr>
+              <a:t>Regulator‑ready reports with plain + technical rationale.</a:t>
+            </a:r>
+            <a:endParaRPr lang="en-US" sz="1200" dirty="0"/>
+          </a:p>
+        </p:txBody>
+      </p:sp>
+      <p:sp>
+        <p:nvSpPr>
+          <p:cNvPr id="14" name="Shape 12"/>
+          <p:cNvSpPr/>
+          <p:nvPr/>
+        </p:nvSpPr>
+        <p:spPr>
+          <a:xfrm>
+            <a:off x="8229600" y="1188720"/>
+            <a:ext cx="3474720" cy="4389120"/>
+          </a:xfrm>
+          <a:prstGeom prst="roundRect">
+            <a:avLst/>
+          </a:prstGeom>
+          <a:solidFill>
+            <a:srgbClr val="0F172A"/>
+          </a:solidFill>
+          <a:ln w="12700">
+            <a:solidFill>
+              <a:srgbClr val="A855F7"/>
+            </a:solidFill>
+            <a:prstDash val="solid"/>
+          </a:ln>
+        </p:spPr>
+      </p:sp>
+      <p:sp>
+        <p:nvSpPr>
+          <p:cNvPr id="15" name="Shape 13"/>
+          <p:cNvSpPr/>
+          <p:nvPr/>
+        </p:nvSpPr>
+        <p:spPr>
+          <a:xfrm>
+            <a:off x="8229600" y="1188720"/>
+            <a:ext cx="3474720" cy="109728"/>
           </a:xfrm>
           <a:prstGeom prst="rect">
             <a:avLst/>
@@ -10275,6 +14199,78 @@
             <a:prstDash val="solid"/>
           </a:ln>
         </p:spPr>
+      </p:sp>
+      <p:sp>
+        <p:nvSpPr>
+          <p:cNvPr id="16" name="Text 14"/>
+          <p:cNvSpPr/>
+          <p:nvPr/>
+        </p:nvSpPr>
+        <p:spPr>
+          <a:xfrm>
+            <a:off x="8412480" y="1417320"/>
+            <a:ext cx="3108960" cy="365760"/>
+          </a:xfrm>
+          <a:prstGeom prst="rect">
+            <a:avLst/>
+          </a:prstGeom>
+          <a:noFill/>
+          <a:ln/>
+        </p:spPr>
+        <p:txBody>
+          <a:bodyPr wrap="square" rtlCol="0" anchor="ctr"/>
+          <a:lstStyle/>
+          <a:p>
+            <a:pPr indent="0" marL="0">
+              <a:buNone/>
+            </a:pPr>
+            <a:r>
+              <a:rPr lang="en-US" sz="1600" b="1" dirty="0">
+                <a:solidFill>
+                  <a:srgbClr val="E2E8F0"/>
+                </a:solidFill>
+              </a:rPr>
+              <a:t>Secure &amp; Resilient</a:t>
+            </a:r>
+            <a:endParaRPr lang="en-US" sz="1600" dirty="0"/>
+          </a:p>
+        </p:txBody>
+      </p:sp>
+      <p:sp>
+        <p:nvSpPr>
+          <p:cNvPr id="17" name="Text 15"/>
+          <p:cNvSpPr/>
+          <p:nvPr/>
+        </p:nvSpPr>
+        <p:spPr>
+          <a:xfrm>
+            <a:off x="8412480" y="1874520"/>
+            <a:ext cx="3108960" cy="3474720"/>
+          </a:xfrm>
+          <a:prstGeom prst="rect">
+            <a:avLst/>
+          </a:prstGeom>
+          <a:noFill/>
+          <a:ln/>
+        </p:spPr>
+        <p:txBody>
+          <a:bodyPr wrap="square" rtlCol="0" anchor="ctr"/>
+          <a:lstStyle/>
+          <a:p>
+            <a:pPr indent="0" marL="0">
+              <a:buNone/>
+            </a:pPr>
+            <a:r>
+              <a:rPr lang="en-US" sz="1200" dirty="0">
+                <a:solidFill>
+                  <a:srgbClr val="94A3B8"/>
+                </a:solidFill>
+              </a:rPr>
+              <a:t>Encryption, RBAC by 3LOD, 99.5% availability.</a:t>
+            </a:r>
+            <a:endParaRPr lang="en-US" sz="1200" dirty="0"/>
+          </a:p>
+        </p:txBody>
       </p:sp>
     </p:spTree>
   </p:cSld>
@@ -10777,6 +14773,214 @@
             <a:endParaRPr lang="en-US" sz="1200" dirty="0"/>
           </a:p>
         </p:txBody>
+      </p:sp>
+    </p:spTree>
+  </p:cSld>
+  <p:clrMapOvr>
+    <a:masterClrMapping/>
+  </p:clrMapOvr>
+</p:sld>
+</file>
+
+<file path=ppt/slides/slide30.xml><?xml version="1.0" encoding="utf-8"?>
+<p:sld xmlns:a="http://schemas.openxmlformats.org/drawingml/2006/main" xmlns:r="http://schemas.openxmlformats.org/officeDocument/2006/relationships" xmlns:p="http://schemas.openxmlformats.org/presentationml/2006/main">
+  <p:cSld name="Slide 30">
+    <p:spTree>
+      <p:nvGrpSpPr>
+        <p:cNvPr id="1" name=""/>
+        <p:cNvGrpSpPr/>
+        <p:nvPr/>
+      </p:nvGrpSpPr>
+      <p:grpSpPr>
+        <a:xfrm>
+          <a:off x="0" y="0"/>
+          <a:ext cx="0" cy="0"/>
+          <a:chOff x="0" y="0"/>
+          <a:chExt cx="0" cy="0"/>
+        </a:xfrm>
+      </p:grpSpPr>
+      <p:sp>
+        <p:nvSpPr>
+          <p:cNvPr id="2" name="Shape 0"/>
+          <p:cNvSpPr/>
+          <p:nvPr/>
+        </p:nvSpPr>
+        <p:spPr>
+          <a:xfrm>
+            <a:off x="0" y="0"/>
+            <a:ext cx="12191695" cy="6858000"/>
+          </a:xfrm>
+          <a:prstGeom prst="rect">
+            <a:avLst/>
+          </a:prstGeom>
+          <a:solidFill>
+            <a:srgbClr val="0B0F1A"/>
+          </a:solidFill>
+          <a:ln w="12700">
+            <a:solidFill>
+              <a:srgbClr val="0B0F1A"/>
+            </a:solidFill>
+            <a:prstDash val="solid"/>
+          </a:ln>
+        </p:spPr>
+      </p:sp>
+      <p:sp>
+        <p:nvSpPr>
+          <p:cNvPr id="3" name="Shape 1"/>
+          <p:cNvSpPr/>
+          <p:nvPr/>
+        </p:nvSpPr>
+        <p:spPr>
+          <a:xfrm>
+            <a:off x="0" y="0"/>
+            <a:ext cx="12191695" cy="914400"/>
+          </a:xfrm>
+          <a:prstGeom prst="rect">
+            <a:avLst/>
+          </a:prstGeom>
+          <a:solidFill>
+            <a:srgbClr val="0F172A"/>
+          </a:solidFill>
+          <a:ln w="12700">
+            <a:solidFill>
+              <a:srgbClr val="0F172A"/>
+            </a:solidFill>
+            <a:prstDash val="solid"/>
+          </a:ln>
+        </p:spPr>
+      </p:sp>
+      <p:sp>
+        <p:nvSpPr>
+          <p:cNvPr id="4" name="Text 2"/>
+          <p:cNvSpPr/>
+          <p:nvPr/>
+        </p:nvSpPr>
+        <p:spPr>
+          <a:xfrm>
+            <a:off x="731520" y="1737360"/>
+            <a:ext cx="10972800" cy="640080"/>
+          </a:xfrm>
+          <a:prstGeom prst="rect">
+            <a:avLst/>
+          </a:prstGeom>
+          <a:noFill/>
+          <a:ln/>
+        </p:spPr>
+        <p:txBody>
+          <a:bodyPr wrap="square" rtlCol="0" anchor="ctr"/>
+          <a:lstStyle/>
+          <a:p>
+            <a:pPr indent="0" marL="0">
+              <a:buNone/>
+            </a:pPr>
+            <a:r>
+              <a:rPr lang="en-US" sz="3800" b="1" dirty="0">
+                <a:solidFill>
+                  <a:srgbClr val="E2E8F0"/>
+                </a:solidFill>
+              </a:rPr>
+              <a:t>Agentic AI GRC Platform</a:t>
+            </a:r>
+            <a:endParaRPr lang="en-US" sz="3800" dirty="0"/>
+          </a:p>
+        </p:txBody>
+      </p:sp>
+      <p:sp>
+        <p:nvSpPr>
+          <p:cNvPr id="5" name="Text 3"/>
+          <p:cNvSpPr/>
+          <p:nvPr/>
+        </p:nvSpPr>
+        <p:spPr>
+          <a:xfrm>
+            <a:off x="731520" y="2560320"/>
+            <a:ext cx="10972800" cy="731520"/>
+          </a:xfrm>
+          <a:prstGeom prst="rect">
+            <a:avLst/>
+          </a:prstGeom>
+          <a:noFill/>
+          <a:ln/>
+        </p:spPr>
+        <p:txBody>
+          <a:bodyPr wrap="square" rtlCol="0" anchor="ctr"/>
+          <a:lstStyle/>
+          <a:p>
+            <a:pPr indent="0" marL="0">
+              <a:buNone/>
+            </a:pPr>
+            <a:r>
+              <a:rPr lang="en-US" sz="3000" dirty="0">
+                <a:solidFill>
+                  <a:srgbClr val="E2E8F0"/>
+                </a:solidFill>
+              </a:rPr>
+              <a:t>Thank you</a:t>
+            </a:r>
+            <a:endParaRPr lang="en-US" sz="3000" dirty="0"/>
+          </a:p>
+        </p:txBody>
+      </p:sp>
+      <p:sp>
+        <p:nvSpPr>
+          <p:cNvPr id="6" name="Text 4"/>
+          <p:cNvSpPr/>
+          <p:nvPr/>
+        </p:nvSpPr>
+        <p:spPr>
+          <a:xfrm>
+            <a:off x="731520" y="3383280"/>
+            <a:ext cx="10972800" cy="548640"/>
+          </a:xfrm>
+          <a:prstGeom prst="rect">
+            <a:avLst/>
+          </a:prstGeom>
+          <a:noFill/>
+          <a:ln/>
+        </p:spPr>
+        <p:txBody>
+          <a:bodyPr wrap="square" rtlCol="0" anchor="ctr"/>
+          <a:lstStyle/>
+          <a:p>
+            <a:pPr indent="0" marL="0">
+              <a:buNone/>
+            </a:pPr>
+            <a:r>
+              <a:rPr lang="en-US" sz="1400" dirty="0">
+                <a:solidFill>
+                  <a:srgbClr val="94A3B8"/>
+                </a:solidFill>
+              </a:rPr>
+              <a:t>Agentic AI GRC Platform · Product vision for roadmap, epics, and NFRs</a:t>
+            </a:r>
+            <a:endParaRPr lang="en-US" sz="1400" dirty="0"/>
+          </a:p>
+        </p:txBody>
+      </p:sp>
+      <p:sp>
+        <p:nvSpPr>
+          <p:cNvPr id="7" name="Shape 5"/>
+          <p:cNvSpPr/>
+          <p:nvPr/>
+        </p:nvSpPr>
+        <p:spPr>
+          <a:xfrm>
+            <a:off x="731520" y="5303520"/>
+            <a:ext cx="4389120" cy="91440"/>
+          </a:xfrm>
+          <a:prstGeom prst="rect">
+            <a:avLst/>
+          </a:prstGeom>
+          <a:solidFill>
+            <a:srgbClr val="A855F7"/>
+          </a:solidFill>
+          <a:ln w="12700">
+            <a:solidFill>
+              <a:srgbClr val="A855F7"/>
+            </a:solidFill>
+            <a:prstDash val="solid"/>
+          </a:ln>
+        </p:spPr>
       </p:sp>
     </p:spTree>
   </p:cSld>
